--- a/CFT4CUnitSrc/src/report/HNNCS2017.pptx
+++ b/CFT4CUnitSrc/src/report/HNNCS2017.pptx
@@ -2131,7 +2131,7 @@
           <a:graphicData uri="http://schemas.openxmlformats.org/presentationml/2006/ole">
             <mc:AlternateContent xmlns:mc="http://schemas.openxmlformats.org/markup-compatibility/2006">
               <mc:Choice xmlns:v="urn:schemas-microsoft-com:vml" Requires="v">
-                <p:oleObj spid="_x0000_s1200" r:id="rId15" imgW="4572009" imgH="4572009" progId="">
+                <p:oleObj spid="_x0000_s1248" r:id="rId15" imgW="4572009" imgH="4572009" progId="">
                   <p:embed/>
                 </p:oleObj>
               </mc:Choice>
@@ -4679,8 +4679,8 @@
         </p:blipFill>
         <p:spPr bwMode="auto">
           <a:xfrm>
-            <a:off x="23782216" y="14391481"/>
-            <a:ext cx="4572000" cy="3006090"/>
+            <a:off x="23672006" y="14239081"/>
+            <a:ext cx="6096000" cy="3310890"/>
           </a:xfrm>
           <a:prstGeom prst="rect">
             <a:avLst/>
@@ -4703,14 +4703,14 @@
           <p:nvPr>
             <p:extLst>
               <p:ext uri="{D42A27DB-BD31-4B8C-83A1-F6EECF244321}">
-                <p14:modId xmlns:p14="http://schemas.microsoft.com/office/powerpoint/2010/main" val="1845532411"/>
+                <p14:modId xmlns:p14="http://schemas.microsoft.com/office/powerpoint/2010/main" val="530008643"/>
               </p:ext>
             </p:extLst>
           </p:nvPr>
         </p:nvGraphicFramePr>
         <p:xfrm>
-          <a:off x="22148004" y="18243707"/>
-          <a:ext cx="7620001" cy="1226820"/>
+          <a:off x="21690806" y="17744281"/>
+          <a:ext cx="8046190" cy="2586130"/>
         </p:xfrm>
         <a:graphic>
           <a:graphicData uri="http://schemas.openxmlformats.org/drawingml/2006/table">
@@ -4719,11 +4719,11 @@
                 <a:tableStyleId>{5C22544A-7EE6-4342-B048-85BDC9FD1C3A}</a:tableStyleId>
               </a:tblPr>
               <a:tblGrid>
-                <a:gridCol w="508000"/>
-                <a:gridCol w="1100667"/>
-                <a:gridCol w="6011334"/>
+                <a:gridCol w="399098"/>
+                <a:gridCol w="734060"/>
+                <a:gridCol w="6913032"/>
               </a:tblGrid>
-              <a:tr h="0">
+              <a:tr h="293202">
                 <a:tc>
                   <a:txBody>
                     <a:bodyPr/>
@@ -4738,16 +4738,18 @@
                         </a:spcAft>
                       </a:pPr>
                       <a:r>
-                        <a:rPr lang="en-US" sz="1000">
-                          <a:effectLst/>
+                        <a:rPr lang="en-US" sz="1400" dirty="0" smtClean="0">
+                          <a:effectLst/>
+                          <a:latin typeface="Times New Roman" panose="02020603050405020304" pitchFamily="18" charset="0"/>
+                          <a:cs typeface="Times New Roman" panose="02020603050405020304" pitchFamily="18" charset="0"/>
                         </a:rPr>
                         <a:t>No</a:t>
                       </a:r>
-                      <a:endParaRPr lang="en-US" sz="1100">
+                      <a:endParaRPr lang="en-US" sz="1400" dirty="0">
                         <a:effectLst/>
-                        <a:latin typeface="Calibri"/>
+                        <a:latin typeface="Times New Roman" panose="02020603050405020304" pitchFamily="18" charset="0"/>
                         <a:ea typeface="ＭＳ 明朝"/>
-                        <a:cs typeface="Times New Roman"/>
+                        <a:cs typeface="Times New Roman" panose="02020603050405020304" pitchFamily="18" charset="0"/>
                       </a:endParaRPr>
                     </a:p>
                   </a:txBody>
@@ -4767,16 +4769,18 @@
                         </a:spcAft>
                       </a:pPr>
                       <a:r>
-                        <a:rPr lang="en-US" sz="1000">
-                          <a:effectLst/>
+                        <a:rPr lang="en-US" sz="1400">
+                          <a:effectLst/>
+                          <a:latin typeface="Times New Roman" panose="02020603050405020304" pitchFamily="18" charset="0"/>
+                          <a:cs typeface="Times New Roman" panose="02020603050405020304" pitchFamily="18" charset="0"/>
                         </a:rPr>
                         <a:t>PathID</a:t>
                       </a:r>
-                      <a:endParaRPr lang="en-US" sz="1100">
+                      <a:endParaRPr lang="en-US" sz="1400">
                         <a:effectLst/>
-                        <a:latin typeface="Calibri"/>
+                        <a:latin typeface="Times New Roman" panose="02020603050405020304" pitchFamily="18" charset="0"/>
                         <a:ea typeface="ＭＳ 明朝"/>
-                        <a:cs typeface="Times New Roman"/>
+                        <a:cs typeface="Times New Roman" panose="02020603050405020304" pitchFamily="18" charset="0"/>
                       </a:endParaRPr>
                     </a:p>
                   </a:txBody>
@@ -4796,16 +4800,959 @@
                         </a:spcAft>
                       </a:pPr>
                       <a:r>
-                        <a:rPr lang="en-US" sz="1000">
-                          <a:effectLst/>
+                        <a:rPr lang="en-US" sz="1400" dirty="0">
+                          <a:effectLst/>
+                          <a:latin typeface="Times New Roman" panose="02020603050405020304" pitchFamily="18" charset="0"/>
+                          <a:cs typeface="Times New Roman" panose="02020603050405020304" pitchFamily="18" charset="0"/>
                         </a:rPr>
                         <a:t>Path’s decision nodes</a:t>
                       </a:r>
-                      <a:endParaRPr lang="en-US" sz="1100">
+                      <a:endParaRPr lang="en-US" sz="1400" dirty="0">
                         <a:effectLst/>
-                        <a:latin typeface="Calibri"/>
+                        <a:latin typeface="Times New Roman" panose="02020603050405020304" pitchFamily="18" charset="0"/>
                         <a:ea typeface="ＭＳ 明朝"/>
-                        <a:cs typeface="Times New Roman"/>
+                        <a:cs typeface="Times New Roman" panose="02020603050405020304" pitchFamily="18" charset="0"/>
+                      </a:endParaRPr>
+                    </a:p>
+                  </a:txBody>
+                  <a:tcPr marL="68580" marR="68580" marT="0" marB="0"/>
+                </a:tc>
+              </a:tr>
+              <a:tr h="586405">
+                <a:tc>
+                  <a:txBody>
+                    <a:bodyPr/>
+                    <a:lstStyle/>
+                    <a:p>
+                      <a:pPr algn="ctr">
+                        <a:lnSpc>
+                          <a:spcPct val="115000"/>
+                        </a:lnSpc>
+                        <a:spcAft>
+                          <a:spcPts val="0"/>
+                        </a:spcAft>
+                      </a:pPr>
+                      <a:r>
+                        <a:rPr lang="en-US" sz="1400" dirty="0">
+                          <a:effectLst/>
+                          <a:latin typeface="Times New Roman" panose="02020603050405020304" pitchFamily="18" charset="0"/>
+                          <a:cs typeface="Times New Roman" panose="02020603050405020304" pitchFamily="18" charset="0"/>
+                        </a:rPr>
+                        <a:t>1</a:t>
+                      </a:r>
+                      <a:endParaRPr lang="en-US" sz="1400" dirty="0">
+                        <a:effectLst/>
+                        <a:latin typeface="Times New Roman" panose="02020603050405020304" pitchFamily="18" charset="0"/>
+                        <a:ea typeface="ＭＳ 明朝"/>
+                        <a:cs typeface="Times New Roman" panose="02020603050405020304" pitchFamily="18" charset="0"/>
+                      </a:endParaRPr>
+                    </a:p>
+                  </a:txBody>
+                  <a:tcPr marL="68580" marR="68580" marT="0" marB="0"/>
+                </a:tc>
+                <a:tc>
+                  <a:txBody>
+                    <a:bodyPr/>
+                    <a:lstStyle/>
+                    <a:p>
+                      <a:pPr>
+                        <a:lnSpc>
+                          <a:spcPct val="115000"/>
+                        </a:lnSpc>
+                        <a:spcAft>
+                          <a:spcPts val="0"/>
+                        </a:spcAft>
+                      </a:pPr>
+                      <a:r>
+                        <a:rPr lang="en-US" sz="1400">
+                          <a:effectLst/>
+                          <a:latin typeface="Times New Roman" panose="02020603050405020304" pitchFamily="18" charset="0"/>
+                          <a:cs typeface="Times New Roman" panose="02020603050405020304" pitchFamily="18" charset="0"/>
+                        </a:rPr>
+                        <a:t>path1</a:t>
+                      </a:r>
+                      <a:endParaRPr lang="en-US" sz="1400">
+                        <a:effectLst/>
+                        <a:latin typeface="Times New Roman" panose="02020603050405020304" pitchFamily="18" charset="0"/>
+                        <a:ea typeface="ＭＳ 明朝"/>
+                        <a:cs typeface="Times New Roman" panose="02020603050405020304" pitchFamily="18" charset="0"/>
+                      </a:endParaRPr>
+                    </a:p>
+                  </a:txBody>
+                  <a:tcPr marL="68580" marR="68580" marT="0" marB="0"/>
+                </a:tc>
+                <a:tc>
+                  <a:txBody>
+                    <a:bodyPr/>
+                    <a:lstStyle/>
+                    <a:p>
+                      <a:pPr>
+                        <a:lnSpc>
+                          <a:spcPct val="115000"/>
+                        </a:lnSpc>
+                        <a:spcAft>
+                          <a:spcPts val="0"/>
+                        </a:spcAft>
+                      </a:pPr>
+                      <a:r>
+                        <a:rPr lang="en-US" sz="1400" dirty="0">
+                          <a:effectLst/>
+                          <a:latin typeface="Times New Roman" panose="02020603050405020304" pitchFamily="18" charset="0"/>
+                          <a:cs typeface="Times New Roman" panose="02020603050405020304" pitchFamily="18" charset="0"/>
+                        </a:rPr>
+                        <a:t>[(month ≥ 1 &amp;&amp; month ≤ 12), T</a:t>
+                      </a:r>
+                      <a:r>
+                        <a:rPr lang="vi-VN" sz="1400" dirty="0">
+                          <a:effectLst/>
+                          <a:latin typeface="Times New Roman" panose="02020603050405020304" pitchFamily="18" charset="0"/>
+                          <a:cs typeface="Times New Roman" panose="02020603050405020304" pitchFamily="18" charset="0"/>
+                        </a:rPr>
+                        <a:t>]</a:t>
+                      </a:r>
+                      <a:r>
+                        <a:rPr lang="en-US" sz="1400" dirty="0">
+                          <a:effectLst/>
+                          <a:latin typeface="Times New Roman" panose="02020603050405020304" pitchFamily="18" charset="0"/>
+                          <a:cs typeface="Times New Roman" panose="02020603050405020304" pitchFamily="18" charset="0"/>
+                        </a:rPr>
+                        <a:t>, [(month = 2), T], </a:t>
+                      </a:r>
+                    </a:p>
+                    <a:p>
+                      <a:pPr>
+                        <a:lnSpc>
+                          <a:spcPct val="115000"/>
+                        </a:lnSpc>
+                        <a:spcAft>
+                          <a:spcPts val="0"/>
+                        </a:spcAft>
+                      </a:pPr>
+                      <a:r>
+                        <a:rPr lang="vi-VN" sz="1400" dirty="0">
+                          <a:effectLst/>
+                          <a:latin typeface="Times New Roman" panose="02020603050405020304" pitchFamily="18" charset="0"/>
+                          <a:cs typeface="Times New Roman" panose="02020603050405020304" pitchFamily="18" charset="0"/>
+                        </a:rPr>
+                        <a:t>[</a:t>
+                      </a:r>
+                      <a:r>
+                        <a:rPr lang="en-US" sz="1400" dirty="0">
+                          <a:effectLst/>
+                          <a:latin typeface="Times New Roman" panose="02020603050405020304" pitchFamily="18" charset="0"/>
+                          <a:cs typeface="Times New Roman" panose="02020603050405020304" pitchFamily="18" charset="0"/>
+                        </a:rPr>
+                        <a:t>(year % 400 = 0 | | (year % 4 = 0 &amp;&amp; year % 100 = 0)), T</a:t>
+                      </a:r>
+                      <a:r>
+                        <a:rPr lang="vi-VN" sz="1400" dirty="0">
+                          <a:effectLst/>
+                          <a:latin typeface="Times New Roman" panose="02020603050405020304" pitchFamily="18" charset="0"/>
+                          <a:cs typeface="Times New Roman" panose="02020603050405020304" pitchFamily="18" charset="0"/>
+                        </a:rPr>
+                        <a:t>]</a:t>
+                      </a:r>
+                      <a:endParaRPr lang="en-US" sz="1400" dirty="0">
+                        <a:effectLst/>
+                        <a:latin typeface="Times New Roman" panose="02020603050405020304" pitchFamily="18" charset="0"/>
+                        <a:ea typeface="ＭＳ 明朝"/>
+                        <a:cs typeface="Times New Roman" panose="02020603050405020304" pitchFamily="18" charset="0"/>
+                      </a:endParaRPr>
+                    </a:p>
+                  </a:txBody>
+                  <a:tcPr marL="68580" marR="68580" marT="0" marB="0"/>
+                </a:tc>
+              </a:tr>
+              <a:tr h="293202">
+                <a:tc>
+                  <a:txBody>
+                    <a:bodyPr/>
+                    <a:lstStyle/>
+                    <a:p>
+                      <a:pPr algn="ctr">
+                        <a:lnSpc>
+                          <a:spcPct val="115000"/>
+                        </a:lnSpc>
+                        <a:spcAft>
+                          <a:spcPts val="0"/>
+                        </a:spcAft>
+                      </a:pPr>
+                      <a:r>
+                        <a:rPr lang="en-US" sz="1400">
+                          <a:effectLst/>
+                          <a:latin typeface="Times New Roman" panose="02020603050405020304" pitchFamily="18" charset="0"/>
+                          <a:cs typeface="Times New Roman" panose="02020603050405020304" pitchFamily="18" charset="0"/>
+                        </a:rPr>
+                        <a:t>2</a:t>
+                      </a:r>
+                      <a:endParaRPr lang="en-US" sz="1400">
+                        <a:effectLst/>
+                        <a:latin typeface="Times New Roman" panose="02020603050405020304" pitchFamily="18" charset="0"/>
+                        <a:ea typeface="ＭＳ 明朝"/>
+                        <a:cs typeface="Times New Roman" panose="02020603050405020304" pitchFamily="18" charset="0"/>
+                      </a:endParaRPr>
+                    </a:p>
+                  </a:txBody>
+                  <a:tcPr marL="68580" marR="68580" marT="0" marB="0"/>
+                </a:tc>
+                <a:tc>
+                  <a:txBody>
+                    <a:bodyPr/>
+                    <a:lstStyle/>
+                    <a:p>
+                      <a:pPr>
+                        <a:lnSpc>
+                          <a:spcPct val="115000"/>
+                        </a:lnSpc>
+                        <a:spcAft>
+                          <a:spcPts val="0"/>
+                        </a:spcAft>
+                      </a:pPr>
+                      <a:r>
+                        <a:rPr lang="en-US" sz="1400" dirty="0" err="1">
+                          <a:effectLst/>
+                          <a:latin typeface="Times New Roman" panose="02020603050405020304" pitchFamily="18" charset="0"/>
+                          <a:cs typeface="Times New Roman" panose="02020603050405020304" pitchFamily="18" charset="0"/>
+                        </a:rPr>
+                        <a:t>path2</a:t>
+                      </a:r>
+                      <a:endParaRPr lang="en-US" sz="1400" dirty="0">
+                        <a:effectLst/>
+                        <a:latin typeface="Times New Roman" panose="02020603050405020304" pitchFamily="18" charset="0"/>
+                        <a:ea typeface="ＭＳ 明朝"/>
+                        <a:cs typeface="Times New Roman" panose="02020603050405020304" pitchFamily="18" charset="0"/>
+                      </a:endParaRPr>
+                    </a:p>
+                  </a:txBody>
+                  <a:tcPr marL="68580" marR="68580" marT="0" marB="0"/>
+                </a:tc>
+                <a:tc>
+                  <a:txBody>
+                    <a:bodyPr/>
+                    <a:lstStyle/>
+                    <a:p>
+                      <a:pPr>
+                        <a:lnSpc>
+                          <a:spcPct val="115000"/>
+                        </a:lnSpc>
+                        <a:spcAft>
+                          <a:spcPts val="0"/>
+                        </a:spcAft>
+                      </a:pPr>
+                      <a:r>
+                        <a:rPr lang="en-US" sz="1400" dirty="0">
+                          <a:effectLst/>
+                          <a:latin typeface="Times New Roman" panose="02020603050405020304" pitchFamily="18" charset="0"/>
+                          <a:cs typeface="Times New Roman" panose="02020603050405020304" pitchFamily="18" charset="0"/>
+                        </a:rPr>
+                        <a:t>[(month ≥ 1 &amp;&amp; month ≤ 12), T</a:t>
+                      </a:r>
+                      <a:r>
+                        <a:rPr lang="vi-VN" sz="1400" dirty="0">
+                          <a:effectLst/>
+                          <a:latin typeface="Times New Roman" panose="02020603050405020304" pitchFamily="18" charset="0"/>
+                          <a:cs typeface="Times New Roman" panose="02020603050405020304" pitchFamily="18" charset="0"/>
+                        </a:rPr>
+                        <a:t>]</a:t>
+                      </a:r>
+                      <a:r>
+                        <a:rPr lang="en-US" sz="1400" dirty="0">
+                          <a:effectLst/>
+                          <a:latin typeface="Times New Roman" panose="02020603050405020304" pitchFamily="18" charset="0"/>
+                          <a:cs typeface="Times New Roman" panose="02020603050405020304" pitchFamily="18" charset="0"/>
+                        </a:rPr>
+                        <a:t>, [(month = 2), T], </a:t>
+                      </a:r>
+                      <a:r>
+                        <a:rPr lang="vi-VN" sz="1400" dirty="0">
+                          <a:effectLst/>
+                          <a:latin typeface="Times New Roman" panose="02020603050405020304" pitchFamily="18" charset="0"/>
+                          <a:cs typeface="Times New Roman" panose="02020603050405020304" pitchFamily="18" charset="0"/>
+                        </a:rPr>
+                        <a:t>[</a:t>
+                      </a:r>
+                      <a:r>
+                        <a:rPr lang="en-US" sz="1400" dirty="0">
+                          <a:effectLst/>
+                          <a:latin typeface="Times New Roman" panose="02020603050405020304" pitchFamily="18" charset="0"/>
+                          <a:cs typeface="Times New Roman" panose="02020603050405020304" pitchFamily="18" charset="0"/>
+                        </a:rPr>
+                        <a:t>(year % 400 = 0 || (year % 4 = 0 &amp;&amp; year % 100 = 0)), F</a:t>
+                      </a:r>
+                      <a:r>
+                        <a:rPr lang="vi-VN" sz="1400" dirty="0">
+                          <a:effectLst/>
+                          <a:latin typeface="Times New Roman" panose="02020603050405020304" pitchFamily="18" charset="0"/>
+                          <a:cs typeface="Times New Roman" panose="02020603050405020304" pitchFamily="18" charset="0"/>
+                        </a:rPr>
+                        <a:t>]</a:t>
+                      </a:r>
+                      <a:endParaRPr lang="en-US" sz="1400" dirty="0">
+                        <a:effectLst/>
+                        <a:latin typeface="Times New Roman" panose="02020603050405020304" pitchFamily="18" charset="0"/>
+                        <a:ea typeface="ＭＳ 明朝"/>
+                        <a:cs typeface="Times New Roman" panose="02020603050405020304" pitchFamily="18" charset="0"/>
+                      </a:endParaRPr>
+                    </a:p>
+                  </a:txBody>
+                  <a:tcPr marL="68580" marR="68580" marT="0" marB="0"/>
+                </a:tc>
+              </a:tr>
+              <a:tr h="293202">
+                <a:tc>
+                  <a:txBody>
+                    <a:bodyPr/>
+                    <a:lstStyle/>
+                    <a:p>
+                      <a:pPr algn="ctr">
+                        <a:lnSpc>
+                          <a:spcPct val="115000"/>
+                        </a:lnSpc>
+                        <a:spcAft>
+                          <a:spcPts val="0"/>
+                        </a:spcAft>
+                      </a:pPr>
+                      <a:r>
+                        <a:rPr lang="en-US" sz="1400">
+                          <a:effectLst/>
+                          <a:latin typeface="Times New Roman" panose="02020603050405020304" pitchFamily="18" charset="0"/>
+                          <a:cs typeface="Times New Roman" panose="02020603050405020304" pitchFamily="18" charset="0"/>
+                        </a:rPr>
+                        <a:t>3</a:t>
+                      </a:r>
+                      <a:endParaRPr lang="en-US" sz="1400">
+                        <a:effectLst/>
+                        <a:latin typeface="Times New Roman" panose="02020603050405020304" pitchFamily="18" charset="0"/>
+                        <a:ea typeface="ＭＳ 明朝"/>
+                        <a:cs typeface="Times New Roman" panose="02020603050405020304" pitchFamily="18" charset="0"/>
+                      </a:endParaRPr>
+                    </a:p>
+                  </a:txBody>
+                  <a:tcPr marL="68580" marR="68580" marT="0" marB="0"/>
+                </a:tc>
+                <a:tc>
+                  <a:txBody>
+                    <a:bodyPr/>
+                    <a:lstStyle/>
+                    <a:p>
+                      <a:pPr>
+                        <a:lnSpc>
+                          <a:spcPct val="115000"/>
+                        </a:lnSpc>
+                        <a:spcAft>
+                          <a:spcPts val="0"/>
+                        </a:spcAft>
+                      </a:pPr>
+                      <a:r>
+                        <a:rPr lang="en-US" sz="1400">
+                          <a:effectLst/>
+                          <a:latin typeface="Times New Roman" panose="02020603050405020304" pitchFamily="18" charset="0"/>
+                          <a:cs typeface="Times New Roman" panose="02020603050405020304" pitchFamily="18" charset="0"/>
+                        </a:rPr>
+                        <a:t>path3</a:t>
+                      </a:r>
+                      <a:endParaRPr lang="en-US" sz="1400">
+                        <a:effectLst/>
+                        <a:latin typeface="Times New Roman" panose="02020603050405020304" pitchFamily="18" charset="0"/>
+                        <a:ea typeface="ＭＳ 明朝"/>
+                        <a:cs typeface="Times New Roman" panose="02020603050405020304" pitchFamily="18" charset="0"/>
+                      </a:endParaRPr>
+                    </a:p>
+                  </a:txBody>
+                  <a:tcPr marL="68580" marR="68580" marT="0" marB="0"/>
+                </a:tc>
+                <a:tc>
+                  <a:txBody>
+                    <a:bodyPr/>
+                    <a:lstStyle/>
+                    <a:p>
+                      <a:pPr>
+                        <a:lnSpc>
+                          <a:spcPct val="115000"/>
+                        </a:lnSpc>
+                        <a:spcAft>
+                          <a:spcPts val="0"/>
+                        </a:spcAft>
+                      </a:pPr>
+                      <a:r>
+                        <a:rPr lang="en-US" sz="1400">
+                          <a:effectLst/>
+                          <a:latin typeface="Times New Roman" panose="02020603050405020304" pitchFamily="18" charset="0"/>
+                          <a:cs typeface="Times New Roman" panose="02020603050405020304" pitchFamily="18" charset="0"/>
+                        </a:rPr>
+                        <a:t>[(month ≥ 1 &amp;&amp; month ≤ 12), T</a:t>
+                      </a:r>
+                      <a:r>
+                        <a:rPr lang="vi-VN" sz="1400">
+                          <a:effectLst/>
+                          <a:latin typeface="Times New Roman" panose="02020603050405020304" pitchFamily="18" charset="0"/>
+                          <a:cs typeface="Times New Roman" panose="02020603050405020304" pitchFamily="18" charset="0"/>
+                        </a:rPr>
+                        <a:t>]</a:t>
+                      </a:r>
+                      <a:r>
+                        <a:rPr lang="en-US" sz="1400">
+                          <a:effectLst/>
+                          <a:latin typeface="Times New Roman" panose="02020603050405020304" pitchFamily="18" charset="0"/>
+                          <a:cs typeface="Times New Roman" panose="02020603050405020304" pitchFamily="18" charset="0"/>
+                        </a:rPr>
+                        <a:t>, [(month = 2), F], </a:t>
+                      </a:r>
+                      <a:r>
+                        <a:rPr lang="vi-VN" sz="1400">
+                          <a:effectLst/>
+                          <a:latin typeface="Times New Roman" panose="02020603050405020304" pitchFamily="18" charset="0"/>
+                          <a:cs typeface="Times New Roman" panose="02020603050405020304" pitchFamily="18" charset="0"/>
+                        </a:rPr>
+                        <a:t>[(</a:t>
+                      </a:r>
+                      <a:r>
+                        <a:rPr lang="en-US" sz="1400">
+                          <a:effectLst/>
+                          <a:latin typeface="Times New Roman" panose="02020603050405020304" pitchFamily="18" charset="0"/>
+                          <a:cs typeface="Times New Roman" panose="02020603050405020304" pitchFamily="18" charset="0"/>
+                        </a:rPr>
+                        <a:t>month </a:t>
+                      </a:r>
+                      <a:r>
+                        <a:rPr lang="vi-VN" sz="1400">
+                          <a:effectLst/>
+                          <a:latin typeface="Times New Roman" panose="02020603050405020304" pitchFamily="18" charset="0"/>
+                          <a:cs typeface="Times New Roman" panose="02020603050405020304" pitchFamily="18" charset="0"/>
+                        </a:rPr>
+                        <a:t>= 4||</a:t>
+                      </a:r>
+                      <a:r>
+                        <a:rPr lang="en-US" sz="1400">
+                          <a:effectLst/>
+                          <a:latin typeface="Times New Roman" panose="02020603050405020304" pitchFamily="18" charset="0"/>
+                          <a:cs typeface="Times New Roman" panose="02020603050405020304" pitchFamily="18" charset="0"/>
+                        </a:rPr>
+                        <a:t> month </a:t>
+                      </a:r>
+                      <a:r>
+                        <a:rPr lang="vi-VN" sz="1400">
+                          <a:effectLst/>
+                          <a:latin typeface="Times New Roman" panose="02020603050405020304" pitchFamily="18" charset="0"/>
+                          <a:cs typeface="Times New Roman" panose="02020603050405020304" pitchFamily="18" charset="0"/>
+                        </a:rPr>
+                        <a:t>= 6||</a:t>
+                      </a:r>
+                      <a:r>
+                        <a:rPr lang="en-US" sz="1400">
+                          <a:effectLst/>
+                          <a:latin typeface="Times New Roman" panose="02020603050405020304" pitchFamily="18" charset="0"/>
+                          <a:cs typeface="Times New Roman" panose="02020603050405020304" pitchFamily="18" charset="0"/>
+                        </a:rPr>
+                        <a:t> month </a:t>
+                      </a:r>
+                      <a:r>
+                        <a:rPr lang="vi-VN" sz="1400">
+                          <a:effectLst/>
+                          <a:latin typeface="Times New Roman" panose="02020603050405020304" pitchFamily="18" charset="0"/>
+                          <a:cs typeface="Times New Roman" panose="02020603050405020304" pitchFamily="18" charset="0"/>
+                        </a:rPr>
+                        <a:t>= 9 ||</a:t>
+                      </a:r>
+                      <a:r>
+                        <a:rPr lang="en-US" sz="1400">
+                          <a:effectLst/>
+                          <a:latin typeface="Times New Roman" panose="02020603050405020304" pitchFamily="18" charset="0"/>
+                          <a:cs typeface="Times New Roman" panose="02020603050405020304" pitchFamily="18" charset="0"/>
+                        </a:rPr>
+                        <a:t> month </a:t>
+                      </a:r>
+                      <a:r>
+                        <a:rPr lang="vi-VN" sz="1400">
+                          <a:effectLst/>
+                          <a:latin typeface="Times New Roman" panose="02020603050405020304" pitchFamily="18" charset="0"/>
+                          <a:cs typeface="Times New Roman" panose="02020603050405020304" pitchFamily="18" charset="0"/>
+                        </a:rPr>
+                        <a:t>= 11)</a:t>
+                      </a:r>
+                      <a:r>
+                        <a:rPr lang="en-US" sz="1400">
+                          <a:effectLst/>
+                          <a:latin typeface="Times New Roman" panose="02020603050405020304" pitchFamily="18" charset="0"/>
+                          <a:cs typeface="Times New Roman" panose="02020603050405020304" pitchFamily="18" charset="0"/>
+                        </a:rPr>
+                        <a:t>, T</a:t>
+                      </a:r>
+                      <a:r>
+                        <a:rPr lang="vi-VN" sz="1400">
+                          <a:effectLst/>
+                          <a:latin typeface="Times New Roman" panose="02020603050405020304" pitchFamily="18" charset="0"/>
+                          <a:cs typeface="Times New Roman" panose="02020603050405020304" pitchFamily="18" charset="0"/>
+                        </a:rPr>
+                        <a:t>]</a:t>
+                      </a:r>
+                      <a:endParaRPr lang="en-US" sz="1400">
+                        <a:effectLst/>
+                        <a:latin typeface="Times New Roman" panose="02020603050405020304" pitchFamily="18" charset="0"/>
+                        <a:ea typeface="ＭＳ 明朝"/>
+                        <a:cs typeface="Times New Roman" panose="02020603050405020304" pitchFamily="18" charset="0"/>
+                      </a:endParaRPr>
+                    </a:p>
+                  </a:txBody>
+                  <a:tcPr marL="68580" marR="68580" marT="0" marB="0"/>
+                </a:tc>
+              </a:tr>
+              <a:tr h="293202">
+                <a:tc>
+                  <a:txBody>
+                    <a:bodyPr/>
+                    <a:lstStyle/>
+                    <a:p>
+                      <a:pPr algn="ctr">
+                        <a:lnSpc>
+                          <a:spcPct val="115000"/>
+                        </a:lnSpc>
+                        <a:spcAft>
+                          <a:spcPts val="0"/>
+                        </a:spcAft>
+                      </a:pPr>
+                      <a:r>
+                        <a:rPr lang="en-US" sz="1400" dirty="0">
+                          <a:effectLst/>
+                          <a:latin typeface="Times New Roman" panose="02020603050405020304" pitchFamily="18" charset="0"/>
+                          <a:cs typeface="Times New Roman" panose="02020603050405020304" pitchFamily="18" charset="0"/>
+                        </a:rPr>
+                        <a:t>4</a:t>
+                      </a:r>
+                      <a:endParaRPr lang="en-US" sz="1400" dirty="0">
+                        <a:effectLst/>
+                        <a:latin typeface="Times New Roman" panose="02020603050405020304" pitchFamily="18" charset="0"/>
+                        <a:ea typeface="ＭＳ 明朝"/>
+                        <a:cs typeface="Times New Roman" panose="02020603050405020304" pitchFamily="18" charset="0"/>
+                      </a:endParaRPr>
+                    </a:p>
+                  </a:txBody>
+                  <a:tcPr marL="68580" marR="68580" marT="0" marB="0"/>
+                </a:tc>
+                <a:tc>
+                  <a:txBody>
+                    <a:bodyPr/>
+                    <a:lstStyle/>
+                    <a:p>
+                      <a:pPr>
+                        <a:lnSpc>
+                          <a:spcPct val="115000"/>
+                        </a:lnSpc>
+                        <a:spcAft>
+                          <a:spcPts val="0"/>
+                        </a:spcAft>
+                      </a:pPr>
+                      <a:r>
+                        <a:rPr lang="en-US" sz="1400">
+                          <a:effectLst/>
+                          <a:latin typeface="Times New Roman" panose="02020603050405020304" pitchFamily="18" charset="0"/>
+                          <a:cs typeface="Times New Roman" panose="02020603050405020304" pitchFamily="18" charset="0"/>
+                        </a:rPr>
+                        <a:t>path4</a:t>
+                      </a:r>
+                      <a:endParaRPr lang="en-US" sz="1400">
+                        <a:effectLst/>
+                        <a:latin typeface="Times New Roman" panose="02020603050405020304" pitchFamily="18" charset="0"/>
+                        <a:ea typeface="ＭＳ 明朝"/>
+                        <a:cs typeface="Times New Roman" panose="02020603050405020304" pitchFamily="18" charset="0"/>
+                      </a:endParaRPr>
+                    </a:p>
+                  </a:txBody>
+                  <a:tcPr marL="68580" marR="68580" marT="0" marB="0"/>
+                </a:tc>
+                <a:tc>
+                  <a:txBody>
+                    <a:bodyPr/>
+                    <a:lstStyle/>
+                    <a:p>
+                      <a:pPr>
+                        <a:lnSpc>
+                          <a:spcPct val="115000"/>
+                        </a:lnSpc>
+                        <a:spcAft>
+                          <a:spcPts val="0"/>
+                        </a:spcAft>
+                      </a:pPr>
+                      <a:r>
+                        <a:rPr lang="en-US" sz="1400">
+                          <a:effectLst/>
+                          <a:latin typeface="Times New Roman" panose="02020603050405020304" pitchFamily="18" charset="0"/>
+                          <a:cs typeface="Times New Roman" panose="02020603050405020304" pitchFamily="18" charset="0"/>
+                        </a:rPr>
+                        <a:t>[(month ≥ 1 &amp;&amp; month ≤ 12), T</a:t>
+                      </a:r>
+                      <a:r>
+                        <a:rPr lang="vi-VN" sz="1400">
+                          <a:effectLst/>
+                          <a:latin typeface="Times New Roman" panose="02020603050405020304" pitchFamily="18" charset="0"/>
+                          <a:cs typeface="Times New Roman" panose="02020603050405020304" pitchFamily="18" charset="0"/>
+                        </a:rPr>
+                        <a:t>]</a:t>
+                      </a:r>
+                      <a:r>
+                        <a:rPr lang="en-US" sz="1400">
+                          <a:effectLst/>
+                          <a:latin typeface="Times New Roman" panose="02020603050405020304" pitchFamily="18" charset="0"/>
+                          <a:cs typeface="Times New Roman" panose="02020603050405020304" pitchFamily="18" charset="0"/>
+                        </a:rPr>
+                        <a:t>, [(month =2), F], </a:t>
+                      </a:r>
+                      <a:r>
+                        <a:rPr lang="vi-VN" sz="1400">
+                          <a:effectLst/>
+                          <a:latin typeface="Times New Roman" panose="02020603050405020304" pitchFamily="18" charset="0"/>
+                          <a:cs typeface="Times New Roman" panose="02020603050405020304" pitchFamily="18" charset="0"/>
+                        </a:rPr>
+                        <a:t>[(</a:t>
+                      </a:r>
+                      <a:r>
+                        <a:rPr lang="en-US" sz="1400">
+                          <a:effectLst/>
+                          <a:latin typeface="Times New Roman" panose="02020603050405020304" pitchFamily="18" charset="0"/>
+                          <a:cs typeface="Times New Roman" panose="02020603050405020304" pitchFamily="18" charset="0"/>
+                        </a:rPr>
+                        <a:t>month </a:t>
+                      </a:r>
+                      <a:r>
+                        <a:rPr lang="vi-VN" sz="1400">
+                          <a:effectLst/>
+                          <a:latin typeface="Times New Roman" panose="02020603050405020304" pitchFamily="18" charset="0"/>
+                          <a:cs typeface="Times New Roman" panose="02020603050405020304" pitchFamily="18" charset="0"/>
+                        </a:rPr>
+                        <a:t>= 4||</a:t>
+                      </a:r>
+                      <a:r>
+                        <a:rPr lang="en-US" sz="1400">
+                          <a:effectLst/>
+                          <a:latin typeface="Times New Roman" panose="02020603050405020304" pitchFamily="18" charset="0"/>
+                          <a:cs typeface="Times New Roman" panose="02020603050405020304" pitchFamily="18" charset="0"/>
+                        </a:rPr>
+                        <a:t> month </a:t>
+                      </a:r>
+                      <a:r>
+                        <a:rPr lang="vi-VN" sz="1400">
+                          <a:effectLst/>
+                          <a:latin typeface="Times New Roman" panose="02020603050405020304" pitchFamily="18" charset="0"/>
+                          <a:cs typeface="Times New Roman" panose="02020603050405020304" pitchFamily="18" charset="0"/>
+                        </a:rPr>
+                        <a:t>= 6||</a:t>
+                      </a:r>
+                      <a:r>
+                        <a:rPr lang="en-US" sz="1400">
+                          <a:effectLst/>
+                          <a:latin typeface="Times New Roman" panose="02020603050405020304" pitchFamily="18" charset="0"/>
+                          <a:cs typeface="Times New Roman" panose="02020603050405020304" pitchFamily="18" charset="0"/>
+                        </a:rPr>
+                        <a:t> month </a:t>
+                      </a:r>
+                      <a:r>
+                        <a:rPr lang="vi-VN" sz="1400">
+                          <a:effectLst/>
+                          <a:latin typeface="Times New Roman" panose="02020603050405020304" pitchFamily="18" charset="0"/>
+                          <a:cs typeface="Times New Roman" panose="02020603050405020304" pitchFamily="18" charset="0"/>
+                        </a:rPr>
+                        <a:t>= 9 ||</a:t>
+                      </a:r>
+                      <a:r>
+                        <a:rPr lang="en-US" sz="1400">
+                          <a:effectLst/>
+                          <a:latin typeface="Times New Roman" panose="02020603050405020304" pitchFamily="18" charset="0"/>
+                          <a:cs typeface="Times New Roman" panose="02020603050405020304" pitchFamily="18" charset="0"/>
+                        </a:rPr>
+                        <a:t> month </a:t>
+                      </a:r>
+                      <a:r>
+                        <a:rPr lang="vi-VN" sz="1400">
+                          <a:effectLst/>
+                          <a:latin typeface="Times New Roman" panose="02020603050405020304" pitchFamily="18" charset="0"/>
+                          <a:cs typeface="Times New Roman" panose="02020603050405020304" pitchFamily="18" charset="0"/>
+                        </a:rPr>
+                        <a:t>=11)</a:t>
+                      </a:r>
+                      <a:r>
+                        <a:rPr lang="en-US" sz="1400">
+                          <a:effectLst/>
+                          <a:latin typeface="Times New Roman" panose="02020603050405020304" pitchFamily="18" charset="0"/>
+                          <a:cs typeface="Times New Roman" panose="02020603050405020304" pitchFamily="18" charset="0"/>
+                        </a:rPr>
+                        <a:t>, F</a:t>
+                      </a:r>
+                      <a:r>
+                        <a:rPr lang="vi-VN" sz="1400">
+                          <a:effectLst/>
+                          <a:latin typeface="Times New Roman" panose="02020603050405020304" pitchFamily="18" charset="0"/>
+                          <a:cs typeface="Times New Roman" panose="02020603050405020304" pitchFamily="18" charset="0"/>
+                        </a:rPr>
+                        <a:t>]</a:t>
+                      </a:r>
+                      <a:endParaRPr lang="en-US" sz="1400">
+                        <a:effectLst/>
+                        <a:latin typeface="Times New Roman" panose="02020603050405020304" pitchFamily="18" charset="0"/>
+                        <a:ea typeface="ＭＳ 明朝"/>
+                        <a:cs typeface="Times New Roman" panose="02020603050405020304" pitchFamily="18" charset="0"/>
+                      </a:endParaRPr>
+                    </a:p>
+                  </a:txBody>
+                  <a:tcPr marL="68580" marR="68580" marT="0" marB="0"/>
+                </a:tc>
+              </a:tr>
+              <a:tr h="293202">
+                <a:tc>
+                  <a:txBody>
+                    <a:bodyPr/>
+                    <a:lstStyle/>
+                    <a:p>
+                      <a:pPr algn="ctr">
+                        <a:lnSpc>
+                          <a:spcPct val="115000"/>
+                        </a:lnSpc>
+                        <a:spcAft>
+                          <a:spcPts val="0"/>
+                        </a:spcAft>
+                      </a:pPr>
+                      <a:r>
+                        <a:rPr lang="en-US" sz="1400">
+                          <a:effectLst/>
+                          <a:latin typeface="Times New Roman" panose="02020603050405020304" pitchFamily="18" charset="0"/>
+                          <a:cs typeface="Times New Roman" panose="02020603050405020304" pitchFamily="18" charset="0"/>
+                        </a:rPr>
+                        <a:t>5</a:t>
+                      </a:r>
+                      <a:endParaRPr lang="en-US" sz="1400">
+                        <a:effectLst/>
+                        <a:latin typeface="Times New Roman" panose="02020603050405020304" pitchFamily="18" charset="0"/>
+                        <a:ea typeface="ＭＳ 明朝"/>
+                        <a:cs typeface="Times New Roman" panose="02020603050405020304" pitchFamily="18" charset="0"/>
+                      </a:endParaRPr>
+                    </a:p>
+                  </a:txBody>
+                  <a:tcPr marL="68580" marR="68580" marT="0" marB="0"/>
+                </a:tc>
+                <a:tc>
+                  <a:txBody>
+                    <a:bodyPr/>
+                    <a:lstStyle/>
+                    <a:p>
+                      <a:pPr>
+                        <a:lnSpc>
+                          <a:spcPct val="115000"/>
+                        </a:lnSpc>
+                        <a:spcAft>
+                          <a:spcPts val="0"/>
+                        </a:spcAft>
+                      </a:pPr>
+                      <a:r>
+                        <a:rPr lang="en-US" sz="1400">
+                          <a:effectLst/>
+                          <a:latin typeface="Times New Roman" panose="02020603050405020304" pitchFamily="18" charset="0"/>
+                          <a:cs typeface="Times New Roman" panose="02020603050405020304" pitchFamily="18" charset="0"/>
+                        </a:rPr>
+                        <a:t>path5</a:t>
+                      </a:r>
+                      <a:endParaRPr lang="en-US" sz="1400">
+                        <a:effectLst/>
+                        <a:latin typeface="Times New Roman" panose="02020603050405020304" pitchFamily="18" charset="0"/>
+                        <a:ea typeface="ＭＳ 明朝"/>
+                        <a:cs typeface="Times New Roman" panose="02020603050405020304" pitchFamily="18" charset="0"/>
+                      </a:endParaRPr>
+                    </a:p>
+                  </a:txBody>
+                  <a:tcPr marL="68580" marR="68580" marT="0" marB="0"/>
+                </a:tc>
+                <a:tc>
+                  <a:txBody>
+                    <a:bodyPr/>
+                    <a:lstStyle/>
+                    <a:p>
+                      <a:pPr>
+                        <a:lnSpc>
+                          <a:spcPct val="115000"/>
+                        </a:lnSpc>
+                        <a:spcAft>
+                          <a:spcPts val="0"/>
+                        </a:spcAft>
+                      </a:pPr>
+                      <a:r>
+                        <a:rPr lang="en-US" sz="1400" dirty="0">
+                          <a:effectLst/>
+                          <a:latin typeface="Times New Roman" panose="02020603050405020304" pitchFamily="18" charset="0"/>
+                          <a:cs typeface="Times New Roman" panose="02020603050405020304" pitchFamily="18" charset="0"/>
+                        </a:rPr>
+                        <a:t>[(month ≥ 1 &amp;&amp; month ≤ 12), F</a:t>
+                      </a:r>
+                      <a:r>
+                        <a:rPr lang="vi-VN" sz="1400" dirty="0">
+                          <a:effectLst/>
+                          <a:latin typeface="Times New Roman" panose="02020603050405020304" pitchFamily="18" charset="0"/>
+                          <a:cs typeface="Times New Roman" panose="02020603050405020304" pitchFamily="18" charset="0"/>
+                        </a:rPr>
+                        <a:t>]</a:t>
+                      </a:r>
+                      <a:endParaRPr lang="en-US" sz="1400" dirty="0">
+                        <a:effectLst/>
+                        <a:latin typeface="Times New Roman" panose="02020603050405020304" pitchFamily="18" charset="0"/>
+                        <a:ea typeface="ＭＳ 明朝"/>
+                        <a:cs typeface="Times New Roman" panose="02020603050405020304" pitchFamily="18" charset="0"/>
+                      </a:endParaRPr>
+                    </a:p>
+                  </a:txBody>
+                  <a:tcPr marL="68580" marR="68580" marT="0" marB="0"/>
+                </a:tc>
+              </a:tr>
+            </a:tbl>
+          </a:graphicData>
+        </a:graphic>
+      </p:graphicFrame>
+      <p:graphicFrame>
+        <p:nvGraphicFramePr>
+          <p:cNvPr id="7" name="Table 6"/>
+          <p:cNvGraphicFramePr>
+            <a:graphicFrameLocks noGrp="1"/>
+          </p:cNvGraphicFramePr>
+          <p:nvPr>
+            <p:extLst>
+              <p:ext uri="{D42A27DB-BD31-4B8C-83A1-F6EECF244321}">
+                <p14:modId xmlns:p14="http://schemas.microsoft.com/office/powerpoint/2010/main" val="4268827792"/>
+              </p:ext>
+            </p:extLst>
+          </p:nvPr>
+        </p:nvGraphicFramePr>
+        <p:xfrm>
+          <a:off x="21690806" y="20540821"/>
+          <a:ext cx="8077201" cy="3435096"/>
+        </p:xfrm>
+        <a:graphic>
+          <a:graphicData uri="http://schemas.openxmlformats.org/drawingml/2006/table">
+            <a:tbl>
+              <a:tblPr firstRow="1" firstCol="1" bandRow="1">
+                <a:tableStyleId>{5C22544A-7EE6-4342-B048-85BDC9FD1C3A}</a:tableStyleId>
+              </a:tblPr>
+              <a:tblGrid>
+                <a:gridCol w="398330"/>
+                <a:gridCol w="3031110"/>
+                <a:gridCol w="4164753"/>
+                <a:gridCol w="483008"/>
+              </a:tblGrid>
+              <a:tr h="0">
+                <a:tc>
+                  <a:txBody>
+                    <a:bodyPr/>
+                    <a:lstStyle/>
+                    <a:p>
+                      <a:pPr algn="ctr">
+                        <a:lnSpc>
+                          <a:spcPct val="115000"/>
+                        </a:lnSpc>
+                        <a:spcAft>
+                          <a:spcPts val="0"/>
+                        </a:spcAft>
+                      </a:pPr>
+                      <a:r>
+                        <a:rPr lang="en-US" sz="1400" dirty="0">
+                          <a:effectLst/>
+                          <a:latin typeface="Times New Roman" panose="02020603050405020304" pitchFamily="18" charset="0"/>
+                          <a:cs typeface="Times New Roman" panose="02020603050405020304" pitchFamily="18" charset="0"/>
+                        </a:rPr>
+                        <a:t>No</a:t>
+                      </a:r>
+                      <a:endParaRPr lang="en-US" sz="1400" dirty="0">
+                        <a:effectLst/>
+                        <a:latin typeface="Times New Roman" panose="02020603050405020304" pitchFamily="18" charset="0"/>
+                        <a:ea typeface="ＭＳ 明朝"/>
+                        <a:cs typeface="Times New Roman" panose="02020603050405020304" pitchFamily="18" charset="0"/>
+                      </a:endParaRPr>
+                    </a:p>
+                  </a:txBody>
+                  <a:tcPr marL="68580" marR="68580" marT="0" marB="0"/>
+                </a:tc>
+                <a:tc>
+                  <a:txBody>
+                    <a:bodyPr/>
+                    <a:lstStyle/>
+                    <a:p>
+                      <a:pPr>
+                        <a:lnSpc>
+                          <a:spcPct val="115000"/>
+                        </a:lnSpc>
+                        <a:spcAft>
+                          <a:spcPts val="0"/>
+                        </a:spcAft>
+                      </a:pPr>
+                      <a:r>
+                        <a:rPr lang="en-US" sz="1400" dirty="0">
+                          <a:effectLst/>
+                          <a:latin typeface="Times New Roman" panose="02020603050405020304" pitchFamily="18" charset="0"/>
+                          <a:cs typeface="Times New Roman" panose="02020603050405020304" pitchFamily="18" charset="0"/>
+                        </a:rPr>
+                        <a:t>Decision node</a:t>
+                      </a:r>
+                      <a:endParaRPr lang="en-US" sz="1400" dirty="0">
+                        <a:effectLst/>
+                        <a:latin typeface="Times New Roman" panose="02020603050405020304" pitchFamily="18" charset="0"/>
+                        <a:ea typeface="ＭＳ 明朝"/>
+                        <a:cs typeface="Times New Roman" panose="02020603050405020304" pitchFamily="18" charset="0"/>
+                      </a:endParaRPr>
+                    </a:p>
+                  </a:txBody>
+                  <a:tcPr marL="68580" marR="68580" marT="0" marB="0"/>
+                </a:tc>
+                <a:tc>
+                  <a:txBody>
+                    <a:bodyPr/>
+                    <a:lstStyle/>
+                    <a:p>
+                      <a:pPr>
+                        <a:lnSpc>
+                          <a:spcPct val="115000"/>
+                        </a:lnSpc>
+                        <a:spcAft>
+                          <a:spcPts val="0"/>
+                        </a:spcAft>
+                      </a:pPr>
+                      <a:r>
+                        <a:rPr lang="en-US" sz="1400">
+                          <a:effectLst/>
+                          <a:latin typeface="Times New Roman" panose="02020603050405020304" pitchFamily="18" charset="0"/>
+                          <a:cs typeface="Times New Roman" panose="02020603050405020304" pitchFamily="18" charset="0"/>
+                        </a:rPr>
+                        <a:t>Fitness function</a:t>
+                      </a:r>
+                      <a:endParaRPr lang="en-US" sz="1400">
+                        <a:effectLst/>
+                        <a:latin typeface="Times New Roman" panose="02020603050405020304" pitchFamily="18" charset="0"/>
+                        <a:ea typeface="ＭＳ 明朝"/>
+                        <a:cs typeface="Times New Roman" panose="02020603050405020304" pitchFamily="18" charset="0"/>
+                      </a:endParaRPr>
+                    </a:p>
+                  </a:txBody>
+                  <a:tcPr marL="68580" marR="68580" marT="0" marB="0"/>
+                </a:tc>
+                <a:tc>
+                  <a:txBody>
+                    <a:bodyPr/>
+                    <a:lstStyle/>
+                    <a:p>
+                      <a:pPr>
+                        <a:lnSpc>
+                          <a:spcPct val="115000"/>
+                        </a:lnSpc>
+                        <a:spcAft>
+                          <a:spcPts val="0"/>
+                        </a:spcAft>
+                      </a:pPr>
+                      <a:r>
+                        <a:rPr lang="en-US" sz="1400">
+                          <a:effectLst/>
+                          <a:latin typeface="Times New Roman" panose="02020603050405020304" pitchFamily="18" charset="0"/>
+                          <a:cs typeface="Times New Roman" panose="02020603050405020304" pitchFamily="18" charset="0"/>
+                        </a:rPr>
+                        <a:t>ID</a:t>
+                      </a:r>
+                      <a:endParaRPr lang="en-US" sz="1400">
+                        <a:effectLst/>
+                        <a:latin typeface="Times New Roman" panose="02020603050405020304" pitchFamily="18" charset="0"/>
+                        <a:ea typeface="ＭＳ 明朝"/>
+                        <a:cs typeface="Times New Roman" panose="02020603050405020304" pitchFamily="18" charset="0"/>
                       </a:endParaRPr>
                     </a:p>
                   </a:txBody>
@@ -4827,16 +5774,18 @@
                         </a:spcAft>
                       </a:pPr>
                       <a:r>
-                        <a:rPr lang="en-US" sz="1000">
-                          <a:effectLst/>
+                        <a:rPr lang="en-US" sz="1400">
+                          <a:effectLst/>
+                          <a:latin typeface="Times New Roman" panose="02020603050405020304" pitchFamily="18" charset="0"/>
+                          <a:cs typeface="Times New Roman" panose="02020603050405020304" pitchFamily="18" charset="0"/>
                         </a:rPr>
                         <a:t>1</a:t>
                       </a:r>
-                      <a:endParaRPr lang="en-US" sz="1100">
+                      <a:endParaRPr lang="en-US" sz="1400">
                         <a:effectLst/>
-                        <a:latin typeface="Calibri"/>
+                        <a:latin typeface="Times New Roman" panose="02020603050405020304" pitchFamily="18" charset="0"/>
                         <a:ea typeface="ＭＳ 明朝"/>
-                        <a:cs typeface="Times New Roman"/>
+                        <a:cs typeface="Times New Roman" panose="02020603050405020304" pitchFamily="18" charset="0"/>
                       </a:endParaRPr>
                     </a:p>
                   </a:txBody>
@@ -4856,16 +5805,26 @@
                         </a:spcAft>
                       </a:pPr>
                       <a:r>
-                        <a:rPr lang="en-US" sz="1000">
-                          <a:effectLst/>
-                        </a:rPr>
-                        <a:t>path1</a:t>
-                      </a:r>
-                      <a:endParaRPr lang="en-US" sz="1100">
+                        <a:rPr lang="en-US" sz="1400">
+                          <a:effectLst/>
+                          <a:latin typeface="Times New Roman" panose="02020603050405020304" pitchFamily="18" charset="0"/>
+                          <a:cs typeface="Times New Roman" panose="02020603050405020304" pitchFamily="18" charset="0"/>
+                        </a:rPr>
+                        <a:t>[(month ≥ 1 &amp;&amp; month ≤ 12), T</a:t>
+                      </a:r>
+                      <a:r>
+                        <a:rPr lang="vi-VN" sz="1400">
+                          <a:effectLst/>
+                          <a:latin typeface="Times New Roman" panose="02020603050405020304" pitchFamily="18" charset="0"/>
+                          <a:cs typeface="Times New Roman" panose="02020603050405020304" pitchFamily="18" charset="0"/>
+                        </a:rPr>
+                        <a:t>] </a:t>
+                      </a:r>
+                      <a:endParaRPr lang="en-US" sz="1400">
                         <a:effectLst/>
-                        <a:latin typeface="Calibri"/>
+                        <a:latin typeface="Times New Roman" panose="02020603050405020304" pitchFamily="18" charset="0"/>
                         <a:ea typeface="ＭＳ 明朝"/>
-                        <a:cs typeface="Times New Roman"/>
+                        <a:cs typeface="Times New Roman" panose="02020603050405020304" pitchFamily="18" charset="0"/>
                       </a:endParaRPr>
                     </a:p>
                   </a:txBody>
@@ -4885,27 +5844,27 @@
                         </a:spcAft>
                       </a:pPr>
                       <a:r>
-                        <a:rPr lang="en-US" sz="1000">
-                          <a:effectLst/>
-                        </a:rPr>
-                        <a:t>[(month ≥ 1 &amp;&amp; month ≤ 12), T</a:t>
-                      </a:r>
-                      <a:r>
-                        <a:rPr lang="vi-VN" sz="1000">
-                          <a:effectLst/>
-                        </a:rPr>
-                        <a:t>]</a:t>
-                      </a:r>
-                      <a:r>
-                        <a:rPr lang="en-US" sz="1000">
-                          <a:effectLst/>
-                        </a:rPr>
-                        <a:t>, [(month = 2), T], </a:t>
-                      </a:r>
-                      <a:endParaRPr lang="en-US" sz="1100">
+                        <a:rPr lang="en-US" sz="1400">
+                          <a:effectLst/>
+                          <a:latin typeface="Times New Roman" panose="02020603050405020304" pitchFamily="18" charset="0"/>
+                          <a:cs typeface="Times New Roman" panose="02020603050405020304" pitchFamily="18" charset="0"/>
+                        </a:rPr>
+                        <a:t>fBchDist(month, ≥, 1) + fBchDist (month, ≤, 12) </a:t>
+                      </a:r>
+                      <a:endParaRPr lang="en-US" sz="1400">
                         <a:effectLst/>
+                        <a:latin typeface="Times New Roman" panose="02020603050405020304" pitchFamily="18" charset="0"/>
+                        <a:ea typeface="ＭＳ 明朝"/>
+                        <a:cs typeface="Times New Roman" panose="02020603050405020304" pitchFamily="18" charset="0"/>
                       </a:endParaRPr>
                     </a:p>
+                  </a:txBody>
+                  <a:tcPr marL="68580" marR="68580" marT="0" marB="0"/>
+                </a:tc>
+                <a:tc>
+                  <a:txBody>
+                    <a:bodyPr/>
+                    <a:lstStyle/>
                     <a:p>
                       <a:pPr>
                         <a:lnSpc>
@@ -4916,28 +5875,34 @@
                         </a:spcAft>
                       </a:pPr>
                       <a:r>
-                        <a:rPr lang="vi-VN" sz="1000">
-                          <a:effectLst/>
-                        </a:rPr>
-                        <a:t>[</a:t>
-                      </a:r>
-                      <a:r>
-                        <a:rPr lang="en-US" sz="1000">
-                          <a:effectLst/>
-                        </a:rPr>
-                        <a:t>(year % 400 = 0 | | (year % 4 = 0 &amp;&amp; year % 100 = 0)), T</a:t>
-                      </a:r>
-                      <a:r>
-                        <a:rPr lang="vi-VN" sz="1000">
-                          <a:effectLst/>
-                        </a:rPr>
-                        <a:t>]</a:t>
-                      </a:r>
-                      <a:endParaRPr lang="en-US" sz="1100">
+                        <a:rPr lang="en-US" sz="1400">
+                          <a:effectLst/>
+                          <a:latin typeface="Times New Roman" panose="02020603050405020304" pitchFamily="18" charset="0"/>
+                          <a:cs typeface="Times New Roman" panose="02020603050405020304" pitchFamily="18" charset="0"/>
+                        </a:rPr>
+                        <a:t>f</a:t>
+                      </a:r>
+                      <a:r>
+                        <a:rPr lang="en-US" sz="1400" baseline="-25000">
+                          <a:effectLst/>
+                          <a:latin typeface="Times New Roman" panose="02020603050405020304" pitchFamily="18" charset="0"/>
+                          <a:cs typeface="Times New Roman" panose="02020603050405020304" pitchFamily="18" charset="0"/>
+                        </a:rPr>
+                        <a:t>1</a:t>
+                      </a:r>
+                      <a:r>
+                        <a:rPr lang="en-US" sz="1400">
+                          <a:effectLst/>
+                          <a:latin typeface="Times New Roman" panose="02020603050405020304" pitchFamily="18" charset="0"/>
+                          <a:cs typeface="Times New Roman" panose="02020603050405020304" pitchFamily="18" charset="0"/>
+                        </a:rPr>
+                        <a:t>T</a:t>
+                      </a:r>
+                      <a:endParaRPr lang="en-US" sz="1400">
                         <a:effectLst/>
-                        <a:latin typeface="Calibri"/>
+                        <a:latin typeface="Times New Roman" panose="02020603050405020304" pitchFamily="18" charset="0"/>
                         <a:ea typeface="ＭＳ 明朝"/>
-                        <a:cs typeface="Times New Roman"/>
+                        <a:cs typeface="Times New Roman" panose="02020603050405020304" pitchFamily="18" charset="0"/>
                       </a:endParaRPr>
                     </a:p>
                   </a:txBody>
@@ -4959,16 +5924,18 @@
                         </a:spcAft>
                       </a:pPr>
                       <a:r>
-                        <a:rPr lang="en-US" sz="1000">
-                          <a:effectLst/>
+                        <a:rPr lang="en-US" sz="1400">
+                          <a:effectLst/>
+                          <a:latin typeface="Times New Roman" panose="02020603050405020304" pitchFamily="18" charset="0"/>
+                          <a:cs typeface="Times New Roman" panose="02020603050405020304" pitchFamily="18" charset="0"/>
                         </a:rPr>
                         <a:t>2</a:t>
                       </a:r>
-                      <a:endParaRPr lang="en-US" sz="1100">
+                      <a:endParaRPr lang="en-US" sz="1400">
                         <a:effectLst/>
-                        <a:latin typeface="Calibri"/>
+                        <a:latin typeface="Times New Roman" panose="02020603050405020304" pitchFamily="18" charset="0"/>
                         <a:ea typeface="ＭＳ 明朝"/>
-                        <a:cs typeface="Times New Roman"/>
+                        <a:cs typeface="Times New Roman" panose="02020603050405020304" pitchFamily="18" charset="0"/>
                       </a:endParaRPr>
                     </a:p>
                   </a:txBody>
@@ -4988,16 +5955,26 @@
                         </a:spcAft>
                       </a:pPr>
                       <a:r>
-                        <a:rPr lang="en-US" sz="1000">
-                          <a:effectLst/>
-                        </a:rPr>
-                        <a:t>path2</a:t>
-                      </a:r>
-                      <a:endParaRPr lang="en-US" sz="1100">
+                        <a:rPr lang="en-US" sz="1400">
+                          <a:effectLst/>
+                          <a:latin typeface="Times New Roman" panose="02020603050405020304" pitchFamily="18" charset="0"/>
+                          <a:cs typeface="Times New Roman" panose="02020603050405020304" pitchFamily="18" charset="0"/>
+                        </a:rPr>
+                        <a:t>[(month ≥ 1 &amp;&amp; month ≥ 12), F</a:t>
+                      </a:r>
+                      <a:r>
+                        <a:rPr lang="vi-VN" sz="1400">
+                          <a:effectLst/>
+                          <a:latin typeface="Times New Roman" panose="02020603050405020304" pitchFamily="18" charset="0"/>
+                          <a:cs typeface="Times New Roman" panose="02020603050405020304" pitchFamily="18" charset="0"/>
+                        </a:rPr>
+                        <a:t>] </a:t>
+                      </a:r>
+                      <a:endParaRPr lang="en-US" sz="1400">
                         <a:effectLst/>
-                        <a:latin typeface="Calibri"/>
+                        <a:latin typeface="Times New Roman" panose="02020603050405020304" pitchFamily="18" charset="0"/>
                         <a:ea typeface="ＭＳ 明朝"/>
-                        <a:cs typeface="Times New Roman"/>
+                        <a:cs typeface="Times New Roman" panose="02020603050405020304" pitchFamily="18" charset="0"/>
                       </a:endParaRPr>
                     </a:p>
                   </a:txBody>
@@ -5017,46 +5994,65 @@
                         </a:spcAft>
                       </a:pPr>
                       <a:r>
-                        <a:rPr lang="en-US" sz="1000">
-                          <a:effectLst/>
-                        </a:rPr>
-                        <a:t>[(month ≥ 1 &amp;&amp; month ≤ 12), T</a:t>
-                      </a:r>
-                      <a:r>
-                        <a:rPr lang="vi-VN" sz="1000">
-                          <a:effectLst/>
-                        </a:rPr>
-                        <a:t>]</a:t>
-                      </a:r>
-                      <a:r>
-                        <a:rPr lang="en-US" sz="1000">
-                          <a:effectLst/>
-                        </a:rPr>
-                        <a:t>, [(month = 2), T], </a:t>
-                      </a:r>
-                      <a:r>
-                        <a:rPr lang="vi-VN" sz="1000">
-                          <a:effectLst/>
-                        </a:rPr>
-                        <a:t>[</a:t>
-                      </a:r>
-                      <a:r>
-                        <a:rPr lang="en-US" sz="1000">
-                          <a:effectLst/>
-                        </a:rPr>
-                        <a:t>(year % 400 = 0 || (year % 4 = 0 &amp;&amp; year % 100 = 0)), F</a:t>
-                      </a:r>
-                      <a:r>
-                        <a:rPr lang="vi-VN" sz="1000">
-                          <a:effectLst/>
-                        </a:rPr>
-                        <a:t>]</a:t>
-                      </a:r>
-                      <a:endParaRPr lang="en-US" sz="1100">
+                        <a:rPr lang="en-US" sz="1400">
+                          <a:effectLst/>
+                          <a:latin typeface="Times New Roman" panose="02020603050405020304" pitchFamily="18" charset="0"/>
+                          <a:cs typeface="Times New Roman" panose="02020603050405020304" pitchFamily="18" charset="0"/>
+                        </a:rPr>
+                        <a:t>min(fBchDist (month, &lt;, 1), fBchDist (month, &gt;, 12))</a:t>
+                      </a:r>
+                      <a:endParaRPr lang="en-US" sz="1400">
                         <a:effectLst/>
-                        <a:latin typeface="Calibri"/>
+                        <a:latin typeface="Times New Roman" panose="02020603050405020304" pitchFamily="18" charset="0"/>
                         <a:ea typeface="ＭＳ 明朝"/>
-                        <a:cs typeface="Times New Roman"/>
+                        <a:cs typeface="Times New Roman" panose="02020603050405020304" pitchFamily="18" charset="0"/>
+                      </a:endParaRPr>
+                    </a:p>
+                  </a:txBody>
+                  <a:tcPr marL="68580" marR="68580" marT="0" marB="0"/>
+                </a:tc>
+                <a:tc>
+                  <a:txBody>
+                    <a:bodyPr/>
+                    <a:lstStyle/>
+                    <a:p>
+                      <a:pPr>
+                        <a:lnSpc>
+                          <a:spcPct val="115000"/>
+                        </a:lnSpc>
+                        <a:spcAft>
+                          <a:spcPts val="0"/>
+                        </a:spcAft>
+                      </a:pPr>
+                      <a:r>
+                        <a:rPr lang="en-US" sz="1400">
+                          <a:effectLst/>
+                          <a:latin typeface="Times New Roman" panose="02020603050405020304" pitchFamily="18" charset="0"/>
+                          <a:cs typeface="Times New Roman" panose="02020603050405020304" pitchFamily="18" charset="0"/>
+                        </a:rPr>
+                        <a:t>f</a:t>
+                      </a:r>
+                      <a:r>
+                        <a:rPr lang="en-US" sz="1400" baseline="-25000">
+                          <a:effectLst/>
+                          <a:latin typeface="Times New Roman" panose="02020603050405020304" pitchFamily="18" charset="0"/>
+                          <a:cs typeface="Times New Roman" panose="02020603050405020304" pitchFamily="18" charset="0"/>
+                        </a:rPr>
+                        <a:t>1</a:t>
+                      </a:r>
+                      <a:r>
+                        <a:rPr lang="en-US" sz="1400">
+                          <a:effectLst/>
+                          <a:latin typeface="Times New Roman" panose="02020603050405020304" pitchFamily="18" charset="0"/>
+                          <a:cs typeface="Times New Roman" panose="02020603050405020304" pitchFamily="18" charset="0"/>
+                        </a:rPr>
+                        <a:t>F</a:t>
+                      </a:r>
+                      <a:endParaRPr lang="en-US" sz="1400">
+                        <a:effectLst/>
+                        <a:latin typeface="Times New Roman" panose="02020603050405020304" pitchFamily="18" charset="0"/>
+                        <a:ea typeface="ＭＳ 明朝"/>
+                        <a:cs typeface="Times New Roman" panose="02020603050405020304" pitchFamily="18" charset="0"/>
                       </a:endParaRPr>
                     </a:p>
                   </a:txBody>
@@ -5078,16 +6074,18 @@
                         </a:spcAft>
                       </a:pPr>
                       <a:r>
-                        <a:rPr lang="en-US" sz="1000">
-                          <a:effectLst/>
+                        <a:rPr lang="en-US" sz="1400">
+                          <a:effectLst/>
+                          <a:latin typeface="Times New Roman" panose="02020603050405020304" pitchFamily="18" charset="0"/>
+                          <a:cs typeface="Times New Roman" panose="02020603050405020304" pitchFamily="18" charset="0"/>
                         </a:rPr>
                         <a:t>3</a:t>
                       </a:r>
-                      <a:endParaRPr lang="en-US" sz="1100">
+                      <a:endParaRPr lang="en-US" sz="1400">
                         <a:effectLst/>
-                        <a:latin typeface="Calibri"/>
+                        <a:latin typeface="Times New Roman" panose="02020603050405020304" pitchFamily="18" charset="0"/>
                         <a:ea typeface="ＭＳ 明朝"/>
-                        <a:cs typeface="Times New Roman"/>
+                        <a:cs typeface="Times New Roman" panose="02020603050405020304" pitchFamily="18" charset="0"/>
                       </a:endParaRPr>
                     </a:p>
                   </a:txBody>
@@ -5107,16 +6105,18 @@
                         </a:spcAft>
                       </a:pPr>
                       <a:r>
-                        <a:rPr lang="en-US" sz="1000">
-                          <a:effectLst/>
-                        </a:rPr>
-                        <a:t>path3</a:t>
-                      </a:r>
-                      <a:endParaRPr lang="en-US" sz="1100">
+                        <a:rPr lang="en-US" sz="1400">
+                          <a:effectLst/>
+                          <a:latin typeface="Times New Roman" panose="02020603050405020304" pitchFamily="18" charset="0"/>
+                          <a:cs typeface="Times New Roman" panose="02020603050405020304" pitchFamily="18" charset="0"/>
+                        </a:rPr>
+                        <a:t>[(month = 2), T]</a:t>
+                      </a:r>
+                      <a:endParaRPr lang="en-US" sz="1400">
                         <a:effectLst/>
-                        <a:latin typeface="Calibri"/>
+                        <a:latin typeface="Times New Roman" panose="02020603050405020304" pitchFamily="18" charset="0"/>
                         <a:ea typeface="ＭＳ 明朝"/>
-                        <a:cs typeface="Times New Roman"/>
+                        <a:cs typeface="Times New Roman" panose="02020603050405020304" pitchFamily="18" charset="0"/>
                       </a:endParaRPr>
                     </a:p>
                   </a:txBody>
@@ -5136,94 +6136,65 @@
                         </a:spcAft>
                       </a:pPr>
                       <a:r>
-                        <a:rPr lang="en-US" sz="1000">
-                          <a:effectLst/>
-                        </a:rPr>
-                        <a:t>[(month ≥ 1 &amp;&amp; month ≤ 12), T</a:t>
-                      </a:r>
-                      <a:r>
-                        <a:rPr lang="vi-VN" sz="1000">
-                          <a:effectLst/>
-                        </a:rPr>
-                        <a:t>]</a:t>
-                      </a:r>
-                      <a:r>
-                        <a:rPr lang="en-US" sz="1000">
-                          <a:effectLst/>
-                        </a:rPr>
-                        <a:t>, [(month = 2), F], </a:t>
-                      </a:r>
-                      <a:r>
-                        <a:rPr lang="vi-VN" sz="1000">
-                          <a:effectLst/>
-                        </a:rPr>
-                        <a:t>[(</a:t>
-                      </a:r>
-                      <a:r>
-                        <a:rPr lang="en-US" sz="1000">
-                          <a:effectLst/>
-                        </a:rPr>
-                        <a:t>month </a:t>
-                      </a:r>
-                      <a:r>
-                        <a:rPr lang="vi-VN" sz="1000">
-                          <a:effectLst/>
-                        </a:rPr>
-                        <a:t>= 4||</a:t>
-                      </a:r>
-                      <a:r>
-                        <a:rPr lang="en-US" sz="1000">
-                          <a:effectLst/>
-                        </a:rPr>
-                        <a:t> month </a:t>
-                      </a:r>
-                      <a:r>
-                        <a:rPr lang="vi-VN" sz="1000">
-                          <a:effectLst/>
-                        </a:rPr>
-                        <a:t>= 6||</a:t>
-                      </a:r>
-                      <a:r>
-                        <a:rPr lang="en-US" sz="1000">
-                          <a:effectLst/>
-                        </a:rPr>
-                        <a:t> month </a:t>
-                      </a:r>
-                      <a:r>
-                        <a:rPr lang="vi-VN" sz="1000">
-                          <a:effectLst/>
-                        </a:rPr>
-                        <a:t>= 9 ||</a:t>
-                      </a:r>
-                      <a:r>
-                        <a:rPr lang="en-US" sz="1000">
-                          <a:effectLst/>
-                        </a:rPr>
-                        <a:t> month </a:t>
-                      </a:r>
-                      <a:r>
-                        <a:rPr lang="vi-VN" sz="1000">
-                          <a:effectLst/>
-                        </a:rPr>
-                        <a:t>= 11)</a:t>
-                      </a:r>
-                      <a:r>
-                        <a:rPr lang="en-US" sz="1000">
-                          <a:effectLst/>
-                        </a:rPr>
-                        <a:t>, T</a:t>
-                      </a:r>
-                      <a:r>
-                        <a:rPr lang="vi-VN" sz="1000">
-                          <a:effectLst/>
-                        </a:rPr>
-                        <a:t>]</a:t>
-                      </a:r>
-                      <a:endParaRPr lang="en-US" sz="1100">
+                        <a:rPr lang="en-US" sz="1400">
+                          <a:effectLst/>
+                          <a:latin typeface="Times New Roman" panose="02020603050405020304" pitchFamily="18" charset="0"/>
+                          <a:cs typeface="Times New Roman" panose="02020603050405020304" pitchFamily="18" charset="0"/>
+                        </a:rPr>
+                        <a:t>fBchDist (month, =, 2)</a:t>
+                      </a:r>
+                      <a:endParaRPr lang="en-US" sz="1400">
                         <a:effectLst/>
-                        <a:latin typeface="Calibri"/>
+                        <a:latin typeface="Times New Roman" panose="02020603050405020304" pitchFamily="18" charset="0"/>
                         <a:ea typeface="ＭＳ 明朝"/>
-                        <a:cs typeface="Times New Roman"/>
+                        <a:cs typeface="Times New Roman" panose="02020603050405020304" pitchFamily="18" charset="0"/>
+                      </a:endParaRPr>
+                    </a:p>
+                  </a:txBody>
+                  <a:tcPr marL="68580" marR="68580" marT="0" marB="0"/>
+                </a:tc>
+                <a:tc>
+                  <a:txBody>
+                    <a:bodyPr/>
+                    <a:lstStyle/>
+                    <a:p>
+                      <a:pPr>
+                        <a:lnSpc>
+                          <a:spcPct val="115000"/>
+                        </a:lnSpc>
+                        <a:spcAft>
+                          <a:spcPts val="0"/>
+                        </a:spcAft>
+                      </a:pPr>
+                      <a:r>
+                        <a:rPr lang="en-US" sz="1400">
+                          <a:effectLst/>
+                          <a:latin typeface="Times New Roman" panose="02020603050405020304" pitchFamily="18" charset="0"/>
+                          <a:cs typeface="Times New Roman" panose="02020603050405020304" pitchFamily="18" charset="0"/>
+                        </a:rPr>
+                        <a:t>f</a:t>
+                      </a:r>
+                      <a:r>
+                        <a:rPr lang="en-US" sz="1400" baseline="-25000">
+                          <a:effectLst/>
+                          <a:latin typeface="Times New Roman" panose="02020603050405020304" pitchFamily="18" charset="0"/>
+                          <a:cs typeface="Times New Roman" panose="02020603050405020304" pitchFamily="18" charset="0"/>
+                        </a:rPr>
+                        <a:t>2</a:t>
+                      </a:r>
+                      <a:r>
+                        <a:rPr lang="en-US" sz="1400">
+                          <a:effectLst/>
+                          <a:latin typeface="Times New Roman" panose="02020603050405020304" pitchFamily="18" charset="0"/>
+                          <a:cs typeface="Times New Roman" panose="02020603050405020304" pitchFamily="18" charset="0"/>
+                        </a:rPr>
+                        <a:t>T</a:t>
+                      </a:r>
+                      <a:endParaRPr lang="en-US" sz="1400">
+                        <a:effectLst/>
+                        <a:latin typeface="Times New Roman" panose="02020603050405020304" pitchFamily="18" charset="0"/>
+                        <a:ea typeface="ＭＳ 明朝"/>
+                        <a:cs typeface="Times New Roman" panose="02020603050405020304" pitchFamily="18" charset="0"/>
                       </a:endParaRPr>
                     </a:p>
                   </a:txBody>
@@ -5245,16 +6216,18 @@
                         </a:spcAft>
                       </a:pPr>
                       <a:r>
-                        <a:rPr lang="en-US" sz="1000">
-                          <a:effectLst/>
+                        <a:rPr lang="en-US" sz="1400">
+                          <a:effectLst/>
+                          <a:latin typeface="Times New Roman" panose="02020603050405020304" pitchFamily="18" charset="0"/>
+                          <a:cs typeface="Times New Roman" panose="02020603050405020304" pitchFamily="18" charset="0"/>
                         </a:rPr>
                         <a:t>4</a:t>
                       </a:r>
-                      <a:endParaRPr lang="en-US" sz="1100">
+                      <a:endParaRPr lang="en-US" sz="1400">
                         <a:effectLst/>
-                        <a:latin typeface="Calibri"/>
+                        <a:latin typeface="Times New Roman" panose="02020603050405020304" pitchFamily="18" charset="0"/>
                         <a:ea typeface="ＭＳ 明朝"/>
-                        <a:cs typeface="Times New Roman"/>
+                        <a:cs typeface="Times New Roman" panose="02020603050405020304" pitchFamily="18" charset="0"/>
                       </a:endParaRPr>
                     </a:p>
                   </a:txBody>
@@ -5274,16 +6247,18 @@
                         </a:spcAft>
                       </a:pPr>
                       <a:r>
-                        <a:rPr lang="en-US" sz="1000">
-                          <a:effectLst/>
-                        </a:rPr>
-                        <a:t>path4</a:t>
-                      </a:r>
-                      <a:endParaRPr lang="en-US" sz="1100">
+                        <a:rPr lang="en-US" sz="1400">
+                          <a:effectLst/>
+                          <a:latin typeface="Times New Roman" panose="02020603050405020304" pitchFamily="18" charset="0"/>
+                          <a:cs typeface="Times New Roman" panose="02020603050405020304" pitchFamily="18" charset="0"/>
+                        </a:rPr>
+                        <a:t>[(month = 2), F]</a:t>
+                      </a:r>
+                      <a:endParaRPr lang="en-US" sz="1400">
                         <a:effectLst/>
-                        <a:latin typeface="Calibri"/>
+                        <a:latin typeface="Times New Roman" panose="02020603050405020304" pitchFamily="18" charset="0"/>
                         <a:ea typeface="ＭＳ 明朝"/>
-                        <a:cs typeface="Times New Roman"/>
+                        <a:cs typeface="Times New Roman" panose="02020603050405020304" pitchFamily="18" charset="0"/>
                       </a:endParaRPr>
                     </a:p>
                   </a:txBody>
@@ -5303,94 +6278,65 @@
                         </a:spcAft>
                       </a:pPr>
                       <a:r>
-                        <a:rPr lang="en-US" sz="1000">
-                          <a:effectLst/>
-                        </a:rPr>
-                        <a:t>[(month ≥ 1 &amp;&amp; month ≤ 12), T</a:t>
-                      </a:r>
-                      <a:r>
-                        <a:rPr lang="vi-VN" sz="1000">
-                          <a:effectLst/>
-                        </a:rPr>
-                        <a:t>]</a:t>
-                      </a:r>
-                      <a:r>
-                        <a:rPr lang="en-US" sz="1000">
-                          <a:effectLst/>
-                        </a:rPr>
-                        <a:t>, [(month =2), F], </a:t>
-                      </a:r>
-                      <a:r>
-                        <a:rPr lang="vi-VN" sz="1000">
-                          <a:effectLst/>
-                        </a:rPr>
-                        <a:t>[(</a:t>
-                      </a:r>
-                      <a:r>
-                        <a:rPr lang="en-US" sz="1000">
-                          <a:effectLst/>
-                        </a:rPr>
-                        <a:t>month </a:t>
-                      </a:r>
-                      <a:r>
-                        <a:rPr lang="vi-VN" sz="1000">
-                          <a:effectLst/>
-                        </a:rPr>
-                        <a:t>= 4||</a:t>
-                      </a:r>
-                      <a:r>
-                        <a:rPr lang="en-US" sz="1000">
-                          <a:effectLst/>
-                        </a:rPr>
-                        <a:t> month </a:t>
-                      </a:r>
-                      <a:r>
-                        <a:rPr lang="vi-VN" sz="1000">
-                          <a:effectLst/>
-                        </a:rPr>
-                        <a:t>= 6||</a:t>
-                      </a:r>
-                      <a:r>
-                        <a:rPr lang="en-US" sz="1000">
-                          <a:effectLst/>
-                        </a:rPr>
-                        <a:t> month </a:t>
-                      </a:r>
-                      <a:r>
-                        <a:rPr lang="vi-VN" sz="1000">
-                          <a:effectLst/>
-                        </a:rPr>
-                        <a:t>= 9 ||</a:t>
-                      </a:r>
-                      <a:r>
-                        <a:rPr lang="en-US" sz="1000">
-                          <a:effectLst/>
-                        </a:rPr>
-                        <a:t> month </a:t>
-                      </a:r>
-                      <a:r>
-                        <a:rPr lang="vi-VN" sz="1000">
-                          <a:effectLst/>
-                        </a:rPr>
-                        <a:t>=11)</a:t>
-                      </a:r>
-                      <a:r>
-                        <a:rPr lang="en-US" sz="1000">
-                          <a:effectLst/>
-                        </a:rPr>
-                        <a:t>, F</a:t>
-                      </a:r>
-                      <a:r>
-                        <a:rPr lang="vi-VN" sz="1000">
-                          <a:effectLst/>
-                        </a:rPr>
-                        <a:t>]</a:t>
-                      </a:r>
-                      <a:endParaRPr lang="en-US" sz="1100">
+                        <a:rPr lang="en-US" sz="1400">
+                          <a:effectLst/>
+                          <a:latin typeface="Times New Roman" panose="02020603050405020304" pitchFamily="18" charset="0"/>
+                          <a:cs typeface="Times New Roman" panose="02020603050405020304" pitchFamily="18" charset="0"/>
+                        </a:rPr>
+                        <a:t>fBchDist (month, ≠, 2)</a:t>
+                      </a:r>
+                      <a:endParaRPr lang="en-US" sz="1400">
                         <a:effectLst/>
-                        <a:latin typeface="Calibri"/>
+                        <a:latin typeface="Times New Roman" panose="02020603050405020304" pitchFamily="18" charset="0"/>
                         <a:ea typeface="ＭＳ 明朝"/>
-                        <a:cs typeface="Times New Roman"/>
+                        <a:cs typeface="Times New Roman" panose="02020603050405020304" pitchFamily="18" charset="0"/>
+                      </a:endParaRPr>
+                    </a:p>
+                  </a:txBody>
+                  <a:tcPr marL="68580" marR="68580" marT="0" marB="0"/>
+                </a:tc>
+                <a:tc>
+                  <a:txBody>
+                    <a:bodyPr/>
+                    <a:lstStyle/>
+                    <a:p>
+                      <a:pPr>
+                        <a:lnSpc>
+                          <a:spcPct val="115000"/>
+                        </a:lnSpc>
+                        <a:spcAft>
+                          <a:spcPts val="0"/>
+                        </a:spcAft>
+                      </a:pPr>
+                      <a:r>
+                        <a:rPr lang="en-US" sz="1400">
+                          <a:effectLst/>
+                          <a:latin typeface="Times New Roman" panose="02020603050405020304" pitchFamily="18" charset="0"/>
+                          <a:cs typeface="Times New Roman" panose="02020603050405020304" pitchFamily="18" charset="0"/>
+                        </a:rPr>
+                        <a:t>f</a:t>
+                      </a:r>
+                      <a:r>
+                        <a:rPr lang="en-US" sz="1400" baseline="-25000">
+                          <a:effectLst/>
+                          <a:latin typeface="Times New Roman" panose="02020603050405020304" pitchFamily="18" charset="0"/>
+                          <a:cs typeface="Times New Roman" panose="02020603050405020304" pitchFamily="18" charset="0"/>
+                        </a:rPr>
+                        <a:t>2</a:t>
+                      </a:r>
+                      <a:r>
+                        <a:rPr lang="en-US" sz="1400">
+                          <a:effectLst/>
+                          <a:latin typeface="Times New Roman" panose="02020603050405020304" pitchFamily="18" charset="0"/>
+                          <a:cs typeface="Times New Roman" panose="02020603050405020304" pitchFamily="18" charset="0"/>
+                        </a:rPr>
+                        <a:t>F</a:t>
+                      </a:r>
+                      <a:endParaRPr lang="en-US" sz="1400">
+                        <a:effectLst/>
+                        <a:latin typeface="Times New Roman" panose="02020603050405020304" pitchFamily="18" charset="0"/>
+                        <a:ea typeface="ＭＳ 明朝"/>
+                        <a:cs typeface="Times New Roman" panose="02020603050405020304" pitchFamily="18" charset="0"/>
                       </a:endParaRPr>
                     </a:p>
                   </a:txBody>
@@ -5412,16 +6358,18 @@
                         </a:spcAft>
                       </a:pPr>
                       <a:r>
-                        <a:rPr lang="en-US" sz="1000">
-                          <a:effectLst/>
+                        <a:rPr lang="en-US" sz="1400">
+                          <a:effectLst/>
+                          <a:latin typeface="Times New Roman" panose="02020603050405020304" pitchFamily="18" charset="0"/>
+                          <a:cs typeface="Times New Roman" panose="02020603050405020304" pitchFamily="18" charset="0"/>
                         </a:rPr>
                         <a:t>5</a:t>
                       </a:r>
-                      <a:endParaRPr lang="en-US" sz="1100">
+                      <a:endParaRPr lang="en-US" sz="1400">
                         <a:effectLst/>
-                        <a:latin typeface="Calibri"/>
+                        <a:latin typeface="Times New Roman" panose="02020603050405020304" pitchFamily="18" charset="0"/>
                         <a:ea typeface="ＭＳ 明朝"/>
-                        <a:cs typeface="Times New Roman"/>
+                        <a:cs typeface="Times New Roman" panose="02020603050405020304" pitchFamily="18" charset="0"/>
                       </a:endParaRPr>
                     </a:p>
                   </a:txBody>
@@ -5441,16 +6389,52 @@
                         </a:spcAft>
                       </a:pPr>
                       <a:r>
-                        <a:rPr lang="en-US" sz="1000">
-                          <a:effectLst/>
-                        </a:rPr>
-                        <a:t>path5</a:t>
-                      </a:r>
-                      <a:endParaRPr lang="en-US" sz="1100">
+                        <a:rPr lang="vi-VN" sz="1400" dirty="0">
+                          <a:effectLst/>
+                          <a:latin typeface="Times New Roman" panose="02020603050405020304" pitchFamily="18" charset="0"/>
+                          <a:cs typeface="Times New Roman" panose="02020603050405020304" pitchFamily="18" charset="0"/>
+                        </a:rPr>
+                        <a:t>[</a:t>
+                      </a:r>
+                      <a:r>
+                        <a:rPr lang="en-US" sz="1400" dirty="0">
+                          <a:effectLst/>
+                          <a:latin typeface="Times New Roman" panose="02020603050405020304" pitchFamily="18" charset="0"/>
+                          <a:cs typeface="Times New Roman" panose="02020603050405020304" pitchFamily="18" charset="0"/>
+                        </a:rPr>
+                        <a:t>(year % 400 = 0 ||</a:t>
+                      </a:r>
+                    </a:p>
+                    <a:p>
+                      <a:pPr>
+                        <a:lnSpc>
+                          <a:spcPct val="115000"/>
+                        </a:lnSpc>
+                        <a:spcAft>
+                          <a:spcPts val="0"/>
+                        </a:spcAft>
+                      </a:pPr>
+                      <a:r>
+                        <a:rPr lang="en-US" sz="1400" dirty="0">
+                          <a:effectLst/>
+                          <a:latin typeface="Times New Roman" panose="02020603050405020304" pitchFamily="18" charset="0"/>
+                          <a:cs typeface="Times New Roman" panose="02020603050405020304" pitchFamily="18" charset="0"/>
+                        </a:rPr>
+                        <a:t>(year % 4 = 0 &amp;&amp; year % 100 = 0)), T</a:t>
+                      </a:r>
+                      <a:r>
+                        <a:rPr lang="vi-VN" sz="1400" dirty="0">
+                          <a:effectLst/>
+                          <a:latin typeface="Times New Roman" panose="02020603050405020304" pitchFamily="18" charset="0"/>
+                          <a:cs typeface="Times New Roman" panose="02020603050405020304" pitchFamily="18" charset="0"/>
+                        </a:rPr>
+                        <a:t>]</a:t>
+                      </a:r>
+                      <a:endParaRPr lang="en-US" sz="1400" dirty="0">
                         <a:effectLst/>
-                        <a:latin typeface="Calibri"/>
+                        <a:latin typeface="Times New Roman" panose="02020603050405020304" pitchFamily="18" charset="0"/>
                         <a:ea typeface="ＭＳ 明朝"/>
-                        <a:cs typeface="Times New Roman"/>
+                        <a:cs typeface="Times New Roman" panose="02020603050405020304" pitchFamily="18" charset="0"/>
                       </a:endParaRPr>
                     </a:p>
                   </a:txBody>
@@ -5470,69 +6454,16 @@
                         </a:spcAft>
                       </a:pPr>
                       <a:r>
-                        <a:rPr lang="en-US" sz="1000" dirty="0">
-                          <a:effectLst/>
-                        </a:rPr>
-                        <a:t>[(month ≥ 1 &amp;&amp; month ≤ 12), F</a:t>
-                      </a:r>
-                      <a:r>
-                        <a:rPr lang="vi-VN" sz="1000" dirty="0">
-                          <a:effectLst/>
-                        </a:rPr>
-                        <a:t>]</a:t>
-                      </a:r>
-                      <a:endParaRPr lang="en-US" sz="1100" dirty="0">
-                        <a:effectLst/>
-                        <a:latin typeface="Calibri"/>
-                        <a:ea typeface="ＭＳ 明朝"/>
-                        <a:cs typeface="Times New Roman"/>
-                      </a:endParaRPr>
+                        <a:rPr lang="en-US" sz="1400">
+                          <a:effectLst/>
+                          <a:latin typeface="Times New Roman" panose="02020603050405020304" pitchFamily="18" charset="0"/>
+                          <a:cs typeface="Times New Roman" panose="02020603050405020304" pitchFamily="18" charset="0"/>
+                        </a:rPr>
+                        <a:t>min(fBchDist (year %400, =, 0), </a:t>
+                      </a:r>
                     </a:p>
-                  </a:txBody>
-                  <a:tcPr marL="68580" marR="68580" marT="0" marB="0"/>
-                </a:tc>
-              </a:tr>
-            </a:tbl>
-          </a:graphicData>
-        </a:graphic>
-      </p:graphicFrame>
-      <p:graphicFrame>
-        <p:nvGraphicFramePr>
-          <p:cNvPr id="7" name="Table 6"/>
-          <p:cNvGraphicFramePr>
-            <a:graphicFrameLocks noGrp="1"/>
-          </p:cNvGraphicFramePr>
-          <p:nvPr>
-            <p:extLst>
-              <p:ext uri="{D42A27DB-BD31-4B8C-83A1-F6EECF244321}">
-                <p14:modId xmlns:p14="http://schemas.microsoft.com/office/powerpoint/2010/main" val="1402063547"/>
-              </p:ext>
-            </p:extLst>
-          </p:nvPr>
-        </p:nvGraphicFramePr>
-        <p:xfrm>
-          <a:off x="21690806" y="20158722"/>
-          <a:ext cx="5934075" cy="2163513"/>
-        </p:xfrm>
-        <a:graphic>
-          <a:graphicData uri="http://schemas.openxmlformats.org/drawingml/2006/table">
-            <a:tbl>
-              <a:tblPr firstRow="1" firstCol="1" bandRow="1">
-                <a:tableStyleId>{5C22544A-7EE6-4342-B048-85BDC9FD1C3A}</a:tableStyleId>
-              </a:tblPr>
-              <a:tblGrid>
-                <a:gridCol w="292641"/>
-                <a:gridCol w="2226865"/>
-                <a:gridCol w="3059718"/>
-                <a:gridCol w="354851"/>
-              </a:tblGrid>
-              <a:tr h="0">
-                <a:tc>
-                  <a:txBody>
-                    <a:bodyPr/>
-                    <a:lstStyle/>
                     <a:p>
-                      <a:pPr algn="ctr">
+                      <a:pPr>
                         <a:lnSpc>
                           <a:spcPct val="115000"/>
                         </a:lnSpc>
@@ -5541,16 +6472,18 @@
                         </a:spcAft>
                       </a:pPr>
                       <a:r>
-                        <a:rPr lang="en-US" sz="1000">
-                          <a:effectLst/>
-                        </a:rPr>
-                        <a:t>No</a:t>
-                      </a:r>
-                      <a:endParaRPr lang="en-US" sz="1100">
+                        <a:rPr lang="en-US" sz="1400">
+                          <a:effectLst/>
+                          <a:latin typeface="Times New Roman" panose="02020603050405020304" pitchFamily="18" charset="0"/>
+                          <a:cs typeface="Times New Roman" panose="02020603050405020304" pitchFamily="18" charset="0"/>
+                        </a:rPr>
+                        <a:t>(fBchDist (year %4, =, 0) + fBchDist (year %100, =, 0)))</a:t>
+                      </a:r>
+                      <a:endParaRPr lang="en-US" sz="1400">
                         <a:effectLst/>
-                        <a:latin typeface="Calibri"/>
+                        <a:latin typeface="Times New Roman" panose="02020603050405020304" pitchFamily="18" charset="0"/>
                         <a:ea typeface="ＭＳ 明朝"/>
-                        <a:cs typeface="Times New Roman"/>
+                        <a:cs typeface="Times New Roman" panose="02020603050405020304" pitchFamily="18" charset="0"/>
                       </a:endParaRPr>
                     </a:p>
                   </a:txBody>
@@ -5570,74 +6503,34 @@
                         </a:spcAft>
                       </a:pPr>
                       <a:r>
-                        <a:rPr lang="en-US" sz="1000">
-                          <a:effectLst/>
-                        </a:rPr>
-                        <a:t>Decision node</a:t>
-                      </a:r>
-                      <a:endParaRPr lang="en-US" sz="1100">
+                        <a:rPr lang="en-US" sz="1400">
+                          <a:effectLst/>
+                          <a:latin typeface="Times New Roman" panose="02020603050405020304" pitchFamily="18" charset="0"/>
+                          <a:cs typeface="Times New Roman" panose="02020603050405020304" pitchFamily="18" charset="0"/>
+                        </a:rPr>
+                        <a:t>f</a:t>
+                      </a:r>
+                      <a:r>
+                        <a:rPr lang="en-US" sz="1400" baseline="-25000">
+                          <a:effectLst/>
+                          <a:latin typeface="Times New Roman" panose="02020603050405020304" pitchFamily="18" charset="0"/>
+                          <a:cs typeface="Times New Roman" panose="02020603050405020304" pitchFamily="18" charset="0"/>
+                        </a:rPr>
+                        <a:t>3</a:t>
+                      </a:r>
+                      <a:r>
+                        <a:rPr lang="en-US" sz="1400">
+                          <a:effectLst/>
+                          <a:latin typeface="Times New Roman" panose="02020603050405020304" pitchFamily="18" charset="0"/>
+                          <a:cs typeface="Times New Roman" panose="02020603050405020304" pitchFamily="18" charset="0"/>
+                        </a:rPr>
+                        <a:t>T</a:t>
+                      </a:r>
+                      <a:endParaRPr lang="en-US" sz="1400">
                         <a:effectLst/>
-                        <a:latin typeface="Calibri"/>
+                        <a:latin typeface="Times New Roman" panose="02020603050405020304" pitchFamily="18" charset="0"/>
                         <a:ea typeface="ＭＳ 明朝"/>
-                        <a:cs typeface="Times New Roman"/>
-                      </a:endParaRPr>
-                    </a:p>
-                  </a:txBody>
-                  <a:tcPr marL="68580" marR="68580" marT="0" marB="0"/>
-                </a:tc>
-                <a:tc>
-                  <a:txBody>
-                    <a:bodyPr/>
-                    <a:lstStyle/>
-                    <a:p>
-                      <a:pPr>
-                        <a:lnSpc>
-                          <a:spcPct val="115000"/>
-                        </a:lnSpc>
-                        <a:spcAft>
-                          <a:spcPts val="0"/>
-                        </a:spcAft>
-                      </a:pPr>
-                      <a:r>
-                        <a:rPr lang="en-US" sz="1000">
-                          <a:effectLst/>
-                        </a:rPr>
-                        <a:t>Fitness function</a:t>
-                      </a:r>
-                      <a:endParaRPr lang="en-US" sz="1100">
-                        <a:effectLst/>
-                        <a:latin typeface="Calibri"/>
-                        <a:ea typeface="ＭＳ 明朝"/>
-                        <a:cs typeface="Times New Roman"/>
-                      </a:endParaRPr>
-                    </a:p>
-                  </a:txBody>
-                  <a:tcPr marL="68580" marR="68580" marT="0" marB="0"/>
-                </a:tc>
-                <a:tc>
-                  <a:txBody>
-                    <a:bodyPr/>
-                    <a:lstStyle/>
-                    <a:p>
-                      <a:pPr>
-                        <a:lnSpc>
-                          <a:spcPct val="115000"/>
-                        </a:lnSpc>
-                        <a:spcAft>
-                          <a:spcPts val="0"/>
-                        </a:spcAft>
-                      </a:pPr>
-                      <a:r>
-                        <a:rPr lang="en-US" sz="1000">
-                          <a:effectLst/>
-                        </a:rPr>
-                        <a:t>ID</a:t>
-                      </a:r>
-                      <a:endParaRPr lang="en-US" sz="1100">
-                        <a:effectLst/>
-                        <a:latin typeface="Calibri"/>
-                        <a:ea typeface="ＭＳ 明朝"/>
-                        <a:cs typeface="Times New Roman"/>
+                        <a:cs typeface="Times New Roman" panose="02020603050405020304" pitchFamily="18" charset="0"/>
                       </a:endParaRPr>
                     </a:p>
                   </a:txBody>
@@ -5659,16 +6552,18 @@
                         </a:spcAft>
                       </a:pPr>
                       <a:r>
-                        <a:rPr lang="en-US" sz="1000">
-                          <a:effectLst/>
-                        </a:rPr>
-                        <a:t>1</a:t>
-                      </a:r>
-                      <a:endParaRPr lang="en-US" sz="1100">
+                        <a:rPr lang="en-US" sz="1400">
+                          <a:effectLst/>
+                          <a:latin typeface="Times New Roman" panose="02020603050405020304" pitchFamily="18" charset="0"/>
+                          <a:cs typeface="Times New Roman" panose="02020603050405020304" pitchFamily="18" charset="0"/>
+                        </a:rPr>
+                        <a:t>6</a:t>
+                      </a:r>
+                      <a:endParaRPr lang="en-US" sz="1400">
                         <a:effectLst/>
-                        <a:latin typeface="Calibri"/>
+                        <a:latin typeface="Times New Roman" panose="02020603050405020304" pitchFamily="18" charset="0"/>
                         <a:ea typeface="ＭＳ 明朝"/>
-                        <a:cs typeface="Times New Roman"/>
+                        <a:cs typeface="Times New Roman" panose="02020603050405020304" pitchFamily="18" charset="0"/>
                       </a:endParaRPr>
                     </a:p>
                   </a:txBody>
@@ -5688,22 +6583,52 @@
                         </a:spcAft>
                       </a:pPr>
                       <a:r>
-                        <a:rPr lang="en-US" sz="1000">
-                          <a:effectLst/>
-                        </a:rPr>
-                        <a:t>[(month ≥ 1 &amp;&amp; month ≤ 12), T</a:t>
-                      </a:r>
-                      <a:r>
-                        <a:rPr lang="vi-VN" sz="1000">
-                          <a:effectLst/>
-                        </a:rPr>
-                        <a:t>] </a:t>
-                      </a:r>
-                      <a:endParaRPr lang="en-US" sz="1100">
+                        <a:rPr lang="vi-VN" sz="1400" dirty="0">
+                          <a:effectLst/>
+                          <a:latin typeface="Times New Roman" panose="02020603050405020304" pitchFamily="18" charset="0"/>
+                          <a:cs typeface="Times New Roman" panose="02020603050405020304" pitchFamily="18" charset="0"/>
+                        </a:rPr>
+                        <a:t>[</a:t>
+                      </a:r>
+                      <a:r>
+                        <a:rPr lang="en-US" sz="1400" dirty="0">
+                          <a:effectLst/>
+                          <a:latin typeface="Times New Roman" panose="02020603050405020304" pitchFamily="18" charset="0"/>
+                          <a:cs typeface="Times New Roman" panose="02020603050405020304" pitchFamily="18" charset="0"/>
+                        </a:rPr>
+                        <a:t>(year %400 = 0 ||</a:t>
+                      </a:r>
+                    </a:p>
+                    <a:p>
+                      <a:pPr>
+                        <a:lnSpc>
+                          <a:spcPct val="115000"/>
+                        </a:lnSpc>
+                        <a:spcAft>
+                          <a:spcPts val="0"/>
+                        </a:spcAft>
+                      </a:pPr>
+                      <a:r>
+                        <a:rPr lang="en-US" sz="1400" dirty="0">
+                          <a:effectLst/>
+                          <a:latin typeface="Times New Roman" panose="02020603050405020304" pitchFamily="18" charset="0"/>
+                          <a:cs typeface="Times New Roman" panose="02020603050405020304" pitchFamily="18" charset="0"/>
+                        </a:rPr>
+                        <a:t>(year % 4 = 0 &amp;&amp; year % 100 = 0)), F</a:t>
+                      </a:r>
+                      <a:r>
+                        <a:rPr lang="vi-VN" sz="1400" dirty="0">
+                          <a:effectLst/>
+                          <a:latin typeface="Times New Roman" panose="02020603050405020304" pitchFamily="18" charset="0"/>
+                          <a:cs typeface="Times New Roman" panose="02020603050405020304" pitchFamily="18" charset="0"/>
+                        </a:rPr>
+                        <a:t>]</a:t>
+                      </a:r>
+                      <a:endParaRPr lang="en-US" sz="1400" dirty="0">
                         <a:effectLst/>
-                        <a:latin typeface="Calibri"/>
+                        <a:latin typeface="Times New Roman" panose="02020603050405020304" pitchFamily="18" charset="0"/>
                         <a:ea typeface="ＭＳ 明朝"/>
-                        <a:cs typeface="Times New Roman"/>
+                        <a:cs typeface="Times New Roman" panose="02020603050405020304" pitchFamily="18" charset="0"/>
                       </a:endParaRPr>
                     </a:p>
                   </a:txBody>
@@ -5723,16 +6648,58 @@
                         </a:spcAft>
                       </a:pPr>
                       <a:r>
-                        <a:rPr lang="en-US" sz="1000">
-                          <a:effectLst/>
-                        </a:rPr>
-                        <a:t>fBchDist(month, ≥, 1) + fBchDist (month, ≤, 12) </a:t>
-                      </a:r>
-                      <a:endParaRPr lang="en-US" sz="1100">
+                        <a:rPr lang="en-US" sz="1400" dirty="0" err="1">
+                          <a:effectLst/>
+                          <a:latin typeface="Times New Roman" panose="02020603050405020304" pitchFamily="18" charset="0"/>
+                          <a:cs typeface="Times New Roman" panose="02020603050405020304" pitchFamily="18" charset="0"/>
+                        </a:rPr>
+                        <a:t>fBchDist</a:t>
+                      </a:r>
+                      <a:r>
+                        <a:rPr lang="en-US" sz="1400" dirty="0">
+                          <a:effectLst/>
+                          <a:latin typeface="Times New Roman" panose="02020603050405020304" pitchFamily="18" charset="0"/>
+                          <a:cs typeface="Times New Roman" panose="02020603050405020304" pitchFamily="18" charset="0"/>
+                        </a:rPr>
+                        <a:t> (year %400, ≠, 0) + min(</a:t>
+                      </a:r>
+                      <a:r>
+                        <a:rPr lang="en-US" sz="1400" dirty="0" err="1">
+                          <a:effectLst/>
+                          <a:latin typeface="Times New Roman" panose="02020603050405020304" pitchFamily="18" charset="0"/>
+                          <a:cs typeface="Times New Roman" panose="02020603050405020304" pitchFamily="18" charset="0"/>
+                        </a:rPr>
+                        <a:t>fBchDist</a:t>
+                      </a:r>
+                      <a:r>
+                        <a:rPr lang="en-US" sz="1400" dirty="0">
+                          <a:effectLst/>
+                          <a:latin typeface="Times New Roman" panose="02020603050405020304" pitchFamily="18" charset="0"/>
+                          <a:cs typeface="Times New Roman" panose="02020603050405020304" pitchFamily="18" charset="0"/>
+                        </a:rPr>
+                        <a:t> (year %4, ≠, 0), </a:t>
+                      </a:r>
+                      <a:r>
+                        <a:rPr lang="en-US" sz="1400" dirty="0" err="1">
+                          <a:effectLst/>
+                          <a:latin typeface="Times New Roman" panose="02020603050405020304" pitchFamily="18" charset="0"/>
+                          <a:cs typeface="Times New Roman" panose="02020603050405020304" pitchFamily="18" charset="0"/>
+                        </a:rPr>
+                        <a:t>fBchDist</a:t>
+                      </a:r>
+                      <a:r>
+                        <a:rPr lang="en-US" sz="1400" dirty="0">
+                          <a:effectLst/>
+                          <a:latin typeface="Times New Roman" panose="02020603050405020304" pitchFamily="18" charset="0"/>
+                          <a:cs typeface="Times New Roman" panose="02020603050405020304" pitchFamily="18" charset="0"/>
+                        </a:rPr>
+                        <a:t> (year %100, ≠, 0))</a:t>
+                      </a:r>
+                      <a:endParaRPr lang="en-US" sz="1400" dirty="0">
                         <a:effectLst/>
-                        <a:latin typeface="Calibri"/>
+                        <a:latin typeface="Times New Roman" panose="02020603050405020304" pitchFamily="18" charset="0"/>
                         <a:ea typeface="ＭＳ 明朝"/>
-                        <a:cs typeface="Times New Roman"/>
+                        <a:cs typeface="Times New Roman" panose="02020603050405020304" pitchFamily="18" charset="0"/>
                       </a:endParaRPr>
                     </a:p>
                   </a:txBody>
@@ -5752,28 +6719,34 @@
                         </a:spcAft>
                       </a:pPr>
                       <a:r>
-                        <a:rPr lang="en-US" sz="1000">
-                          <a:effectLst/>
+                        <a:rPr lang="en-US" sz="1400">
+                          <a:effectLst/>
+                          <a:latin typeface="Times New Roman" panose="02020603050405020304" pitchFamily="18" charset="0"/>
+                          <a:cs typeface="Times New Roman" panose="02020603050405020304" pitchFamily="18" charset="0"/>
                         </a:rPr>
                         <a:t>f</a:t>
                       </a:r>
                       <a:r>
-                        <a:rPr lang="en-US" sz="1000" baseline="-25000">
-                          <a:effectLst/>
-                        </a:rPr>
-                        <a:t>1</a:t>
-                      </a:r>
-                      <a:r>
-                        <a:rPr lang="en-US" sz="1000">
-                          <a:effectLst/>
-                        </a:rPr>
-                        <a:t>T</a:t>
-                      </a:r>
-                      <a:endParaRPr lang="en-US" sz="1100">
+                        <a:rPr lang="en-US" sz="1400" baseline="-25000">
+                          <a:effectLst/>
+                          <a:latin typeface="Times New Roman" panose="02020603050405020304" pitchFamily="18" charset="0"/>
+                          <a:cs typeface="Times New Roman" panose="02020603050405020304" pitchFamily="18" charset="0"/>
+                        </a:rPr>
+                        <a:t>3</a:t>
+                      </a:r>
+                      <a:r>
+                        <a:rPr lang="en-US" sz="1400">
+                          <a:effectLst/>
+                          <a:latin typeface="Times New Roman" panose="02020603050405020304" pitchFamily="18" charset="0"/>
+                          <a:cs typeface="Times New Roman" panose="02020603050405020304" pitchFamily="18" charset="0"/>
+                        </a:rPr>
+                        <a:t>F</a:t>
+                      </a:r>
+                      <a:endParaRPr lang="en-US" sz="1400">
                         <a:effectLst/>
-                        <a:latin typeface="Calibri"/>
+                        <a:latin typeface="Times New Roman" panose="02020603050405020304" pitchFamily="18" charset="0"/>
                         <a:ea typeface="ＭＳ 明朝"/>
-                        <a:cs typeface="Times New Roman"/>
+                        <a:cs typeface="Times New Roman" panose="02020603050405020304" pitchFamily="18" charset="0"/>
                       </a:endParaRPr>
                     </a:p>
                   </a:txBody>
@@ -5795,16 +6768,18 @@
                         </a:spcAft>
                       </a:pPr>
                       <a:r>
-                        <a:rPr lang="en-US" sz="1000">
-                          <a:effectLst/>
-                        </a:rPr>
-                        <a:t>2</a:t>
-                      </a:r>
-                      <a:endParaRPr lang="en-US" sz="1100">
+                        <a:rPr lang="en-US" sz="1400">
+                          <a:effectLst/>
+                          <a:latin typeface="Times New Roman" panose="02020603050405020304" pitchFamily="18" charset="0"/>
+                          <a:cs typeface="Times New Roman" panose="02020603050405020304" pitchFamily="18" charset="0"/>
+                        </a:rPr>
+                        <a:t>7</a:t>
+                      </a:r>
+                      <a:endParaRPr lang="en-US" sz="1400">
                         <a:effectLst/>
-                        <a:latin typeface="Calibri"/>
+                        <a:latin typeface="Times New Roman" panose="02020603050405020304" pitchFamily="18" charset="0"/>
                         <a:ea typeface="ＭＳ 明朝"/>
-                        <a:cs typeface="Times New Roman"/>
+                        <a:cs typeface="Times New Roman" panose="02020603050405020304" pitchFamily="18" charset="0"/>
                       </a:endParaRPr>
                     </a:p>
                   </a:txBody>
@@ -5824,22 +6799,113 @@
                         </a:spcAft>
                       </a:pPr>
                       <a:r>
-                        <a:rPr lang="en-US" sz="1000">
-                          <a:effectLst/>
-                        </a:rPr>
-                        <a:t>[(month ≥ 1 &amp;&amp; month ≥ 12), F</a:t>
-                      </a:r>
-                      <a:r>
-                        <a:rPr lang="vi-VN" sz="1000">
-                          <a:effectLst/>
-                        </a:rPr>
-                        <a:t>] </a:t>
-                      </a:r>
-                      <a:endParaRPr lang="en-US" sz="1100">
+                        <a:rPr lang="vi-VN" sz="1400">
+                          <a:effectLst/>
+                          <a:latin typeface="Times New Roman" panose="02020603050405020304" pitchFamily="18" charset="0"/>
+                          <a:cs typeface="Times New Roman" panose="02020603050405020304" pitchFamily="18" charset="0"/>
+                        </a:rPr>
+                        <a:t>[(</a:t>
+                      </a:r>
+                      <a:r>
+                        <a:rPr lang="en-US" sz="1400">
+                          <a:effectLst/>
+                          <a:latin typeface="Times New Roman" panose="02020603050405020304" pitchFamily="18" charset="0"/>
+                          <a:cs typeface="Times New Roman" panose="02020603050405020304" pitchFamily="18" charset="0"/>
+                        </a:rPr>
+                        <a:t>month </a:t>
+                      </a:r>
+                      <a:r>
+                        <a:rPr lang="vi-VN" sz="1400">
+                          <a:effectLst/>
+                          <a:latin typeface="Times New Roman" panose="02020603050405020304" pitchFamily="18" charset="0"/>
+                          <a:cs typeface="Times New Roman" panose="02020603050405020304" pitchFamily="18" charset="0"/>
+                        </a:rPr>
+                        <a:t>= 4 ||</a:t>
+                      </a:r>
+                      <a:r>
+                        <a:rPr lang="en-US" sz="1400">
+                          <a:effectLst/>
+                          <a:latin typeface="Times New Roman" panose="02020603050405020304" pitchFamily="18" charset="0"/>
+                          <a:cs typeface="Times New Roman" panose="02020603050405020304" pitchFamily="18" charset="0"/>
+                        </a:rPr>
+                        <a:t> month </a:t>
+                      </a:r>
+                      <a:r>
+                        <a:rPr lang="vi-VN" sz="1400">
+                          <a:effectLst/>
+                          <a:latin typeface="Times New Roman" panose="02020603050405020304" pitchFamily="18" charset="0"/>
+                          <a:cs typeface="Times New Roman" panose="02020603050405020304" pitchFamily="18" charset="0"/>
+                        </a:rPr>
+                        <a:t>= 6 ||</a:t>
+                      </a:r>
+                      <a:endParaRPr lang="en-US" sz="1400">
                         <a:effectLst/>
-                        <a:latin typeface="Calibri"/>
+                        <a:latin typeface="Times New Roman" panose="02020603050405020304" pitchFamily="18" charset="0"/>
+                        <a:cs typeface="Times New Roman" panose="02020603050405020304" pitchFamily="18" charset="0"/>
+                      </a:endParaRPr>
+                    </a:p>
+                    <a:p>
+                      <a:pPr>
+                        <a:lnSpc>
+                          <a:spcPct val="115000"/>
+                        </a:lnSpc>
+                        <a:spcAft>
+                          <a:spcPts val="0"/>
+                        </a:spcAft>
+                      </a:pPr>
+                      <a:r>
+                        <a:rPr lang="en-US" sz="1400">
+                          <a:effectLst/>
+                          <a:latin typeface="Times New Roman" panose="02020603050405020304" pitchFamily="18" charset="0"/>
+                          <a:cs typeface="Times New Roman" panose="02020603050405020304" pitchFamily="18" charset="0"/>
+                        </a:rPr>
+                        <a:t>month </a:t>
+                      </a:r>
+                      <a:r>
+                        <a:rPr lang="vi-VN" sz="1400">
+                          <a:effectLst/>
+                          <a:latin typeface="Times New Roman" panose="02020603050405020304" pitchFamily="18" charset="0"/>
+                          <a:cs typeface="Times New Roman" panose="02020603050405020304" pitchFamily="18" charset="0"/>
+                        </a:rPr>
+                        <a:t>= 9 ||</a:t>
+                      </a:r>
+                      <a:r>
+                        <a:rPr lang="en-US" sz="1400">
+                          <a:effectLst/>
+                          <a:latin typeface="Times New Roman" panose="02020603050405020304" pitchFamily="18" charset="0"/>
+                          <a:cs typeface="Times New Roman" panose="02020603050405020304" pitchFamily="18" charset="0"/>
+                        </a:rPr>
+                        <a:t> month </a:t>
+                      </a:r>
+                      <a:r>
+                        <a:rPr lang="vi-VN" sz="1400">
+                          <a:effectLst/>
+                          <a:latin typeface="Times New Roman" panose="02020603050405020304" pitchFamily="18" charset="0"/>
+                          <a:cs typeface="Times New Roman" panose="02020603050405020304" pitchFamily="18" charset="0"/>
+                        </a:rPr>
+                        <a:t>= 11)</a:t>
+                      </a:r>
+                      <a:r>
+                        <a:rPr lang="en-US" sz="1400">
+                          <a:effectLst/>
+                          <a:latin typeface="Times New Roman" panose="02020603050405020304" pitchFamily="18" charset="0"/>
+                          <a:cs typeface="Times New Roman" panose="02020603050405020304" pitchFamily="18" charset="0"/>
+                        </a:rPr>
+                        <a:t>, T</a:t>
+                      </a:r>
+                      <a:r>
+                        <a:rPr lang="vi-VN" sz="1400">
+                          <a:effectLst/>
+                          <a:latin typeface="Times New Roman" panose="02020603050405020304" pitchFamily="18" charset="0"/>
+                          <a:cs typeface="Times New Roman" panose="02020603050405020304" pitchFamily="18" charset="0"/>
+                        </a:rPr>
+                        <a:t>]</a:t>
+                      </a:r>
+                      <a:endParaRPr lang="en-US" sz="1400">
+                        <a:effectLst/>
+                        <a:latin typeface="Times New Roman" panose="02020603050405020304" pitchFamily="18" charset="0"/>
                         <a:ea typeface="ＭＳ 明朝"/>
-                        <a:cs typeface="Times New Roman"/>
+                        <a:cs typeface="Times New Roman" panose="02020603050405020304" pitchFamily="18" charset="0"/>
                       </a:endParaRPr>
                     </a:p>
                   </a:txBody>
@@ -5859,16 +6925,82 @@
                         </a:spcAft>
                       </a:pPr>
                       <a:r>
-                        <a:rPr lang="en-US" sz="1000">
-                          <a:effectLst/>
-                        </a:rPr>
-                        <a:t>min(fBchDist (month, &lt;, 1), fBchDist (month, &gt;, 12))</a:t>
-                      </a:r>
-                      <a:endParaRPr lang="en-US" sz="1100">
+                        <a:rPr lang="en-US" sz="1400" dirty="0">
+                          <a:effectLst/>
+                          <a:latin typeface="Times New Roman" panose="02020603050405020304" pitchFamily="18" charset="0"/>
+                          <a:cs typeface="Times New Roman" panose="02020603050405020304" pitchFamily="18" charset="0"/>
+                        </a:rPr>
+                        <a:t>min(</a:t>
+                      </a:r>
+                      <a:r>
+                        <a:rPr lang="en-US" sz="1400" dirty="0" err="1">
+                          <a:effectLst/>
+                          <a:latin typeface="Times New Roman" panose="02020603050405020304" pitchFamily="18" charset="0"/>
+                          <a:cs typeface="Times New Roman" panose="02020603050405020304" pitchFamily="18" charset="0"/>
+                        </a:rPr>
+                        <a:t>fBchDist</a:t>
+                      </a:r>
+                      <a:r>
+                        <a:rPr lang="en-US" sz="1400" dirty="0">
+                          <a:effectLst/>
+                          <a:latin typeface="Times New Roman" panose="02020603050405020304" pitchFamily="18" charset="0"/>
+                          <a:cs typeface="Times New Roman" panose="02020603050405020304" pitchFamily="18" charset="0"/>
+                        </a:rPr>
+                        <a:t> (month, =, 4), </a:t>
+                      </a:r>
+                      <a:r>
+                        <a:rPr lang="en-US" sz="1400" dirty="0" err="1">
+                          <a:effectLst/>
+                          <a:latin typeface="Times New Roman" panose="02020603050405020304" pitchFamily="18" charset="0"/>
+                          <a:cs typeface="Times New Roman" panose="02020603050405020304" pitchFamily="18" charset="0"/>
+                        </a:rPr>
+                        <a:t>fBchDist</a:t>
+                      </a:r>
+                      <a:r>
+                        <a:rPr lang="en-US" sz="1400" dirty="0">
+                          <a:effectLst/>
+                          <a:latin typeface="Times New Roman" panose="02020603050405020304" pitchFamily="18" charset="0"/>
+                          <a:cs typeface="Times New Roman" panose="02020603050405020304" pitchFamily="18" charset="0"/>
+                        </a:rPr>
+                        <a:t> (month, =, 6), </a:t>
+                      </a:r>
+                      <a:r>
+                        <a:rPr lang="en-US" sz="1400" dirty="0" err="1">
+                          <a:effectLst/>
+                          <a:latin typeface="Times New Roman" panose="02020603050405020304" pitchFamily="18" charset="0"/>
+                          <a:cs typeface="Times New Roman" panose="02020603050405020304" pitchFamily="18" charset="0"/>
+                        </a:rPr>
+                        <a:t>fBchDist</a:t>
+                      </a:r>
+                      <a:r>
+                        <a:rPr lang="en-US" sz="1400" dirty="0">
+                          <a:effectLst/>
+                          <a:latin typeface="Times New Roman" panose="02020603050405020304" pitchFamily="18" charset="0"/>
+                          <a:cs typeface="Times New Roman" panose="02020603050405020304" pitchFamily="18" charset="0"/>
+                        </a:rPr>
+                        <a:t> (month, =, 9), </a:t>
+                      </a:r>
+                      <a:r>
+                        <a:rPr lang="en-US" sz="1400" dirty="0" err="1">
+                          <a:effectLst/>
+                          <a:latin typeface="Times New Roman" panose="02020603050405020304" pitchFamily="18" charset="0"/>
+                          <a:cs typeface="Times New Roman" panose="02020603050405020304" pitchFamily="18" charset="0"/>
+                        </a:rPr>
+                        <a:t>fBchDist</a:t>
+                      </a:r>
+                      <a:r>
+                        <a:rPr lang="en-US" sz="1400" dirty="0">
+                          <a:effectLst/>
+                          <a:latin typeface="Times New Roman" panose="02020603050405020304" pitchFamily="18" charset="0"/>
+                          <a:cs typeface="Times New Roman" panose="02020603050405020304" pitchFamily="18" charset="0"/>
+                        </a:rPr>
+                        <a:t> (month, =, 11))</a:t>
+                      </a:r>
+                      <a:endParaRPr lang="en-US" sz="1400" dirty="0">
                         <a:effectLst/>
-                        <a:latin typeface="Calibri"/>
+                        <a:latin typeface="Times New Roman" panose="02020603050405020304" pitchFamily="18" charset="0"/>
                         <a:ea typeface="ＭＳ 明朝"/>
-                        <a:cs typeface="Times New Roman"/>
+                        <a:cs typeface="Times New Roman" panose="02020603050405020304" pitchFamily="18" charset="0"/>
                       </a:endParaRPr>
                     </a:p>
                   </a:txBody>
@@ -5888,28 +7020,34 @@
                         </a:spcAft>
                       </a:pPr>
                       <a:r>
-                        <a:rPr lang="en-US" sz="1000">
-                          <a:effectLst/>
+                        <a:rPr lang="en-US" sz="1400">
+                          <a:effectLst/>
+                          <a:latin typeface="Times New Roman" panose="02020603050405020304" pitchFamily="18" charset="0"/>
+                          <a:cs typeface="Times New Roman" panose="02020603050405020304" pitchFamily="18" charset="0"/>
                         </a:rPr>
                         <a:t>f</a:t>
                       </a:r>
                       <a:r>
-                        <a:rPr lang="en-US" sz="1000" baseline="-25000">
-                          <a:effectLst/>
-                        </a:rPr>
-                        <a:t>1</a:t>
-                      </a:r>
-                      <a:r>
-                        <a:rPr lang="en-US" sz="1000">
-                          <a:effectLst/>
-                        </a:rPr>
-                        <a:t>F</a:t>
-                      </a:r>
-                      <a:endParaRPr lang="en-US" sz="1100">
+                        <a:rPr lang="en-US" sz="1400" baseline="-25000">
+                          <a:effectLst/>
+                          <a:latin typeface="Times New Roman" panose="02020603050405020304" pitchFamily="18" charset="0"/>
+                          <a:cs typeface="Times New Roman" panose="02020603050405020304" pitchFamily="18" charset="0"/>
+                        </a:rPr>
+                        <a:t>4</a:t>
+                      </a:r>
+                      <a:r>
+                        <a:rPr lang="en-US" sz="1400">
+                          <a:effectLst/>
+                          <a:latin typeface="Times New Roman" panose="02020603050405020304" pitchFamily="18" charset="0"/>
+                          <a:cs typeface="Times New Roman" panose="02020603050405020304" pitchFamily="18" charset="0"/>
+                        </a:rPr>
+                        <a:t>T</a:t>
+                      </a:r>
+                      <a:endParaRPr lang="en-US" sz="1400">
                         <a:effectLst/>
-                        <a:latin typeface="Calibri"/>
+                        <a:latin typeface="Times New Roman" panose="02020603050405020304" pitchFamily="18" charset="0"/>
                         <a:ea typeface="ＭＳ 明朝"/>
-                        <a:cs typeface="Times New Roman"/>
+                        <a:cs typeface="Times New Roman" panose="02020603050405020304" pitchFamily="18" charset="0"/>
                       </a:endParaRPr>
                     </a:p>
                   </a:txBody>
@@ -5931,16 +7069,18 @@
                         </a:spcAft>
                       </a:pPr>
                       <a:r>
-                        <a:rPr lang="en-US" sz="1000">
-                          <a:effectLst/>
-                        </a:rPr>
-                        <a:t>3</a:t>
-                      </a:r>
-                      <a:endParaRPr lang="en-US" sz="1100">
+                        <a:rPr lang="en-US" sz="1400">
+                          <a:effectLst/>
+                          <a:latin typeface="Times New Roman" panose="02020603050405020304" pitchFamily="18" charset="0"/>
+                          <a:cs typeface="Times New Roman" panose="02020603050405020304" pitchFamily="18" charset="0"/>
+                        </a:rPr>
+                        <a:t>8</a:t>
+                      </a:r>
+                      <a:endParaRPr lang="en-US" sz="1400">
                         <a:effectLst/>
-                        <a:latin typeface="Calibri"/>
+                        <a:latin typeface="Times New Roman" panose="02020603050405020304" pitchFamily="18" charset="0"/>
                         <a:ea typeface="ＭＳ 明朝"/>
-                        <a:cs typeface="Times New Roman"/>
+                        <a:cs typeface="Times New Roman" panose="02020603050405020304" pitchFamily="18" charset="0"/>
                       </a:endParaRPr>
                     </a:p>
                   </a:txBody>
@@ -5960,16 +7100,113 @@
                         </a:spcAft>
                       </a:pPr>
                       <a:r>
-                        <a:rPr lang="en-US" sz="1000">
-                          <a:effectLst/>
-                        </a:rPr>
-                        <a:t>[(month = 2), T]</a:t>
-                      </a:r>
-                      <a:endParaRPr lang="en-US" sz="1100">
+                        <a:rPr lang="vi-VN" sz="1400">
+                          <a:effectLst/>
+                          <a:latin typeface="Times New Roman" panose="02020603050405020304" pitchFamily="18" charset="0"/>
+                          <a:cs typeface="Times New Roman" panose="02020603050405020304" pitchFamily="18" charset="0"/>
+                        </a:rPr>
+                        <a:t>[(</a:t>
+                      </a:r>
+                      <a:r>
+                        <a:rPr lang="en-US" sz="1400">
+                          <a:effectLst/>
+                          <a:latin typeface="Times New Roman" panose="02020603050405020304" pitchFamily="18" charset="0"/>
+                          <a:cs typeface="Times New Roman" panose="02020603050405020304" pitchFamily="18" charset="0"/>
+                        </a:rPr>
+                        <a:t>month </a:t>
+                      </a:r>
+                      <a:r>
+                        <a:rPr lang="vi-VN" sz="1400">
+                          <a:effectLst/>
+                          <a:latin typeface="Times New Roman" panose="02020603050405020304" pitchFamily="18" charset="0"/>
+                          <a:cs typeface="Times New Roman" panose="02020603050405020304" pitchFamily="18" charset="0"/>
+                        </a:rPr>
+                        <a:t>= 4 ||</a:t>
+                      </a:r>
+                      <a:r>
+                        <a:rPr lang="en-US" sz="1400">
+                          <a:effectLst/>
+                          <a:latin typeface="Times New Roman" panose="02020603050405020304" pitchFamily="18" charset="0"/>
+                          <a:cs typeface="Times New Roman" panose="02020603050405020304" pitchFamily="18" charset="0"/>
+                        </a:rPr>
+                        <a:t> month </a:t>
+                      </a:r>
+                      <a:r>
+                        <a:rPr lang="vi-VN" sz="1400">
+                          <a:effectLst/>
+                          <a:latin typeface="Times New Roman" panose="02020603050405020304" pitchFamily="18" charset="0"/>
+                          <a:cs typeface="Times New Roman" panose="02020603050405020304" pitchFamily="18" charset="0"/>
+                        </a:rPr>
+                        <a:t>= 6 ||</a:t>
+                      </a:r>
+                      <a:endParaRPr lang="en-US" sz="1400">
                         <a:effectLst/>
-                        <a:latin typeface="Calibri"/>
+                        <a:latin typeface="Times New Roman" panose="02020603050405020304" pitchFamily="18" charset="0"/>
+                        <a:cs typeface="Times New Roman" panose="02020603050405020304" pitchFamily="18" charset="0"/>
+                      </a:endParaRPr>
+                    </a:p>
+                    <a:p>
+                      <a:pPr>
+                        <a:lnSpc>
+                          <a:spcPct val="115000"/>
+                        </a:lnSpc>
+                        <a:spcAft>
+                          <a:spcPts val="0"/>
+                        </a:spcAft>
+                      </a:pPr>
+                      <a:r>
+                        <a:rPr lang="en-US" sz="1400">
+                          <a:effectLst/>
+                          <a:latin typeface="Times New Roman" panose="02020603050405020304" pitchFamily="18" charset="0"/>
+                          <a:cs typeface="Times New Roman" panose="02020603050405020304" pitchFamily="18" charset="0"/>
+                        </a:rPr>
+                        <a:t>month </a:t>
+                      </a:r>
+                      <a:r>
+                        <a:rPr lang="vi-VN" sz="1400">
+                          <a:effectLst/>
+                          <a:latin typeface="Times New Roman" panose="02020603050405020304" pitchFamily="18" charset="0"/>
+                          <a:cs typeface="Times New Roman" panose="02020603050405020304" pitchFamily="18" charset="0"/>
+                        </a:rPr>
+                        <a:t>= 9 ||</a:t>
+                      </a:r>
+                      <a:r>
+                        <a:rPr lang="en-US" sz="1400">
+                          <a:effectLst/>
+                          <a:latin typeface="Times New Roman" panose="02020603050405020304" pitchFamily="18" charset="0"/>
+                          <a:cs typeface="Times New Roman" panose="02020603050405020304" pitchFamily="18" charset="0"/>
+                        </a:rPr>
+                        <a:t> month </a:t>
+                      </a:r>
+                      <a:r>
+                        <a:rPr lang="vi-VN" sz="1400">
+                          <a:effectLst/>
+                          <a:latin typeface="Times New Roman" panose="02020603050405020304" pitchFamily="18" charset="0"/>
+                          <a:cs typeface="Times New Roman" panose="02020603050405020304" pitchFamily="18" charset="0"/>
+                        </a:rPr>
+                        <a:t>= 11)</a:t>
+                      </a:r>
+                      <a:r>
+                        <a:rPr lang="en-US" sz="1400">
+                          <a:effectLst/>
+                          <a:latin typeface="Times New Roman" panose="02020603050405020304" pitchFamily="18" charset="0"/>
+                          <a:cs typeface="Times New Roman" panose="02020603050405020304" pitchFamily="18" charset="0"/>
+                        </a:rPr>
+                        <a:t>, F</a:t>
+                      </a:r>
+                      <a:r>
+                        <a:rPr lang="vi-VN" sz="1400">
+                          <a:effectLst/>
+                          <a:latin typeface="Times New Roman" panose="02020603050405020304" pitchFamily="18" charset="0"/>
+                          <a:cs typeface="Times New Roman" panose="02020603050405020304" pitchFamily="18" charset="0"/>
+                        </a:rPr>
+                        <a:t>]</a:t>
+                      </a:r>
+                      <a:endParaRPr lang="en-US" sz="1400">
+                        <a:effectLst/>
+                        <a:latin typeface="Times New Roman" panose="02020603050405020304" pitchFamily="18" charset="0"/>
                         <a:ea typeface="ＭＳ 明朝"/>
-                        <a:cs typeface="Times New Roman"/>
+                        <a:cs typeface="Times New Roman" panose="02020603050405020304" pitchFamily="18" charset="0"/>
                       </a:endParaRPr>
                     </a:p>
                   </a:txBody>
@@ -5989,16 +7226,36 @@
                         </a:spcAft>
                       </a:pPr>
                       <a:r>
-                        <a:rPr lang="en-US" sz="1000">
-                          <a:effectLst/>
-                        </a:rPr>
-                        <a:t>fBchDist (month, =, 2)</a:t>
-                      </a:r>
-                      <a:endParaRPr lang="en-US" sz="1100">
+                        <a:rPr lang="en-US" sz="1400">
+                          <a:effectLst/>
+                          <a:latin typeface="Times New Roman" panose="02020603050405020304" pitchFamily="18" charset="0"/>
+                          <a:cs typeface="Times New Roman" panose="02020603050405020304" pitchFamily="18" charset="0"/>
+                        </a:rPr>
+                        <a:t>fBchDist (month, ≠, 4) + fBchDist (month, ≠, 6) +</a:t>
+                      </a:r>
+                    </a:p>
+                    <a:p>
+                      <a:pPr>
+                        <a:lnSpc>
+                          <a:spcPct val="115000"/>
+                        </a:lnSpc>
+                        <a:spcAft>
+                          <a:spcPts val="0"/>
+                        </a:spcAft>
+                      </a:pPr>
+                      <a:r>
+                        <a:rPr lang="en-US" sz="1400">
+                          <a:effectLst/>
+                          <a:latin typeface="Times New Roman" panose="02020603050405020304" pitchFamily="18" charset="0"/>
+                          <a:cs typeface="Times New Roman" panose="02020603050405020304" pitchFamily="18" charset="0"/>
+                        </a:rPr>
+                        <a:t>fBchDist (month, ≠, 9) + fBchDist (month, ≠, 11)</a:t>
+                      </a:r>
+                      <a:endParaRPr lang="en-US" sz="1400">
                         <a:effectLst/>
-                        <a:latin typeface="Calibri"/>
+                        <a:latin typeface="Times New Roman" panose="02020603050405020304" pitchFamily="18" charset="0"/>
                         <a:ea typeface="ＭＳ 明朝"/>
-                        <a:cs typeface="Times New Roman"/>
+                        <a:cs typeface="Times New Roman" panose="02020603050405020304" pitchFamily="18" charset="0"/>
                       </a:endParaRPr>
                     </a:p>
                   </a:txBody>
@@ -6018,28 +7275,162 @@
                         </a:spcAft>
                       </a:pPr>
                       <a:r>
-                        <a:rPr lang="en-US" sz="1000">
-                          <a:effectLst/>
+                        <a:rPr lang="en-US" sz="1400" dirty="0" err="1">
+                          <a:effectLst/>
+                          <a:latin typeface="Times New Roman" panose="02020603050405020304" pitchFamily="18" charset="0"/>
+                          <a:cs typeface="Times New Roman" panose="02020603050405020304" pitchFamily="18" charset="0"/>
                         </a:rPr>
                         <a:t>f</a:t>
                       </a:r>
                       <a:r>
-                        <a:rPr lang="en-US" sz="1000" baseline="-25000">
-                          <a:effectLst/>
-                        </a:rPr>
-                        <a:t>2</a:t>
-                      </a:r>
-                      <a:r>
-                        <a:rPr lang="en-US" sz="1000">
-                          <a:effectLst/>
-                        </a:rPr>
-                        <a:t>T</a:t>
-                      </a:r>
-                      <a:endParaRPr lang="en-US" sz="1100">
+                        <a:rPr lang="en-US" sz="1400" baseline="-25000" dirty="0" err="1">
+                          <a:effectLst/>
+                          <a:latin typeface="Times New Roman" panose="02020603050405020304" pitchFamily="18" charset="0"/>
+                          <a:cs typeface="Times New Roman" panose="02020603050405020304" pitchFamily="18" charset="0"/>
+                        </a:rPr>
+                        <a:t>4</a:t>
+                      </a:r>
+                      <a:r>
+                        <a:rPr lang="en-US" sz="1400" dirty="0" err="1">
+                          <a:effectLst/>
+                          <a:latin typeface="Times New Roman" panose="02020603050405020304" pitchFamily="18" charset="0"/>
+                          <a:cs typeface="Times New Roman" panose="02020603050405020304" pitchFamily="18" charset="0"/>
+                        </a:rPr>
+                        <a:t>F</a:t>
+                      </a:r>
+                      <a:endParaRPr lang="en-US" sz="1400" dirty="0">
                         <a:effectLst/>
-                        <a:latin typeface="Calibri"/>
+                        <a:latin typeface="Times New Roman" panose="02020603050405020304" pitchFamily="18" charset="0"/>
                         <a:ea typeface="ＭＳ 明朝"/>
-                        <a:cs typeface="Times New Roman"/>
+                        <a:cs typeface="Times New Roman" panose="02020603050405020304" pitchFamily="18" charset="0"/>
+                      </a:endParaRPr>
+                    </a:p>
+                  </a:txBody>
+                  <a:tcPr marL="68580" marR="68580" marT="0" marB="0"/>
+                </a:tc>
+              </a:tr>
+            </a:tbl>
+          </a:graphicData>
+        </a:graphic>
+      </p:graphicFrame>
+      <p:graphicFrame>
+        <p:nvGraphicFramePr>
+          <p:cNvPr id="8" name="Table 7"/>
+          <p:cNvGraphicFramePr>
+            <a:graphicFrameLocks noGrp="1"/>
+          </p:cNvGraphicFramePr>
+          <p:nvPr>
+            <p:extLst>
+              <p:ext uri="{D42A27DB-BD31-4B8C-83A1-F6EECF244321}">
+                <p14:modId xmlns:p14="http://schemas.microsoft.com/office/powerpoint/2010/main" val="3678231842"/>
+              </p:ext>
+            </p:extLst>
+          </p:nvPr>
+        </p:nvGraphicFramePr>
+        <p:xfrm>
+          <a:off x="21728906" y="24221281"/>
+          <a:ext cx="3296476" cy="1472184"/>
+        </p:xfrm>
+        <a:graphic>
+          <a:graphicData uri="http://schemas.openxmlformats.org/drawingml/2006/table">
+            <a:tbl>
+              <a:tblPr firstRow="1" firstCol="1" bandRow="1">
+                <a:tableStyleId>{5C22544A-7EE6-4342-B048-85BDC9FD1C3A}</a:tableStyleId>
+              </a:tblPr>
+              <a:tblGrid>
+                <a:gridCol w="399098"/>
+                <a:gridCol w="742950"/>
+                <a:gridCol w="2154428"/>
+              </a:tblGrid>
+              <a:tr h="0">
+                <a:tc>
+                  <a:txBody>
+                    <a:bodyPr/>
+                    <a:lstStyle/>
+                    <a:p>
+                      <a:pPr algn="ctr">
+                        <a:lnSpc>
+                          <a:spcPct val="115000"/>
+                        </a:lnSpc>
+                        <a:spcAft>
+                          <a:spcPts val="0"/>
+                        </a:spcAft>
+                      </a:pPr>
+                      <a:r>
+                        <a:rPr lang="en-US" sz="1400">
+                          <a:effectLst/>
+                          <a:latin typeface="Times New Roman" panose="02020603050405020304" pitchFamily="18" charset="0"/>
+                          <a:cs typeface="Times New Roman" panose="02020603050405020304" pitchFamily="18" charset="0"/>
+                        </a:rPr>
+                        <a:t>No</a:t>
+                      </a:r>
+                      <a:endParaRPr lang="en-US" sz="1400">
+                        <a:effectLst/>
+                        <a:latin typeface="Times New Roman" panose="02020603050405020304" pitchFamily="18" charset="0"/>
+                        <a:ea typeface="ＭＳ 明朝"/>
+                        <a:cs typeface="Times New Roman" panose="02020603050405020304" pitchFamily="18" charset="0"/>
+                      </a:endParaRPr>
+                    </a:p>
+                  </a:txBody>
+                  <a:tcPr marL="68580" marR="68580" marT="0" marB="0"/>
+                </a:tc>
+                <a:tc>
+                  <a:txBody>
+                    <a:bodyPr/>
+                    <a:lstStyle/>
+                    <a:p>
+                      <a:pPr>
+                        <a:lnSpc>
+                          <a:spcPct val="115000"/>
+                        </a:lnSpc>
+                        <a:spcAft>
+                          <a:spcPts val="0"/>
+                        </a:spcAft>
+                      </a:pPr>
+                      <a:r>
+                        <a:rPr lang="en-US" sz="1400">
+                          <a:effectLst/>
+                          <a:latin typeface="Times New Roman" panose="02020603050405020304" pitchFamily="18" charset="0"/>
+                          <a:cs typeface="Times New Roman" panose="02020603050405020304" pitchFamily="18" charset="0"/>
+                        </a:rPr>
+                        <a:t>PathID</a:t>
+                      </a:r>
+                      <a:endParaRPr lang="en-US" sz="1400">
+                        <a:effectLst/>
+                        <a:latin typeface="Times New Roman" panose="02020603050405020304" pitchFamily="18" charset="0"/>
+                        <a:ea typeface="ＭＳ 明朝"/>
+                        <a:cs typeface="Times New Roman" panose="02020603050405020304" pitchFamily="18" charset="0"/>
+                      </a:endParaRPr>
+                    </a:p>
+                  </a:txBody>
+                  <a:tcPr marL="68580" marR="68580" marT="0" marB="0"/>
+                </a:tc>
+                <a:tc>
+                  <a:txBody>
+                    <a:bodyPr/>
+                    <a:lstStyle/>
+                    <a:p>
+                      <a:pPr>
+                        <a:lnSpc>
+                          <a:spcPct val="115000"/>
+                        </a:lnSpc>
+                        <a:spcAft>
+                          <a:spcPts val="0"/>
+                        </a:spcAft>
+                      </a:pPr>
+                      <a:r>
+                        <a:rPr lang="en-US" sz="1400">
+                          <a:effectLst/>
+                          <a:latin typeface="Times New Roman" panose="02020603050405020304" pitchFamily="18" charset="0"/>
+                          <a:cs typeface="Times New Roman" panose="02020603050405020304" pitchFamily="18" charset="0"/>
+                        </a:rPr>
+                        <a:t>Test path fitness functions</a:t>
+                      </a:r>
+                      <a:endParaRPr lang="en-US" sz="1400">
+                        <a:effectLst/>
+                        <a:latin typeface="Times New Roman" panose="02020603050405020304" pitchFamily="18" charset="0"/>
+                        <a:ea typeface="ＭＳ 明朝"/>
+                        <a:cs typeface="Times New Roman" panose="02020603050405020304" pitchFamily="18" charset="0"/>
                       </a:endParaRPr>
                     </a:p>
                   </a:txBody>
@@ -6061,16 +7452,18 @@
                         </a:spcAft>
                       </a:pPr>
                       <a:r>
-                        <a:rPr lang="en-US" sz="1000">
-                          <a:effectLst/>
-                        </a:rPr>
-                        <a:t>4</a:t>
-                      </a:r>
-                      <a:endParaRPr lang="en-US" sz="1100">
+                        <a:rPr lang="en-US" sz="1400">
+                          <a:effectLst/>
+                          <a:latin typeface="Times New Roman" panose="02020603050405020304" pitchFamily="18" charset="0"/>
+                          <a:cs typeface="Times New Roman" panose="02020603050405020304" pitchFamily="18" charset="0"/>
+                        </a:rPr>
+                        <a:t>1</a:t>
+                      </a:r>
+                      <a:endParaRPr lang="en-US" sz="1400">
                         <a:effectLst/>
-                        <a:latin typeface="Calibri"/>
+                        <a:latin typeface="Times New Roman" panose="02020603050405020304" pitchFamily="18" charset="0"/>
                         <a:ea typeface="ＭＳ 明朝"/>
-                        <a:cs typeface="Times New Roman"/>
+                        <a:cs typeface="Times New Roman" panose="02020603050405020304" pitchFamily="18" charset="0"/>
                       </a:endParaRPr>
                     </a:p>
                   </a:txBody>
@@ -6090,16 +7483,18 @@
                         </a:spcAft>
                       </a:pPr>
                       <a:r>
-                        <a:rPr lang="en-US" sz="1000">
-                          <a:effectLst/>
-                        </a:rPr>
-                        <a:t>[(month = 2), F]</a:t>
-                      </a:r>
-                      <a:endParaRPr lang="en-US" sz="1100">
+                        <a:rPr lang="en-US" sz="1400">
+                          <a:effectLst/>
+                          <a:latin typeface="Times New Roman" panose="02020603050405020304" pitchFamily="18" charset="0"/>
+                          <a:cs typeface="Times New Roman" panose="02020603050405020304" pitchFamily="18" charset="0"/>
+                        </a:rPr>
+                        <a:t>path1</a:t>
+                      </a:r>
+                      <a:endParaRPr lang="en-US" sz="1400">
                         <a:effectLst/>
-                        <a:latin typeface="Calibri"/>
+                        <a:latin typeface="Times New Roman" panose="02020603050405020304" pitchFamily="18" charset="0"/>
                         <a:ea typeface="ＭＳ 明朝"/>
-                        <a:cs typeface="Times New Roman"/>
+                        <a:cs typeface="Times New Roman" panose="02020603050405020304" pitchFamily="18" charset="0"/>
                       </a:endParaRPr>
                     </a:p>
                   </a:txBody>
@@ -6119,57 +7514,90 @@
                         </a:spcAft>
                       </a:pPr>
                       <a:r>
-                        <a:rPr lang="en-US" sz="1000">
-                          <a:effectLst/>
-                        </a:rPr>
-                        <a:t>fBchDist (month, ≠, 2)</a:t>
-                      </a:r>
-                      <a:endParaRPr lang="en-US" sz="1100">
+                        <a:rPr lang="en-US" sz="1400">
+                          <a:effectLst/>
+                          <a:latin typeface="Times New Roman" panose="02020603050405020304" pitchFamily="18" charset="0"/>
+                          <a:cs typeface="Times New Roman" panose="02020603050405020304" pitchFamily="18" charset="0"/>
+                        </a:rPr>
+                        <a:t>F</a:t>
+                      </a:r>
+                      <a:r>
+                        <a:rPr lang="en-US" sz="1400" baseline="-25000">
+                          <a:effectLst/>
+                          <a:latin typeface="Times New Roman" panose="02020603050405020304" pitchFamily="18" charset="0"/>
+                          <a:cs typeface="Times New Roman" panose="02020603050405020304" pitchFamily="18" charset="0"/>
+                        </a:rPr>
+                        <a:t>1</a:t>
+                      </a:r>
+                      <a:r>
+                        <a:rPr lang="en-US" sz="1400">
+                          <a:effectLst/>
+                          <a:latin typeface="Times New Roman" panose="02020603050405020304" pitchFamily="18" charset="0"/>
+                          <a:cs typeface="Times New Roman" panose="02020603050405020304" pitchFamily="18" charset="0"/>
+                        </a:rPr>
+                        <a:t> = </a:t>
+                      </a:r>
+                      <a:r>
+                        <a:rPr lang="en-US" sz="1400" u="sng">
+                          <a:effectLst/>
+                          <a:latin typeface="Times New Roman" panose="02020603050405020304" pitchFamily="18" charset="0"/>
+                          <a:cs typeface="Times New Roman" panose="02020603050405020304" pitchFamily="18" charset="0"/>
+                        </a:rPr>
+                        <a:t>f</a:t>
+                      </a:r>
+                      <a:r>
+                        <a:rPr lang="en-US" sz="1400" baseline="-25000">
+                          <a:effectLst/>
+                          <a:latin typeface="Times New Roman" panose="02020603050405020304" pitchFamily="18" charset="0"/>
+                          <a:cs typeface="Times New Roman" panose="02020603050405020304" pitchFamily="18" charset="0"/>
+                        </a:rPr>
+                        <a:t>1</a:t>
+                      </a:r>
+                      <a:r>
+                        <a:rPr lang="en-US" sz="1400">
+                          <a:effectLst/>
+                          <a:latin typeface="Times New Roman" panose="02020603050405020304" pitchFamily="18" charset="0"/>
+                          <a:cs typeface="Times New Roman" panose="02020603050405020304" pitchFamily="18" charset="0"/>
+                        </a:rPr>
+                        <a:t>T + f</a:t>
+                      </a:r>
+                      <a:r>
+                        <a:rPr lang="en-US" sz="1400" baseline="-25000">
+                          <a:effectLst/>
+                          <a:latin typeface="Times New Roman" panose="02020603050405020304" pitchFamily="18" charset="0"/>
+                          <a:cs typeface="Times New Roman" panose="02020603050405020304" pitchFamily="18" charset="0"/>
+                        </a:rPr>
+                        <a:t>2</a:t>
+                      </a:r>
+                      <a:r>
+                        <a:rPr lang="en-US" sz="1400">
+                          <a:effectLst/>
+                          <a:latin typeface="Times New Roman" panose="02020603050405020304" pitchFamily="18" charset="0"/>
+                          <a:cs typeface="Times New Roman" panose="02020603050405020304" pitchFamily="18" charset="0"/>
+                        </a:rPr>
+                        <a:t>T + f</a:t>
+                      </a:r>
+                      <a:r>
+                        <a:rPr lang="en-US" sz="1400" baseline="-25000">
+                          <a:effectLst/>
+                          <a:latin typeface="Times New Roman" panose="02020603050405020304" pitchFamily="18" charset="0"/>
+                          <a:cs typeface="Times New Roman" panose="02020603050405020304" pitchFamily="18" charset="0"/>
+                        </a:rPr>
+                        <a:t>3</a:t>
+                      </a:r>
+                      <a:r>
+                        <a:rPr lang="en-US" sz="1400">
+                          <a:effectLst/>
+                          <a:latin typeface="Times New Roman" panose="02020603050405020304" pitchFamily="18" charset="0"/>
+                          <a:cs typeface="Times New Roman" panose="02020603050405020304" pitchFamily="18" charset="0"/>
+                        </a:rPr>
+                        <a:t>T</a:t>
+                      </a:r>
+                      <a:endParaRPr lang="en-US" sz="1400">
                         <a:effectLst/>
-                        <a:latin typeface="Calibri"/>
+                        <a:latin typeface="Times New Roman" panose="02020603050405020304" pitchFamily="18" charset="0"/>
                         <a:ea typeface="ＭＳ 明朝"/>
-                        <a:cs typeface="Times New Roman"/>
-                      </a:endParaRPr>
-                    </a:p>
-                  </a:txBody>
-                  <a:tcPr marL="68580" marR="68580" marT="0" marB="0"/>
-                </a:tc>
-                <a:tc>
-                  <a:txBody>
-                    <a:bodyPr/>
-                    <a:lstStyle/>
-                    <a:p>
-                      <a:pPr>
-                        <a:lnSpc>
-                          <a:spcPct val="115000"/>
-                        </a:lnSpc>
-                        <a:spcAft>
-                          <a:spcPts val="0"/>
-                        </a:spcAft>
-                      </a:pPr>
-                      <a:r>
-                        <a:rPr lang="en-US" sz="1000">
-                          <a:effectLst/>
-                        </a:rPr>
-                        <a:t>f</a:t>
-                      </a:r>
-                      <a:r>
-                        <a:rPr lang="en-US" sz="1000" baseline="-25000">
-                          <a:effectLst/>
-                        </a:rPr>
-                        <a:t>2</a:t>
-                      </a:r>
-                      <a:r>
-                        <a:rPr lang="en-US" sz="1000">
-                          <a:effectLst/>
-                        </a:rPr>
-                        <a:t>F</a:t>
-                      </a:r>
-                      <a:endParaRPr lang="en-US" sz="1100">
-                        <a:effectLst/>
-                        <a:latin typeface="Calibri"/>
-                        <a:ea typeface="ＭＳ 明朝"/>
-                        <a:cs typeface="Times New Roman"/>
+                        <a:cs typeface="Times New Roman" panose="02020603050405020304" pitchFamily="18" charset="0"/>
                       </a:endParaRPr>
                     </a:p>
                   </a:txBody>
@@ -6191,16 +7619,18 @@
                         </a:spcAft>
                       </a:pPr>
                       <a:r>
-                        <a:rPr lang="en-US" sz="1000">
-                          <a:effectLst/>
-                        </a:rPr>
-                        <a:t>5</a:t>
-                      </a:r>
-                      <a:endParaRPr lang="en-US" sz="1100">
+                        <a:rPr lang="en-US" sz="1400">
+                          <a:effectLst/>
+                          <a:latin typeface="Times New Roman" panose="02020603050405020304" pitchFamily="18" charset="0"/>
+                          <a:cs typeface="Times New Roman" panose="02020603050405020304" pitchFamily="18" charset="0"/>
+                        </a:rPr>
+                        <a:t>2</a:t>
+                      </a:r>
+                      <a:endParaRPr lang="en-US" sz="1400">
                         <a:effectLst/>
-                        <a:latin typeface="Calibri"/>
+                        <a:latin typeface="Times New Roman" panose="02020603050405020304" pitchFamily="18" charset="0"/>
                         <a:ea typeface="ＭＳ 明朝"/>
-                        <a:cs typeface="Times New Roman"/>
+                        <a:cs typeface="Times New Roman" panose="02020603050405020304" pitchFamily="18" charset="0"/>
                       </a:endParaRPr>
                     </a:p>
                   </a:txBody>
@@ -6220,47 +7650,18 @@
                         </a:spcAft>
                       </a:pPr>
                       <a:r>
-                        <a:rPr lang="vi-VN" sz="1000">
-                          <a:effectLst/>
-                        </a:rPr>
-                        <a:t>[</a:t>
-                      </a:r>
-                      <a:r>
-                        <a:rPr lang="en-US" sz="1000">
-                          <a:effectLst/>
-                        </a:rPr>
-                        <a:t>(year % 400 = 0 ||</a:t>
-                      </a:r>
-                      <a:endParaRPr lang="en-US" sz="1100">
+                        <a:rPr lang="en-US" sz="1400">
+                          <a:effectLst/>
+                          <a:latin typeface="Times New Roman" panose="02020603050405020304" pitchFamily="18" charset="0"/>
+                          <a:cs typeface="Times New Roman" panose="02020603050405020304" pitchFamily="18" charset="0"/>
+                        </a:rPr>
+                        <a:t>path2</a:t>
+                      </a:r>
+                      <a:endParaRPr lang="en-US" sz="1400">
                         <a:effectLst/>
-                      </a:endParaRPr>
-                    </a:p>
-                    <a:p>
-                      <a:pPr>
-                        <a:lnSpc>
-                          <a:spcPct val="115000"/>
-                        </a:lnSpc>
-                        <a:spcAft>
-                          <a:spcPts val="0"/>
-                        </a:spcAft>
-                      </a:pPr>
-                      <a:r>
-                        <a:rPr lang="en-US" sz="1000">
-                          <a:effectLst/>
-                        </a:rPr>
-                        <a:t>(year % 4 = 0 &amp;&amp; year % 100 = 0)), T</a:t>
-                      </a:r>
-                      <a:r>
-                        <a:rPr lang="vi-VN" sz="1000">
-                          <a:effectLst/>
-                        </a:rPr>
-                        <a:t>]</a:t>
-                      </a:r>
-                      <a:endParaRPr lang="en-US" sz="1100">
-                        <a:effectLst/>
-                        <a:latin typeface="Calibri"/>
+                        <a:latin typeface="Times New Roman" panose="02020603050405020304" pitchFamily="18" charset="0"/>
                         <a:ea typeface="ＭＳ 明朝"/>
-                        <a:cs typeface="Times New Roman"/>
+                        <a:cs typeface="Times New Roman" panose="02020603050405020304" pitchFamily="18" charset="0"/>
                       </a:endParaRPr>
                     </a:p>
                   </a:txBody>
@@ -6280,76 +7681,34 @@
                         </a:spcAft>
                       </a:pPr>
                       <a:r>
-                        <a:rPr lang="en-US" sz="1000">
-                          <a:effectLst/>
-                        </a:rPr>
-                        <a:t>min(fBchDist (year %400, =, 0), </a:t>
-                      </a:r>
-                      <a:endParaRPr lang="en-US" sz="1100">
+                        <a:rPr lang="en-US" sz="1400">
+                          <a:effectLst/>
+                          <a:latin typeface="Times New Roman" panose="02020603050405020304" pitchFamily="18" charset="0"/>
+                          <a:cs typeface="Times New Roman" panose="02020603050405020304" pitchFamily="18" charset="0"/>
+                        </a:rPr>
+                        <a:t>F</a:t>
+                      </a:r>
+                      <a:r>
+                        <a:rPr lang="en-US" sz="1400" baseline="-25000">
+                          <a:effectLst/>
+                          <a:latin typeface="Times New Roman" panose="02020603050405020304" pitchFamily="18" charset="0"/>
+                          <a:cs typeface="Times New Roman" panose="02020603050405020304" pitchFamily="18" charset="0"/>
+                        </a:rPr>
+                        <a:t>2</a:t>
+                      </a:r>
+                      <a:r>
+                        <a:rPr lang="en-US" sz="1400">
+                          <a:effectLst/>
+                          <a:latin typeface="Times New Roman" panose="02020603050405020304" pitchFamily="18" charset="0"/>
+                          <a:cs typeface="Times New Roman" panose="02020603050405020304" pitchFamily="18" charset="0"/>
+                        </a:rPr>
+                        <a:t> = f1T + f2T + f3F</a:t>
+                      </a:r>
+                      <a:endParaRPr lang="en-US" sz="1400">
                         <a:effectLst/>
-                      </a:endParaRPr>
-                    </a:p>
-                    <a:p>
-                      <a:pPr>
-                        <a:lnSpc>
-                          <a:spcPct val="115000"/>
-                        </a:lnSpc>
-                        <a:spcAft>
-                          <a:spcPts val="0"/>
-                        </a:spcAft>
-                      </a:pPr>
-                      <a:r>
-                        <a:rPr lang="en-US" sz="1000">
-                          <a:effectLst/>
-                        </a:rPr>
-                        <a:t>(fBchDist (year %4, =, 0) + fBchDist (year %100, =, 0)))</a:t>
-                      </a:r>
-                      <a:endParaRPr lang="en-US" sz="1100">
-                        <a:effectLst/>
-                        <a:latin typeface="Calibri"/>
+                        <a:latin typeface="Times New Roman" panose="02020603050405020304" pitchFamily="18" charset="0"/>
                         <a:ea typeface="ＭＳ 明朝"/>
-                        <a:cs typeface="Times New Roman"/>
-                      </a:endParaRPr>
-                    </a:p>
-                  </a:txBody>
-                  <a:tcPr marL="68580" marR="68580" marT="0" marB="0"/>
-                </a:tc>
-                <a:tc>
-                  <a:txBody>
-                    <a:bodyPr/>
-                    <a:lstStyle/>
-                    <a:p>
-                      <a:pPr>
-                        <a:lnSpc>
-                          <a:spcPct val="115000"/>
-                        </a:lnSpc>
-                        <a:spcAft>
-                          <a:spcPts val="0"/>
-                        </a:spcAft>
-                      </a:pPr>
-                      <a:r>
-                        <a:rPr lang="en-US" sz="1000">
-                          <a:effectLst/>
-                        </a:rPr>
-                        <a:t>f</a:t>
-                      </a:r>
-                      <a:r>
-                        <a:rPr lang="en-US" sz="1000" baseline="-25000">
-                          <a:effectLst/>
-                        </a:rPr>
-                        <a:t>3</a:t>
-                      </a:r>
-                      <a:r>
-                        <a:rPr lang="en-US" sz="1000">
-                          <a:effectLst/>
-                        </a:rPr>
-                        <a:t>T</a:t>
-                      </a:r>
-                      <a:endParaRPr lang="en-US" sz="1100">
-                        <a:effectLst/>
-                        <a:latin typeface="Calibri"/>
-                        <a:ea typeface="ＭＳ 明朝"/>
-                        <a:cs typeface="Times New Roman"/>
+                        <a:cs typeface="Times New Roman" panose="02020603050405020304" pitchFamily="18" charset="0"/>
                       </a:endParaRPr>
                     </a:p>
                   </a:txBody>
@@ -6371,16 +7730,18 @@
                         </a:spcAft>
                       </a:pPr>
                       <a:r>
-                        <a:rPr lang="en-US" sz="1000">
-                          <a:effectLst/>
-                        </a:rPr>
-                        <a:t>6</a:t>
-                      </a:r>
-                      <a:endParaRPr lang="en-US" sz="1100">
+                        <a:rPr lang="en-US" sz="1400">
+                          <a:effectLst/>
+                          <a:latin typeface="Times New Roman" panose="02020603050405020304" pitchFamily="18" charset="0"/>
+                          <a:cs typeface="Times New Roman" panose="02020603050405020304" pitchFamily="18" charset="0"/>
+                        </a:rPr>
+                        <a:t>3</a:t>
+                      </a:r>
+                      <a:endParaRPr lang="en-US" sz="1400">
                         <a:effectLst/>
-                        <a:latin typeface="Calibri"/>
+                        <a:latin typeface="Times New Roman" panose="02020603050405020304" pitchFamily="18" charset="0"/>
                         <a:ea typeface="ＭＳ 明朝"/>
-                        <a:cs typeface="Times New Roman"/>
+                        <a:cs typeface="Times New Roman" panose="02020603050405020304" pitchFamily="18" charset="0"/>
                       </a:endParaRPr>
                     </a:p>
                   </a:txBody>
@@ -6400,47 +7761,18 @@
                         </a:spcAft>
                       </a:pPr>
                       <a:r>
-                        <a:rPr lang="vi-VN" sz="1000">
-                          <a:effectLst/>
-                        </a:rPr>
-                        <a:t>[</a:t>
-                      </a:r>
-                      <a:r>
-                        <a:rPr lang="en-US" sz="1000">
-                          <a:effectLst/>
-                        </a:rPr>
-                        <a:t>(year %400 = 0 ||</a:t>
-                      </a:r>
-                      <a:endParaRPr lang="en-US" sz="1100">
+                        <a:rPr lang="en-US" sz="1400">
+                          <a:effectLst/>
+                          <a:latin typeface="Times New Roman" panose="02020603050405020304" pitchFamily="18" charset="0"/>
+                          <a:cs typeface="Times New Roman" panose="02020603050405020304" pitchFamily="18" charset="0"/>
+                        </a:rPr>
+                        <a:t>path3</a:t>
+                      </a:r>
+                      <a:endParaRPr lang="en-US" sz="1400">
                         <a:effectLst/>
-                      </a:endParaRPr>
-                    </a:p>
-                    <a:p>
-                      <a:pPr>
-                        <a:lnSpc>
-                          <a:spcPct val="115000"/>
-                        </a:lnSpc>
-                        <a:spcAft>
-                          <a:spcPts val="0"/>
-                        </a:spcAft>
-                      </a:pPr>
-                      <a:r>
-                        <a:rPr lang="en-US" sz="1000">
-                          <a:effectLst/>
-                        </a:rPr>
-                        <a:t>(year % 4 = 0 &amp;&amp; year % 100 = 0)), F</a:t>
-                      </a:r>
-                      <a:r>
-                        <a:rPr lang="vi-VN" sz="1000">
-                          <a:effectLst/>
-                        </a:rPr>
-                        <a:t>]</a:t>
-                      </a:r>
-                      <a:endParaRPr lang="en-US" sz="1100">
-                        <a:effectLst/>
-                        <a:latin typeface="Calibri"/>
+                        <a:latin typeface="Times New Roman" panose="02020603050405020304" pitchFamily="18" charset="0"/>
                         <a:ea typeface="ＭＳ 明朝"/>
-                        <a:cs typeface="Times New Roman"/>
+                        <a:cs typeface="Times New Roman" panose="02020603050405020304" pitchFamily="18" charset="0"/>
                       </a:endParaRPr>
                     </a:p>
                   </a:txBody>
@@ -6460,57 +7792,34 @@
                         </a:spcAft>
                       </a:pPr>
                       <a:r>
-                        <a:rPr lang="en-US" sz="1000">
-                          <a:effectLst/>
-                        </a:rPr>
-                        <a:t>fBchDist (year %400, ≠, 0) + min(fBchDist (year %4, ≠, 0), fBchDist (year %100, ≠, 0))</a:t>
-                      </a:r>
-                      <a:endParaRPr lang="en-US" sz="1100">
+                        <a:rPr lang="en-US" sz="1400">
+                          <a:effectLst/>
+                          <a:latin typeface="Times New Roman" panose="02020603050405020304" pitchFamily="18" charset="0"/>
+                          <a:cs typeface="Times New Roman" panose="02020603050405020304" pitchFamily="18" charset="0"/>
+                        </a:rPr>
+                        <a:t>F</a:t>
+                      </a:r>
+                      <a:r>
+                        <a:rPr lang="en-US" sz="1400" baseline="-25000">
+                          <a:effectLst/>
+                          <a:latin typeface="Times New Roman" panose="02020603050405020304" pitchFamily="18" charset="0"/>
+                          <a:cs typeface="Times New Roman" panose="02020603050405020304" pitchFamily="18" charset="0"/>
+                        </a:rPr>
+                        <a:t>3</a:t>
+                      </a:r>
+                      <a:r>
+                        <a:rPr lang="en-US" sz="1400">
+                          <a:effectLst/>
+                          <a:latin typeface="Times New Roman" panose="02020603050405020304" pitchFamily="18" charset="0"/>
+                          <a:cs typeface="Times New Roman" panose="02020603050405020304" pitchFamily="18" charset="0"/>
+                        </a:rPr>
+                        <a:t> = f1T + f2F + f4T</a:t>
+                      </a:r>
+                      <a:endParaRPr lang="en-US" sz="1400">
                         <a:effectLst/>
-                        <a:latin typeface="Calibri"/>
+                        <a:latin typeface="Times New Roman" panose="02020603050405020304" pitchFamily="18" charset="0"/>
                         <a:ea typeface="ＭＳ 明朝"/>
-                        <a:cs typeface="Times New Roman"/>
-                      </a:endParaRPr>
-                    </a:p>
-                  </a:txBody>
-                  <a:tcPr marL="68580" marR="68580" marT="0" marB="0"/>
-                </a:tc>
-                <a:tc>
-                  <a:txBody>
-                    <a:bodyPr/>
-                    <a:lstStyle/>
-                    <a:p>
-                      <a:pPr>
-                        <a:lnSpc>
-                          <a:spcPct val="115000"/>
-                        </a:lnSpc>
-                        <a:spcAft>
-                          <a:spcPts val="0"/>
-                        </a:spcAft>
-                      </a:pPr>
-                      <a:r>
-                        <a:rPr lang="en-US" sz="1000">
-                          <a:effectLst/>
-                        </a:rPr>
-                        <a:t>f</a:t>
-                      </a:r>
-                      <a:r>
-                        <a:rPr lang="en-US" sz="1000" baseline="-25000">
-                          <a:effectLst/>
-                        </a:rPr>
-                        <a:t>3</a:t>
-                      </a:r>
-                      <a:r>
-                        <a:rPr lang="en-US" sz="1000">
-                          <a:effectLst/>
-                        </a:rPr>
-                        <a:t>F</a:t>
-                      </a:r>
-                      <a:endParaRPr lang="en-US" sz="1100">
-                        <a:effectLst/>
-                        <a:latin typeface="Calibri"/>
-                        <a:ea typeface="ＭＳ 明朝"/>
-                        <a:cs typeface="Times New Roman"/>
+                        <a:cs typeface="Times New Roman" panose="02020603050405020304" pitchFamily="18" charset="0"/>
                       </a:endParaRPr>
                     </a:p>
                   </a:txBody>
@@ -6532,16 +7841,18 @@
                         </a:spcAft>
                       </a:pPr>
                       <a:r>
-                        <a:rPr lang="en-US" sz="1000">
-                          <a:effectLst/>
-                        </a:rPr>
-                        <a:t>7</a:t>
-                      </a:r>
-                      <a:endParaRPr lang="en-US" sz="1100">
+                        <a:rPr lang="en-US" sz="1400">
+                          <a:effectLst/>
+                          <a:latin typeface="Times New Roman" panose="02020603050405020304" pitchFamily="18" charset="0"/>
+                          <a:cs typeface="Times New Roman" panose="02020603050405020304" pitchFamily="18" charset="0"/>
+                        </a:rPr>
+                        <a:t>4</a:t>
+                      </a:r>
+                      <a:endParaRPr lang="en-US" sz="1400">
                         <a:effectLst/>
-                        <a:latin typeface="Calibri"/>
+                        <a:latin typeface="Times New Roman" panose="02020603050405020304" pitchFamily="18" charset="0"/>
                         <a:ea typeface="ＭＳ 明朝"/>
-                        <a:cs typeface="Times New Roman"/>
+                        <a:cs typeface="Times New Roman" panose="02020603050405020304" pitchFamily="18" charset="0"/>
                       </a:endParaRPr>
                     </a:p>
                   </a:txBody>
@@ -6561,89 +7872,18 @@
                         </a:spcAft>
                       </a:pPr>
                       <a:r>
-                        <a:rPr lang="vi-VN" sz="1000">
-                          <a:effectLst/>
-                        </a:rPr>
-                        <a:t>[(</a:t>
-                      </a:r>
-                      <a:r>
-                        <a:rPr lang="en-US" sz="1000">
-                          <a:effectLst/>
-                        </a:rPr>
-                        <a:t>month </a:t>
-                      </a:r>
-                      <a:r>
-                        <a:rPr lang="vi-VN" sz="1000">
-                          <a:effectLst/>
-                        </a:rPr>
-                        <a:t>= 4 ||</a:t>
-                      </a:r>
-                      <a:r>
-                        <a:rPr lang="en-US" sz="1000">
-                          <a:effectLst/>
-                        </a:rPr>
-                        <a:t> month </a:t>
-                      </a:r>
-                      <a:r>
-                        <a:rPr lang="vi-VN" sz="1000">
-                          <a:effectLst/>
-                        </a:rPr>
-                        <a:t>= 6 ||</a:t>
-                      </a:r>
-                      <a:endParaRPr lang="en-US" sz="1100">
+                        <a:rPr lang="en-US" sz="1400">
+                          <a:effectLst/>
+                          <a:latin typeface="Times New Roman" panose="02020603050405020304" pitchFamily="18" charset="0"/>
+                          <a:cs typeface="Times New Roman" panose="02020603050405020304" pitchFamily="18" charset="0"/>
+                        </a:rPr>
+                        <a:t>path4</a:t>
+                      </a:r>
+                      <a:endParaRPr lang="en-US" sz="1400">
                         <a:effectLst/>
-                      </a:endParaRPr>
-                    </a:p>
-                    <a:p>
-                      <a:pPr>
-                        <a:lnSpc>
-                          <a:spcPct val="115000"/>
-                        </a:lnSpc>
-                        <a:spcAft>
-                          <a:spcPts val="0"/>
-                        </a:spcAft>
-                      </a:pPr>
-                      <a:r>
-                        <a:rPr lang="en-US" sz="1000">
-                          <a:effectLst/>
-                        </a:rPr>
-                        <a:t>month </a:t>
-                      </a:r>
-                      <a:r>
-                        <a:rPr lang="vi-VN" sz="1000">
-                          <a:effectLst/>
-                        </a:rPr>
-                        <a:t>= 9 ||</a:t>
-                      </a:r>
-                      <a:r>
-                        <a:rPr lang="en-US" sz="1000">
-                          <a:effectLst/>
-                        </a:rPr>
-                        <a:t> month </a:t>
-                      </a:r>
-                      <a:r>
-                        <a:rPr lang="vi-VN" sz="1000">
-                          <a:effectLst/>
-                        </a:rPr>
-                        <a:t>= 11)</a:t>
-                      </a:r>
-                      <a:r>
-                        <a:rPr lang="en-US" sz="1000">
-                          <a:effectLst/>
-                        </a:rPr>
-                        <a:t>, T</a:t>
-                      </a:r>
-                      <a:r>
-                        <a:rPr lang="vi-VN" sz="1000">
-                          <a:effectLst/>
-                        </a:rPr>
-                        <a:t>]</a:t>
-                      </a:r>
-                      <a:endParaRPr lang="en-US" sz="1100">
-                        <a:effectLst/>
-                        <a:latin typeface="Calibri"/>
+                        <a:latin typeface="Times New Roman" panose="02020603050405020304" pitchFamily="18" charset="0"/>
                         <a:ea typeface="ＭＳ 明朝"/>
-                        <a:cs typeface="Times New Roman"/>
+                        <a:cs typeface="Times New Roman" panose="02020603050405020304" pitchFamily="18" charset="0"/>
                       </a:endParaRPr>
                     </a:p>
                   </a:txBody>
@@ -6663,57 +7903,34 @@
                         </a:spcAft>
                       </a:pPr>
                       <a:r>
-                        <a:rPr lang="en-US" sz="1000">
-                          <a:effectLst/>
-                        </a:rPr>
-                        <a:t>min(fBchDist (month, =, 4), fBchDist (month, =, 6), fBchDist (month, =, 9), fBchDist (month, =, 11))</a:t>
-                      </a:r>
-                      <a:endParaRPr lang="en-US" sz="1100">
+                        <a:rPr lang="en-US" sz="1400">
+                          <a:effectLst/>
+                          <a:latin typeface="Times New Roman" panose="02020603050405020304" pitchFamily="18" charset="0"/>
+                          <a:cs typeface="Times New Roman" panose="02020603050405020304" pitchFamily="18" charset="0"/>
+                        </a:rPr>
+                        <a:t>F</a:t>
+                      </a:r>
+                      <a:r>
+                        <a:rPr lang="en-US" sz="1400" baseline="-25000">
+                          <a:effectLst/>
+                          <a:latin typeface="Times New Roman" panose="02020603050405020304" pitchFamily="18" charset="0"/>
+                          <a:cs typeface="Times New Roman" panose="02020603050405020304" pitchFamily="18" charset="0"/>
+                        </a:rPr>
+                        <a:t>4</a:t>
+                      </a:r>
+                      <a:r>
+                        <a:rPr lang="en-US" sz="1400">
+                          <a:effectLst/>
+                          <a:latin typeface="Times New Roman" panose="02020603050405020304" pitchFamily="18" charset="0"/>
+                          <a:cs typeface="Times New Roman" panose="02020603050405020304" pitchFamily="18" charset="0"/>
+                        </a:rPr>
+                        <a:t> = f1T + f2F + f4F</a:t>
+                      </a:r>
+                      <a:endParaRPr lang="en-US" sz="1400">
                         <a:effectLst/>
-                        <a:latin typeface="Calibri"/>
+                        <a:latin typeface="Times New Roman" panose="02020603050405020304" pitchFamily="18" charset="0"/>
                         <a:ea typeface="ＭＳ 明朝"/>
-                        <a:cs typeface="Times New Roman"/>
-                      </a:endParaRPr>
-                    </a:p>
-                  </a:txBody>
-                  <a:tcPr marL="68580" marR="68580" marT="0" marB="0"/>
-                </a:tc>
-                <a:tc>
-                  <a:txBody>
-                    <a:bodyPr/>
-                    <a:lstStyle/>
-                    <a:p>
-                      <a:pPr>
-                        <a:lnSpc>
-                          <a:spcPct val="115000"/>
-                        </a:lnSpc>
-                        <a:spcAft>
-                          <a:spcPts val="0"/>
-                        </a:spcAft>
-                      </a:pPr>
-                      <a:r>
-                        <a:rPr lang="en-US" sz="1000">
-                          <a:effectLst/>
-                        </a:rPr>
-                        <a:t>f</a:t>
-                      </a:r>
-                      <a:r>
-                        <a:rPr lang="en-US" sz="1000" baseline="-25000">
-                          <a:effectLst/>
-                        </a:rPr>
-                        <a:t>4</a:t>
-                      </a:r>
-                      <a:r>
-                        <a:rPr lang="en-US" sz="1000">
-                          <a:effectLst/>
-                        </a:rPr>
-                        <a:t>T</a:t>
-                      </a:r>
-                      <a:endParaRPr lang="en-US" sz="1100">
-                        <a:effectLst/>
-                        <a:latin typeface="Calibri"/>
-                        <a:ea typeface="ＭＳ 明朝"/>
-                        <a:cs typeface="Times New Roman"/>
+                        <a:cs typeface="Times New Roman" panose="02020603050405020304" pitchFamily="18" charset="0"/>
                       </a:endParaRPr>
                     </a:p>
                   </a:txBody>
@@ -6735,16 +7952,18 @@
                         </a:spcAft>
                       </a:pPr>
                       <a:r>
-                        <a:rPr lang="en-US" sz="1000">
-                          <a:effectLst/>
-                        </a:rPr>
-                        <a:t>8</a:t>
-                      </a:r>
-                      <a:endParaRPr lang="en-US" sz="1100">
+                        <a:rPr lang="en-US" sz="1400">
+                          <a:effectLst/>
+                          <a:latin typeface="Times New Roman" panose="02020603050405020304" pitchFamily="18" charset="0"/>
+                          <a:cs typeface="Times New Roman" panose="02020603050405020304" pitchFamily="18" charset="0"/>
+                        </a:rPr>
+                        <a:t>5</a:t>
+                      </a:r>
+                      <a:endParaRPr lang="en-US" sz="1400">
                         <a:effectLst/>
-                        <a:latin typeface="Calibri"/>
+                        <a:latin typeface="Times New Roman" panose="02020603050405020304" pitchFamily="18" charset="0"/>
                         <a:ea typeface="ＭＳ 明朝"/>
-                        <a:cs typeface="Times New Roman"/>
+                        <a:cs typeface="Times New Roman" panose="02020603050405020304" pitchFamily="18" charset="0"/>
                       </a:endParaRPr>
                     </a:p>
                   </a:txBody>
@@ -6764,89 +7983,18 @@
                         </a:spcAft>
                       </a:pPr>
                       <a:r>
-                        <a:rPr lang="vi-VN" sz="1000">
-                          <a:effectLst/>
-                        </a:rPr>
-                        <a:t>[(</a:t>
-                      </a:r>
-                      <a:r>
-                        <a:rPr lang="en-US" sz="1000">
-                          <a:effectLst/>
-                        </a:rPr>
-                        <a:t>month </a:t>
-                      </a:r>
-                      <a:r>
-                        <a:rPr lang="vi-VN" sz="1000">
-                          <a:effectLst/>
-                        </a:rPr>
-                        <a:t>= 4 ||</a:t>
-                      </a:r>
-                      <a:r>
-                        <a:rPr lang="en-US" sz="1000">
-                          <a:effectLst/>
-                        </a:rPr>
-                        <a:t> month </a:t>
-                      </a:r>
-                      <a:r>
-                        <a:rPr lang="vi-VN" sz="1000">
-                          <a:effectLst/>
-                        </a:rPr>
-                        <a:t>= 6 ||</a:t>
-                      </a:r>
-                      <a:endParaRPr lang="en-US" sz="1100">
+                        <a:rPr lang="en-US" sz="1400">
+                          <a:effectLst/>
+                          <a:latin typeface="Times New Roman" panose="02020603050405020304" pitchFamily="18" charset="0"/>
+                          <a:cs typeface="Times New Roman" panose="02020603050405020304" pitchFamily="18" charset="0"/>
+                        </a:rPr>
+                        <a:t>path5</a:t>
+                      </a:r>
+                      <a:endParaRPr lang="en-US" sz="1400">
                         <a:effectLst/>
-                      </a:endParaRPr>
-                    </a:p>
-                    <a:p>
-                      <a:pPr>
-                        <a:lnSpc>
-                          <a:spcPct val="115000"/>
-                        </a:lnSpc>
-                        <a:spcAft>
-                          <a:spcPts val="0"/>
-                        </a:spcAft>
-                      </a:pPr>
-                      <a:r>
-                        <a:rPr lang="en-US" sz="1000">
-                          <a:effectLst/>
-                        </a:rPr>
-                        <a:t>month </a:t>
-                      </a:r>
-                      <a:r>
-                        <a:rPr lang="vi-VN" sz="1000">
-                          <a:effectLst/>
-                        </a:rPr>
-                        <a:t>= 9 ||</a:t>
-                      </a:r>
-                      <a:r>
-                        <a:rPr lang="en-US" sz="1000">
-                          <a:effectLst/>
-                        </a:rPr>
-                        <a:t> month </a:t>
-                      </a:r>
-                      <a:r>
-                        <a:rPr lang="vi-VN" sz="1000">
-                          <a:effectLst/>
-                        </a:rPr>
-                        <a:t>= 11)</a:t>
-                      </a:r>
-                      <a:r>
-                        <a:rPr lang="en-US" sz="1000">
-                          <a:effectLst/>
-                        </a:rPr>
-                        <a:t>, F</a:t>
-                      </a:r>
-                      <a:r>
-                        <a:rPr lang="vi-VN" sz="1000">
-                          <a:effectLst/>
-                        </a:rPr>
-                        <a:t>]</a:t>
-                      </a:r>
-                      <a:endParaRPr lang="en-US" sz="1100">
-                        <a:effectLst/>
-                        <a:latin typeface="Calibri"/>
+                        <a:latin typeface="Times New Roman" panose="02020603050405020304" pitchFamily="18" charset="0"/>
                         <a:ea typeface="ＭＳ 明朝"/>
-                        <a:cs typeface="Times New Roman"/>
+                        <a:cs typeface="Times New Roman" panose="02020603050405020304" pitchFamily="18" charset="0"/>
                       </a:endParaRPr>
                     </a:p>
                   </a:txBody>
@@ -6866,751 +8014,42 @@
                         </a:spcAft>
                       </a:pPr>
                       <a:r>
-                        <a:rPr lang="en-US" sz="1000">
-                          <a:effectLst/>
-                        </a:rPr>
-                        <a:t>fBchDist (month, ≠, 4) + fBchDist (month, ≠, 6) +</a:t>
-                      </a:r>
-                      <a:endParaRPr lang="en-US" sz="1100">
+                        <a:rPr lang="en-US" sz="1400" dirty="0" err="1">
+                          <a:effectLst/>
+                          <a:latin typeface="Times New Roman" panose="02020603050405020304" pitchFamily="18" charset="0"/>
+                          <a:cs typeface="Times New Roman" panose="02020603050405020304" pitchFamily="18" charset="0"/>
+                        </a:rPr>
+                        <a:t>F</a:t>
+                      </a:r>
+                      <a:r>
+                        <a:rPr lang="en-US" sz="1400" baseline="-25000" dirty="0" err="1">
+                          <a:effectLst/>
+                          <a:latin typeface="Times New Roman" panose="02020603050405020304" pitchFamily="18" charset="0"/>
+                          <a:cs typeface="Times New Roman" panose="02020603050405020304" pitchFamily="18" charset="0"/>
+                        </a:rPr>
+                        <a:t>5</a:t>
+                      </a:r>
+                      <a:r>
+                        <a:rPr lang="en-US" sz="1400" dirty="0">
+                          <a:effectLst/>
+                          <a:latin typeface="Times New Roman" panose="02020603050405020304" pitchFamily="18" charset="0"/>
+                          <a:cs typeface="Times New Roman" panose="02020603050405020304" pitchFamily="18" charset="0"/>
+                        </a:rPr>
+                        <a:t> = </a:t>
+                      </a:r>
+                      <a:r>
+                        <a:rPr lang="en-US" sz="1400" dirty="0" err="1">
+                          <a:effectLst/>
+                          <a:latin typeface="Times New Roman" panose="02020603050405020304" pitchFamily="18" charset="0"/>
+                          <a:cs typeface="Times New Roman" panose="02020603050405020304" pitchFamily="18" charset="0"/>
+                        </a:rPr>
+                        <a:t>f1F</a:t>
+                      </a:r>
+                      <a:endParaRPr lang="en-US" sz="1400" dirty="0">
                         <a:effectLst/>
-                      </a:endParaRPr>
-                    </a:p>
-                    <a:p>
-                      <a:pPr>
-                        <a:lnSpc>
-                          <a:spcPct val="115000"/>
-                        </a:lnSpc>
-                        <a:spcAft>
-                          <a:spcPts val="0"/>
-                        </a:spcAft>
-                      </a:pPr>
-                      <a:r>
-                        <a:rPr lang="en-US" sz="1000">
-                          <a:effectLst/>
-                        </a:rPr>
-                        <a:t>fBchDist (month, ≠, 9) + fBchDist (month, ≠, 11)</a:t>
-                      </a:r>
-                      <a:endParaRPr lang="en-US" sz="1100">
-                        <a:effectLst/>
-                        <a:latin typeface="Calibri"/>
+                        <a:latin typeface="Times New Roman" panose="02020603050405020304" pitchFamily="18" charset="0"/>
                         <a:ea typeface="ＭＳ 明朝"/>
-                        <a:cs typeface="Times New Roman"/>
-                      </a:endParaRPr>
-                    </a:p>
-                  </a:txBody>
-                  <a:tcPr marL="68580" marR="68580" marT="0" marB="0"/>
-                </a:tc>
-                <a:tc>
-                  <a:txBody>
-                    <a:bodyPr/>
-                    <a:lstStyle/>
-                    <a:p>
-                      <a:pPr>
-                        <a:lnSpc>
-                          <a:spcPct val="115000"/>
-                        </a:lnSpc>
-                        <a:spcAft>
-                          <a:spcPts val="0"/>
-                        </a:spcAft>
-                      </a:pPr>
-                      <a:r>
-                        <a:rPr lang="en-US" sz="1000" dirty="0" err="1">
-                          <a:effectLst/>
-                        </a:rPr>
-                        <a:t>f</a:t>
-                      </a:r>
-                      <a:r>
-                        <a:rPr lang="en-US" sz="1000" baseline="-25000" dirty="0" err="1">
-                          <a:effectLst/>
-                        </a:rPr>
-                        <a:t>4</a:t>
-                      </a:r>
-                      <a:r>
-                        <a:rPr lang="en-US" sz="1000" dirty="0" err="1">
-                          <a:effectLst/>
-                        </a:rPr>
-                        <a:t>F</a:t>
-                      </a:r>
-                      <a:endParaRPr lang="en-US" sz="1100" dirty="0">
-                        <a:effectLst/>
-                        <a:latin typeface="Calibri"/>
-                        <a:ea typeface="ＭＳ 明朝"/>
-                        <a:cs typeface="Times New Roman"/>
-                      </a:endParaRPr>
-                    </a:p>
-                  </a:txBody>
-                  <a:tcPr marL="68580" marR="68580" marT="0" marB="0"/>
-                </a:tc>
-              </a:tr>
-            </a:tbl>
-          </a:graphicData>
-        </a:graphic>
-      </p:graphicFrame>
-      <p:graphicFrame>
-        <p:nvGraphicFramePr>
-          <p:cNvPr id="8" name="Table 7"/>
-          <p:cNvGraphicFramePr>
-            <a:graphicFrameLocks noGrp="1"/>
-          </p:cNvGraphicFramePr>
-          <p:nvPr>
-            <p:extLst>
-              <p:ext uri="{D42A27DB-BD31-4B8C-83A1-F6EECF244321}">
-                <p14:modId xmlns:p14="http://schemas.microsoft.com/office/powerpoint/2010/main" val="1471979554"/>
-              </p:ext>
-            </p:extLst>
-          </p:nvPr>
-        </p:nvGraphicFramePr>
-        <p:xfrm>
-          <a:off x="21904086" y="22697281"/>
-          <a:ext cx="5143500" cy="974982"/>
-        </p:xfrm>
-        <a:graphic>
-          <a:graphicData uri="http://schemas.openxmlformats.org/drawingml/2006/table">
-            <a:tbl>
-              <a:tblPr firstRow="1" firstCol="1" bandRow="1">
-                <a:tableStyleId>{5C22544A-7EE6-4342-B048-85BDC9FD1C3A}</a:tableStyleId>
-              </a:tblPr>
-              <a:tblGrid>
-                <a:gridCol w="342900"/>
-                <a:gridCol w="742950"/>
-                <a:gridCol w="4057650"/>
-              </a:tblGrid>
-              <a:tr h="0">
-                <a:tc>
-                  <a:txBody>
-                    <a:bodyPr/>
-                    <a:lstStyle/>
-                    <a:p>
-                      <a:pPr algn="ctr">
-                        <a:lnSpc>
-                          <a:spcPct val="115000"/>
-                        </a:lnSpc>
-                        <a:spcAft>
-                          <a:spcPts val="0"/>
-                        </a:spcAft>
-                      </a:pPr>
-                      <a:r>
-                        <a:rPr lang="en-US" sz="1000">
-                          <a:effectLst/>
-                        </a:rPr>
-                        <a:t>No</a:t>
-                      </a:r>
-                      <a:endParaRPr lang="en-US" sz="1100">
-                        <a:effectLst/>
-                        <a:latin typeface="Calibri"/>
-                        <a:ea typeface="ＭＳ 明朝"/>
-                        <a:cs typeface="Times New Roman"/>
-                      </a:endParaRPr>
-                    </a:p>
-                  </a:txBody>
-                  <a:tcPr marL="68580" marR="68580" marT="0" marB="0"/>
-                </a:tc>
-                <a:tc>
-                  <a:txBody>
-                    <a:bodyPr/>
-                    <a:lstStyle/>
-                    <a:p>
-                      <a:pPr>
-                        <a:lnSpc>
-                          <a:spcPct val="115000"/>
-                        </a:lnSpc>
-                        <a:spcAft>
-                          <a:spcPts val="0"/>
-                        </a:spcAft>
-                      </a:pPr>
-                      <a:r>
-                        <a:rPr lang="en-US" sz="1000">
-                          <a:effectLst/>
-                        </a:rPr>
-                        <a:t>PathID</a:t>
-                      </a:r>
-                      <a:endParaRPr lang="en-US" sz="1100">
-                        <a:effectLst/>
-                        <a:latin typeface="Calibri"/>
-                        <a:ea typeface="ＭＳ 明朝"/>
-                        <a:cs typeface="Times New Roman"/>
-                      </a:endParaRPr>
-                    </a:p>
-                  </a:txBody>
-                  <a:tcPr marL="68580" marR="68580" marT="0" marB="0"/>
-                </a:tc>
-                <a:tc>
-                  <a:txBody>
-                    <a:bodyPr/>
-                    <a:lstStyle/>
-                    <a:p>
-                      <a:pPr>
-                        <a:lnSpc>
-                          <a:spcPct val="115000"/>
-                        </a:lnSpc>
-                        <a:spcAft>
-                          <a:spcPts val="0"/>
-                        </a:spcAft>
-                      </a:pPr>
-                      <a:r>
-                        <a:rPr lang="en-US" sz="1000">
-                          <a:effectLst/>
-                        </a:rPr>
-                        <a:t>Test path fitness functions</a:t>
-                      </a:r>
-                      <a:endParaRPr lang="en-US" sz="1100">
-                        <a:effectLst/>
-                        <a:latin typeface="Calibri"/>
-                        <a:ea typeface="ＭＳ 明朝"/>
-                        <a:cs typeface="Times New Roman"/>
-                      </a:endParaRPr>
-                    </a:p>
-                  </a:txBody>
-                  <a:tcPr marL="68580" marR="68580" marT="0" marB="0"/>
-                </a:tc>
-              </a:tr>
-              <a:tr h="0">
-                <a:tc>
-                  <a:txBody>
-                    <a:bodyPr/>
-                    <a:lstStyle/>
-                    <a:p>
-                      <a:pPr algn="ctr">
-                        <a:lnSpc>
-                          <a:spcPct val="115000"/>
-                        </a:lnSpc>
-                        <a:spcAft>
-                          <a:spcPts val="0"/>
-                        </a:spcAft>
-                      </a:pPr>
-                      <a:r>
-                        <a:rPr lang="en-US" sz="1000">
-                          <a:effectLst/>
-                        </a:rPr>
-                        <a:t>1</a:t>
-                      </a:r>
-                      <a:endParaRPr lang="en-US" sz="1100">
-                        <a:effectLst/>
-                        <a:latin typeface="Calibri"/>
-                        <a:ea typeface="ＭＳ 明朝"/>
-                        <a:cs typeface="Times New Roman"/>
-                      </a:endParaRPr>
-                    </a:p>
-                  </a:txBody>
-                  <a:tcPr marL="68580" marR="68580" marT="0" marB="0"/>
-                </a:tc>
-                <a:tc>
-                  <a:txBody>
-                    <a:bodyPr/>
-                    <a:lstStyle/>
-                    <a:p>
-                      <a:pPr>
-                        <a:lnSpc>
-                          <a:spcPct val="115000"/>
-                        </a:lnSpc>
-                        <a:spcAft>
-                          <a:spcPts val="0"/>
-                        </a:spcAft>
-                      </a:pPr>
-                      <a:r>
-                        <a:rPr lang="en-US" sz="1000">
-                          <a:effectLst/>
-                        </a:rPr>
-                        <a:t>path1</a:t>
-                      </a:r>
-                      <a:endParaRPr lang="en-US" sz="1100">
-                        <a:effectLst/>
-                        <a:latin typeface="Calibri"/>
-                        <a:ea typeface="ＭＳ 明朝"/>
-                        <a:cs typeface="Times New Roman"/>
-                      </a:endParaRPr>
-                    </a:p>
-                  </a:txBody>
-                  <a:tcPr marL="68580" marR="68580" marT="0" marB="0"/>
-                </a:tc>
-                <a:tc>
-                  <a:txBody>
-                    <a:bodyPr/>
-                    <a:lstStyle/>
-                    <a:p>
-                      <a:pPr>
-                        <a:lnSpc>
-                          <a:spcPct val="115000"/>
-                        </a:lnSpc>
-                        <a:spcAft>
-                          <a:spcPts val="0"/>
-                        </a:spcAft>
-                      </a:pPr>
-                      <a:r>
-                        <a:rPr lang="en-US" sz="1000">
-                          <a:effectLst/>
-                        </a:rPr>
-                        <a:t>F</a:t>
-                      </a:r>
-                      <a:r>
-                        <a:rPr lang="en-US" sz="1000" baseline="-25000">
-                          <a:effectLst/>
-                        </a:rPr>
-                        <a:t>1</a:t>
-                      </a:r>
-                      <a:r>
-                        <a:rPr lang="en-US" sz="1000">
-                          <a:effectLst/>
-                        </a:rPr>
-                        <a:t> = </a:t>
-                      </a:r>
-                      <a:r>
-                        <a:rPr lang="en-US" sz="1000" u="sng">
-                          <a:effectLst/>
-                        </a:rPr>
-                        <a:t>f</a:t>
-                      </a:r>
-                      <a:r>
-                        <a:rPr lang="en-US" sz="1000" baseline="-25000">
-                          <a:effectLst/>
-                        </a:rPr>
-                        <a:t>1</a:t>
-                      </a:r>
-                      <a:r>
-                        <a:rPr lang="en-US" sz="1000">
-                          <a:effectLst/>
-                        </a:rPr>
-                        <a:t>T + f</a:t>
-                      </a:r>
-                      <a:r>
-                        <a:rPr lang="en-US" sz="1000" baseline="-25000">
-                          <a:effectLst/>
-                        </a:rPr>
-                        <a:t>2</a:t>
-                      </a:r>
-                      <a:r>
-                        <a:rPr lang="en-US" sz="1000">
-                          <a:effectLst/>
-                        </a:rPr>
-                        <a:t>T + f</a:t>
-                      </a:r>
-                      <a:r>
-                        <a:rPr lang="en-US" sz="1000" baseline="-25000">
-                          <a:effectLst/>
-                        </a:rPr>
-                        <a:t>3</a:t>
-                      </a:r>
-                      <a:r>
-                        <a:rPr lang="en-US" sz="1000">
-                          <a:effectLst/>
-                        </a:rPr>
-                        <a:t>T</a:t>
-                      </a:r>
-                      <a:endParaRPr lang="en-US" sz="1100">
-                        <a:effectLst/>
-                        <a:latin typeface="Calibri"/>
-                        <a:ea typeface="ＭＳ 明朝"/>
-                        <a:cs typeface="Times New Roman"/>
-                      </a:endParaRPr>
-                    </a:p>
-                  </a:txBody>
-                  <a:tcPr marL="68580" marR="68580" marT="0" marB="0"/>
-                </a:tc>
-              </a:tr>
-              <a:tr h="0">
-                <a:tc>
-                  <a:txBody>
-                    <a:bodyPr/>
-                    <a:lstStyle/>
-                    <a:p>
-                      <a:pPr algn="ctr">
-                        <a:lnSpc>
-                          <a:spcPct val="115000"/>
-                        </a:lnSpc>
-                        <a:spcAft>
-                          <a:spcPts val="0"/>
-                        </a:spcAft>
-                      </a:pPr>
-                      <a:r>
-                        <a:rPr lang="en-US" sz="1000">
-                          <a:effectLst/>
-                        </a:rPr>
-                        <a:t>2</a:t>
-                      </a:r>
-                      <a:endParaRPr lang="en-US" sz="1100">
-                        <a:effectLst/>
-                        <a:latin typeface="Calibri"/>
-                        <a:ea typeface="ＭＳ 明朝"/>
-                        <a:cs typeface="Times New Roman"/>
-                      </a:endParaRPr>
-                    </a:p>
-                  </a:txBody>
-                  <a:tcPr marL="68580" marR="68580" marT="0" marB="0"/>
-                </a:tc>
-                <a:tc>
-                  <a:txBody>
-                    <a:bodyPr/>
-                    <a:lstStyle/>
-                    <a:p>
-                      <a:pPr>
-                        <a:lnSpc>
-                          <a:spcPct val="115000"/>
-                        </a:lnSpc>
-                        <a:spcAft>
-                          <a:spcPts val="0"/>
-                        </a:spcAft>
-                      </a:pPr>
-                      <a:r>
-                        <a:rPr lang="en-US" sz="1000">
-                          <a:effectLst/>
-                        </a:rPr>
-                        <a:t>path2</a:t>
-                      </a:r>
-                      <a:endParaRPr lang="en-US" sz="1100">
-                        <a:effectLst/>
-                        <a:latin typeface="Calibri"/>
-                        <a:ea typeface="ＭＳ 明朝"/>
-                        <a:cs typeface="Times New Roman"/>
-                      </a:endParaRPr>
-                    </a:p>
-                  </a:txBody>
-                  <a:tcPr marL="68580" marR="68580" marT="0" marB="0"/>
-                </a:tc>
-                <a:tc>
-                  <a:txBody>
-                    <a:bodyPr/>
-                    <a:lstStyle/>
-                    <a:p>
-                      <a:pPr>
-                        <a:lnSpc>
-                          <a:spcPct val="115000"/>
-                        </a:lnSpc>
-                        <a:spcAft>
-                          <a:spcPts val="0"/>
-                        </a:spcAft>
-                      </a:pPr>
-                      <a:r>
-                        <a:rPr lang="en-US" sz="1000">
-                          <a:effectLst/>
-                        </a:rPr>
-                        <a:t>F</a:t>
-                      </a:r>
-                      <a:r>
-                        <a:rPr lang="en-US" sz="1000" baseline="-25000">
-                          <a:effectLst/>
-                        </a:rPr>
-                        <a:t>2</a:t>
-                      </a:r>
-                      <a:r>
-                        <a:rPr lang="en-US" sz="1000">
-                          <a:effectLst/>
-                        </a:rPr>
-                        <a:t> = f1T + f2T + f3F</a:t>
-                      </a:r>
-                      <a:endParaRPr lang="en-US" sz="1100">
-                        <a:effectLst/>
-                        <a:latin typeface="Calibri"/>
-                        <a:ea typeface="ＭＳ 明朝"/>
-                        <a:cs typeface="Times New Roman"/>
-                      </a:endParaRPr>
-                    </a:p>
-                  </a:txBody>
-                  <a:tcPr marL="68580" marR="68580" marT="0" marB="0"/>
-                </a:tc>
-              </a:tr>
-              <a:tr h="0">
-                <a:tc>
-                  <a:txBody>
-                    <a:bodyPr/>
-                    <a:lstStyle/>
-                    <a:p>
-                      <a:pPr algn="ctr">
-                        <a:lnSpc>
-                          <a:spcPct val="115000"/>
-                        </a:lnSpc>
-                        <a:spcAft>
-                          <a:spcPts val="0"/>
-                        </a:spcAft>
-                      </a:pPr>
-                      <a:r>
-                        <a:rPr lang="en-US" sz="1000">
-                          <a:effectLst/>
-                        </a:rPr>
-                        <a:t>3</a:t>
-                      </a:r>
-                      <a:endParaRPr lang="en-US" sz="1100">
-                        <a:effectLst/>
-                        <a:latin typeface="Calibri"/>
-                        <a:ea typeface="ＭＳ 明朝"/>
-                        <a:cs typeface="Times New Roman"/>
-                      </a:endParaRPr>
-                    </a:p>
-                  </a:txBody>
-                  <a:tcPr marL="68580" marR="68580" marT="0" marB="0"/>
-                </a:tc>
-                <a:tc>
-                  <a:txBody>
-                    <a:bodyPr/>
-                    <a:lstStyle/>
-                    <a:p>
-                      <a:pPr>
-                        <a:lnSpc>
-                          <a:spcPct val="115000"/>
-                        </a:lnSpc>
-                        <a:spcAft>
-                          <a:spcPts val="0"/>
-                        </a:spcAft>
-                      </a:pPr>
-                      <a:r>
-                        <a:rPr lang="en-US" sz="1000">
-                          <a:effectLst/>
-                        </a:rPr>
-                        <a:t>path3</a:t>
-                      </a:r>
-                      <a:endParaRPr lang="en-US" sz="1100">
-                        <a:effectLst/>
-                        <a:latin typeface="Calibri"/>
-                        <a:ea typeface="ＭＳ 明朝"/>
-                        <a:cs typeface="Times New Roman"/>
-                      </a:endParaRPr>
-                    </a:p>
-                  </a:txBody>
-                  <a:tcPr marL="68580" marR="68580" marT="0" marB="0"/>
-                </a:tc>
-                <a:tc>
-                  <a:txBody>
-                    <a:bodyPr/>
-                    <a:lstStyle/>
-                    <a:p>
-                      <a:pPr>
-                        <a:lnSpc>
-                          <a:spcPct val="115000"/>
-                        </a:lnSpc>
-                        <a:spcAft>
-                          <a:spcPts val="0"/>
-                        </a:spcAft>
-                      </a:pPr>
-                      <a:r>
-                        <a:rPr lang="en-US" sz="1000">
-                          <a:effectLst/>
-                        </a:rPr>
-                        <a:t>F</a:t>
-                      </a:r>
-                      <a:r>
-                        <a:rPr lang="en-US" sz="1000" baseline="-25000">
-                          <a:effectLst/>
-                        </a:rPr>
-                        <a:t>3</a:t>
-                      </a:r>
-                      <a:r>
-                        <a:rPr lang="en-US" sz="1000">
-                          <a:effectLst/>
-                        </a:rPr>
-                        <a:t> = f1T + f2F + f4T</a:t>
-                      </a:r>
-                      <a:endParaRPr lang="en-US" sz="1100">
-                        <a:effectLst/>
-                        <a:latin typeface="Calibri"/>
-                        <a:ea typeface="ＭＳ 明朝"/>
-                        <a:cs typeface="Times New Roman"/>
-                      </a:endParaRPr>
-                    </a:p>
-                  </a:txBody>
-                  <a:tcPr marL="68580" marR="68580" marT="0" marB="0"/>
-                </a:tc>
-              </a:tr>
-              <a:tr h="0">
-                <a:tc>
-                  <a:txBody>
-                    <a:bodyPr/>
-                    <a:lstStyle/>
-                    <a:p>
-                      <a:pPr algn="ctr">
-                        <a:lnSpc>
-                          <a:spcPct val="115000"/>
-                        </a:lnSpc>
-                        <a:spcAft>
-                          <a:spcPts val="0"/>
-                        </a:spcAft>
-                      </a:pPr>
-                      <a:r>
-                        <a:rPr lang="en-US" sz="1000">
-                          <a:effectLst/>
-                        </a:rPr>
-                        <a:t>4</a:t>
-                      </a:r>
-                      <a:endParaRPr lang="en-US" sz="1100">
-                        <a:effectLst/>
-                        <a:latin typeface="Calibri"/>
-                        <a:ea typeface="ＭＳ 明朝"/>
-                        <a:cs typeface="Times New Roman"/>
-                      </a:endParaRPr>
-                    </a:p>
-                  </a:txBody>
-                  <a:tcPr marL="68580" marR="68580" marT="0" marB="0"/>
-                </a:tc>
-                <a:tc>
-                  <a:txBody>
-                    <a:bodyPr/>
-                    <a:lstStyle/>
-                    <a:p>
-                      <a:pPr>
-                        <a:lnSpc>
-                          <a:spcPct val="115000"/>
-                        </a:lnSpc>
-                        <a:spcAft>
-                          <a:spcPts val="0"/>
-                        </a:spcAft>
-                      </a:pPr>
-                      <a:r>
-                        <a:rPr lang="en-US" sz="1000">
-                          <a:effectLst/>
-                        </a:rPr>
-                        <a:t>path4</a:t>
-                      </a:r>
-                      <a:endParaRPr lang="en-US" sz="1100">
-                        <a:effectLst/>
-                        <a:latin typeface="Calibri"/>
-                        <a:ea typeface="ＭＳ 明朝"/>
-                        <a:cs typeface="Times New Roman"/>
-                      </a:endParaRPr>
-                    </a:p>
-                  </a:txBody>
-                  <a:tcPr marL="68580" marR="68580" marT="0" marB="0"/>
-                </a:tc>
-                <a:tc>
-                  <a:txBody>
-                    <a:bodyPr/>
-                    <a:lstStyle/>
-                    <a:p>
-                      <a:pPr>
-                        <a:lnSpc>
-                          <a:spcPct val="115000"/>
-                        </a:lnSpc>
-                        <a:spcAft>
-                          <a:spcPts val="0"/>
-                        </a:spcAft>
-                      </a:pPr>
-                      <a:r>
-                        <a:rPr lang="en-US" sz="1000">
-                          <a:effectLst/>
-                        </a:rPr>
-                        <a:t>F</a:t>
-                      </a:r>
-                      <a:r>
-                        <a:rPr lang="en-US" sz="1000" baseline="-25000">
-                          <a:effectLst/>
-                        </a:rPr>
-                        <a:t>4</a:t>
-                      </a:r>
-                      <a:r>
-                        <a:rPr lang="en-US" sz="1000">
-                          <a:effectLst/>
-                        </a:rPr>
-                        <a:t> = f1T + f2F + f4F</a:t>
-                      </a:r>
-                      <a:endParaRPr lang="en-US" sz="1100">
-                        <a:effectLst/>
-                        <a:latin typeface="Calibri"/>
-                        <a:ea typeface="ＭＳ 明朝"/>
-                        <a:cs typeface="Times New Roman"/>
-                      </a:endParaRPr>
-                    </a:p>
-                  </a:txBody>
-                  <a:tcPr marL="68580" marR="68580" marT="0" marB="0"/>
-                </a:tc>
-              </a:tr>
-              <a:tr h="0">
-                <a:tc>
-                  <a:txBody>
-                    <a:bodyPr/>
-                    <a:lstStyle/>
-                    <a:p>
-                      <a:pPr algn="ctr">
-                        <a:lnSpc>
-                          <a:spcPct val="115000"/>
-                        </a:lnSpc>
-                        <a:spcAft>
-                          <a:spcPts val="0"/>
-                        </a:spcAft>
-                      </a:pPr>
-                      <a:r>
-                        <a:rPr lang="en-US" sz="1000">
-                          <a:effectLst/>
-                        </a:rPr>
-                        <a:t>5</a:t>
-                      </a:r>
-                      <a:endParaRPr lang="en-US" sz="1100">
-                        <a:effectLst/>
-                        <a:latin typeface="Calibri"/>
-                        <a:ea typeface="ＭＳ 明朝"/>
-                        <a:cs typeface="Times New Roman"/>
-                      </a:endParaRPr>
-                    </a:p>
-                  </a:txBody>
-                  <a:tcPr marL="68580" marR="68580" marT="0" marB="0"/>
-                </a:tc>
-                <a:tc>
-                  <a:txBody>
-                    <a:bodyPr/>
-                    <a:lstStyle/>
-                    <a:p>
-                      <a:pPr>
-                        <a:lnSpc>
-                          <a:spcPct val="115000"/>
-                        </a:lnSpc>
-                        <a:spcAft>
-                          <a:spcPts val="0"/>
-                        </a:spcAft>
-                      </a:pPr>
-                      <a:r>
-                        <a:rPr lang="en-US" sz="1000">
-                          <a:effectLst/>
-                        </a:rPr>
-                        <a:t>path5</a:t>
-                      </a:r>
-                      <a:endParaRPr lang="en-US" sz="1100">
-                        <a:effectLst/>
-                        <a:latin typeface="Calibri"/>
-                        <a:ea typeface="ＭＳ 明朝"/>
-                        <a:cs typeface="Times New Roman"/>
-                      </a:endParaRPr>
-                    </a:p>
-                  </a:txBody>
-                  <a:tcPr marL="68580" marR="68580" marT="0" marB="0"/>
-                </a:tc>
-                <a:tc>
-                  <a:txBody>
-                    <a:bodyPr/>
-                    <a:lstStyle/>
-                    <a:p>
-                      <a:pPr>
-                        <a:lnSpc>
-                          <a:spcPct val="115000"/>
-                        </a:lnSpc>
-                        <a:spcAft>
-                          <a:spcPts val="0"/>
-                        </a:spcAft>
-                      </a:pPr>
-                      <a:r>
-                        <a:rPr lang="en-US" sz="1000" dirty="0" err="1">
-                          <a:effectLst/>
-                        </a:rPr>
-                        <a:t>F</a:t>
-                      </a:r>
-                      <a:r>
-                        <a:rPr lang="en-US" sz="1000" baseline="-25000" dirty="0" err="1">
-                          <a:effectLst/>
-                        </a:rPr>
-                        <a:t>5</a:t>
-                      </a:r>
-                      <a:r>
-                        <a:rPr lang="en-US" sz="1000" dirty="0">
-                          <a:effectLst/>
-                        </a:rPr>
-                        <a:t> = </a:t>
-                      </a:r>
-                      <a:r>
-                        <a:rPr lang="en-US" sz="1000" dirty="0" err="1">
-                          <a:effectLst/>
-                        </a:rPr>
-                        <a:t>f1F</a:t>
-                      </a:r>
-                      <a:endParaRPr lang="en-US" sz="1100" dirty="0">
-                        <a:effectLst/>
-                        <a:latin typeface="Calibri"/>
-                        <a:ea typeface="ＭＳ 明朝"/>
-                        <a:cs typeface="Times New Roman"/>
+                        <a:cs typeface="Times New Roman" panose="02020603050405020304" pitchFamily="18" charset="0"/>
                       </a:endParaRPr>
                     </a:p>
                   </a:txBody>
@@ -7630,14 +8069,14 @@
           <p:nvPr>
             <p:extLst>
               <p:ext uri="{D42A27DB-BD31-4B8C-83A1-F6EECF244321}">
-                <p14:modId xmlns:p14="http://schemas.microsoft.com/office/powerpoint/2010/main" val="2436492230"/>
+                <p14:modId xmlns:p14="http://schemas.microsoft.com/office/powerpoint/2010/main" val="1907271222"/>
               </p:ext>
             </p:extLst>
           </p:nvPr>
         </p:nvGraphicFramePr>
         <p:xfrm>
-          <a:off x="21933953" y="24068881"/>
-          <a:ext cx="3353435" cy="1312739"/>
+          <a:off x="20319206" y="26050081"/>
+          <a:ext cx="4800600" cy="2362200"/>
         </p:xfrm>
         <a:graphic>
           <a:graphicData uri="http://schemas.openxmlformats.org/drawingml/2006/table">
@@ -7646,9 +8085,9 @@
                 <a:tableStyleId>{5C22544A-7EE6-4342-B048-85BDC9FD1C3A}</a:tableStyleId>
               </a:tblPr>
               <a:tblGrid>
-                <a:gridCol w="3353435"/>
+                <a:gridCol w="4800600"/>
               </a:tblGrid>
-              <a:tr h="0">
+              <a:tr h="295275">
                 <a:tc>
                   <a:txBody>
                     <a:bodyPr/>
@@ -7663,35 +8102,49 @@
                         </a:spcAft>
                       </a:pPr>
                       <a:r>
-                        <a:rPr lang="en-US" sz="1000" dirty="0">
-                          <a:effectLst/>
-                        </a:rPr>
-                        <a:t>Algorithm 5: Parallel Particle Swarm Optimization(</a:t>
-                      </a:r>
-                      <a:r>
-                        <a:rPr lang="en-US" sz="1000" dirty="0" err="1">
-                          <a:effectLst/>
+                        <a:rPr lang="en-US" sz="1600" dirty="0" smtClean="0">
+                          <a:effectLst/>
+                          <a:latin typeface="Times New Roman" panose="02020603050405020304" pitchFamily="18" charset="0"/>
+                          <a:cs typeface="Times New Roman" panose="02020603050405020304" pitchFamily="18" charset="0"/>
+                        </a:rPr>
+                        <a:t>Algorithm: </a:t>
+                      </a:r>
+                      <a:r>
+                        <a:rPr lang="en-US" sz="1600" dirty="0">
+                          <a:effectLst/>
+                          <a:latin typeface="Times New Roman" panose="02020603050405020304" pitchFamily="18" charset="0"/>
+                          <a:cs typeface="Times New Roman" panose="02020603050405020304" pitchFamily="18" charset="0"/>
+                        </a:rPr>
+                        <a:t>Parallel Particle Swarm Optimization(</a:t>
+                      </a:r>
+                      <a:r>
+                        <a:rPr lang="en-US" sz="1600" dirty="0" err="1">
+                          <a:effectLst/>
+                          <a:latin typeface="Times New Roman" panose="02020603050405020304" pitchFamily="18" charset="0"/>
+                          <a:cs typeface="Times New Roman" panose="02020603050405020304" pitchFamily="18" charset="0"/>
                         </a:rPr>
                         <a:t>PPSO</a:t>
                       </a:r>
                       <a:r>
-                        <a:rPr lang="en-US" sz="1000" dirty="0">
-                          <a:effectLst/>
+                        <a:rPr lang="en-US" sz="1600" dirty="0">
+                          <a:effectLst/>
+                          <a:latin typeface="Times New Roman" panose="02020603050405020304" pitchFamily="18" charset="0"/>
+                          <a:cs typeface="Times New Roman" panose="02020603050405020304" pitchFamily="18" charset="0"/>
                         </a:rPr>
                         <a:t>)</a:t>
                       </a:r>
-                      <a:endParaRPr lang="en-US" sz="1100" dirty="0">
+                      <a:endParaRPr lang="en-US" sz="1600" dirty="0">
                         <a:effectLst/>
-                        <a:latin typeface="Calibri"/>
+                        <a:latin typeface="Times New Roman" panose="02020603050405020304" pitchFamily="18" charset="0"/>
                         <a:ea typeface="ＭＳ 明朝"/>
-                        <a:cs typeface="Times New Roman"/>
+                        <a:cs typeface="Times New Roman" panose="02020603050405020304" pitchFamily="18" charset="0"/>
                       </a:endParaRPr>
                     </a:p>
                   </a:txBody>
                   <a:tcPr marL="44450" marR="44450" marT="0" marB="0"/>
                 </a:tc>
               </a:tr>
-              <a:tr h="0">
+              <a:tr h="295275">
                 <a:tc>
                   <a:txBody>
                     <a:bodyPr/>
@@ -7706,23 +8159,25 @@
                         </a:spcAft>
                       </a:pPr>
                       <a:r>
-                        <a:rPr lang="en-US" sz="1000">
-                          <a:effectLst/>
+                        <a:rPr lang="en-US" sz="1600" dirty="0">
+                          <a:effectLst/>
+                          <a:latin typeface="Times New Roman" panose="02020603050405020304" pitchFamily="18" charset="0"/>
+                          <a:cs typeface="Times New Roman" panose="02020603050405020304" pitchFamily="18" charset="0"/>
                         </a:rPr>
                         <a:t>Input:  list of fitness function</a:t>
                       </a:r>
-                      <a:endParaRPr lang="en-US" sz="1100">
+                      <a:endParaRPr lang="en-US" sz="1600" dirty="0">
                         <a:effectLst/>
-                        <a:latin typeface="Calibri"/>
+                        <a:latin typeface="Times New Roman" panose="02020603050405020304" pitchFamily="18" charset="0"/>
                         <a:ea typeface="ＭＳ 明朝"/>
-                        <a:cs typeface="Times New Roman"/>
+                        <a:cs typeface="Times New Roman" panose="02020603050405020304" pitchFamily="18" charset="0"/>
                       </a:endParaRPr>
                     </a:p>
                   </a:txBody>
                   <a:tcPr marL="44450" marR="44450" marT="0" marB="0"/>
                 </a:tc>
               </a:tr>
-              <a:tr h="0">
+              <a:tr h="295275">
                 <a:tc>
                   <a:txBody>
                     <a:bodyPr/>
@@ -7737,23 +8192,25 @@
                         </a:spcAft>
                       </a:pPr>
                       <a:r>
-                        <a:rPr lang="en-US" sz="1000">
-                          <a:effectLst/>
+                        <a:rPr lang="en-US" sz="1600" dirty="0">
+                          <a:effectLst/>
+                          <a:latin typeface="Times New Roman" panose="02020603050405020304" pitchFamily="18" charset="0"/>
+                          <a:cs typeface="Times New Roman" panose="02020603050405020304" pitchFamily="18" charset="0"/>
                         </a:rPr>
                         <a:t>Output: test data for each fitness function</a:t>
                       </a:r>
-                      <a:endParaRPr lang="en-US" sz="1100">
+                      <a:endParaRPr lang="en-US" sz="1600" dirty="0">
                         <a:effectLst/>
-                        <a:latin typeface="Calibri"/>
+                        <a:latin typeface="Times New Roman" panose="02020603050405020304" pitchFamily="18" charset="0"/>
                         <a:ea typeface="ＭＳ 明朝"/>
-                        <a:cs typeface="Times New Roman"/>
+                        <a:cs typeface="Times New Roman" panose="02020603050405020304" pitchFamily="18" charset="0"/>
                       </a:endParaRPr>
                     </a:p>
                   </a:txBody>
                   <a:tcPr marL="44450" marR="44450" marT="0" marB="0"/>
                 </a:tc>
               </a:tr>
-              <a:tr h="0">
+              <a:tr h="590550">
                 <a:tc>
                   <a:txBody>
                     <a:bodyPr/>
@@ -7768,19 +8225,33 @@
                         </a:spcAft>
                       </a:pPr>
                       <a:r>
-                        <a:rPr lang="en-US" sz="1000" dirty="0">
-                          <a:effectLst/>
-                        </a:rPr>
-                        <a:t>1:  for each fitness function F</a:t>
-                      </a:r>
-                      <a:r>
-                        <a:rPr lang="en-US" sz="1000" baseline="-25000" dirty="0">
-                          <a:effectLst/>
-                        </a:rPr>
-                        <a:t>i</a:t>
-                      </a:r>
-                      <a:endParaRPr lang="en-US" sz="1100" dirty="0">
+                        <a:rPr lang="en-US" sz="1600" dirty="0">
+                          <a:effectLst/>
+                          <a:latin typeface="Times New Roman" panose="02020603050405020304" pitchFamily="18" charset="0"/>
+                          <a:cs typeface="Times New Roman" panose="02020603050405020304" pitchFamily="18" charset="0"/>
+                        </a:rPr>
+                        <a:t>1:  for each fitness function </a:t>
+                      </a:r>
+                      <a:r>
+                        <a:rPr lang="en-US" sz="1600" i="1" dirty="0" smtClean="0">
+                          <a:effectLst/>
+                          <a:latin typeface="Times New Roman" panose="02020603050405020304" pitchFamily="18" charset="0"/>
+                          <a:cs typeface="Times New Roman" panose="02020603050405020304" pitchFamily="18" charset="0"/>
+                        </a:rPr>
+                        <a:t>F</a:t>
+                      </a:r>
+                      <a:r>
+                        <a:rPr lang="en-US" sz="1600" i="1" baseline="-25000" dirty="0" smtClean="0">
+                          <a:effectLst/>
+                          <a:latin typeface="Times New Roman" panose="02020603050405020304" pitchFamily="18" charset="0"/>
+                          <a:cs typeface="Times New Roman" panose="02020603050405020304" pitchFamily="18" charset="0"/>
+                        </a:rPr>
+                        <a:t>j</a:t>
+                      </a:r>
+                      <a:endParaRPr lang="en-US" sz="1600" i="1" dirty="0">
                         <a:effectLst/>
+                        <a:latin typeface="Times New Roman" panose="02020603050405020304" pitchFamily="18" charset="0"/>
+                        <a:cs typeface="Times New Roman" panose="02020603050405020304" pitchFamily="18" charset="0"/>
                       </a:endParaRPr>
                     </a:p>
                     <a:p>
@@ -7793,53 +8264,170 @@
                         </a:spcAft>
                       </a:pPr>
                       <a:r>
-                        <a:rPr lang="en-US" sz="1000" dirty="0">
-                          <a:effectLst/>
-                        </a:rPr>
-                        <a:t>2:        Initialize an object </a:t>
-                      </a:r>
-                      <a:r>
-                        <a:rPr lang="en-US" sz="1000" dirty="0" err="1">
-                          <a:effectLst/>
+                        <a:rPr lang="en-US" sz="1600" dirty="0">
+                          <a:effectLst/>
+                          <a:latin typeface="Times New Roman" panose="02020603050405020304" pitchFamily="18" charset="0"/>
+                          <a:cs typeface="Times New Roman" panose="02020603050405020304" pitchFamily="18" charset="0"/>
+                        </a:rPr>
+                        <a:t>2:        </a:t>
+                      </a:r>
+                      <a:r>
+                        <a:rPr lang="en-US" sz="1600" dirty="0" smtClean="0">
+                          <a:effectLst/>
+                          <a:latin typeface="Times New Roman" panose="02020603050405020304" pitchFamily="18" charset="0"/>
+                          <a:cs typeface="Times New Roman" panose="02020603050405020304" pitchFamily="18" charset="0"/>
+                        </a:rPr>
+                        <a:t>Initialize</a:t>
+                      </a:r>
+                      <a:r>
+                        <a:rPr lang="en-US" sz="1600" baseline="0" dirty="0" smtClean="0">
+                          <a:effectLst/>
+                          <a:latin typeface="Times New Roman" panose="02020603050405020304" pitchFamily="18" charset="0"/>
+                          <a:cs typeface="Times New Roman" panose="02020603050405020304" pitchFamily="18" charset="0"/>
+                        </a:rPr>
+                        <a:t> </a:t>
+                      </a:r>
+                      <a:r>
+                        <a:rPr lang="en-US" sz="1600" dirty="0" smtClean="0">
+                          <a:effectLst/>
+                          <a:latin typeface="Times New Roman" panose="02020603050405020304" pitchFamily="18" charset="0"/>
+                          <a:cs typeface="Times New Roman" panose="02020603050405020304" pitchFamily="18" charset="0"/>
+                        </a:rPr>
+                        <a:t>an </a:t>
+                      </a:r>
+                      <a:r>
+                        <a:rPr lang="en-US" sz="1600" dirty="0">
+                          <a:effectLst/>
+                          <a:latin typeface="Times New Roman" panose="02020603050405020304" pitchFamily="18" charset="0"/>
+                          <a:cs typeface="Times New Roman" panose="02020603050405020304" pitchFamily="18" charset="0"/>
+                        </a:rPr>
+                        <a:t>object </a:t>
+                      </a:r>
+                      <a:r>
+                        <a:rPr lang="en-US" sz="1600" i="0" dirty="0" err="1" smtClean="0">
+                          <a:effectLst/>
+                          <a:latin typeface="Times New Roman" panose="02020603050405020304" pitchFamily="18" charset="0"/>
+                          <a:cs typeface="Times New Roman" panose="02020603050405020304" pitchFamily="18" charset="0"/>
                         </a:rPr>
                         <a:t>pso</a:t>
                       </a:r>
                       <a:r>
-                        <a:rPr lang="en-US" sz="1000" baseline="-25000" dirty="0" err="1">
-                          <a:effectLst/>
-                        </a:rPr>
-                        <a:t>i</a:t>
-                      </a:r>
-                      <a:r>
-                        <a:rPr lang="en-US" sz="1000" dirty="0">
-                          <a:effectLst/>
-                        </a:rPr>
-                        <a:t> of class </a:t>
-                      </a:r>
-                      <a:r>
-                        <a:rPr lang="en-US" sz="1000" dirty="0" err="1">
-                          <a:effectLst/>
+                        <a:rPr lang="en-US" sz="1600" dirty="0" smtClean="0">
+                          <a:effectLst/>
+                          <a:latin typeface="Times New Roman" panose="02020603050405020304" pitchFamily="18" charset="0"/>
+                          <a:cs typeface="Times New Roman" panose="02020603050405020304" pitchFamily="18" charset="0"/>
+                        </a:rPr>
+                        <a:t> </a:t>
+                      </a:r>
+                      <a:r>
+                        <a:rPr lang="en-US" sz="1600" dirty="0">
+                          <a:effectLst/>
+                          <a:latin typeface="Times New Roman" panose="02020603050405020304" pitchFamily="18" charset="0"/>
+                          <a:cs typeface="Times New Roman" panose="02020603050405020304" pitchFamily="18" charset="0"/>
+                        </a:rPr>
+                        <a:t>of class </a:t>
+                      </a:r>
+                      <a:r>
+                        <a:rPr lang="en-US" sz="1600" dirty="0" err="1">
+                          <a:effectLst/>
+                          <a:latin typeface="Times New Roman" panose="02020603050405020304" pitchFamily="18" charset="0"/>
+                          <a:cs typeface="Times New Roman" panose="02020603050405020304" pitchFamily="18" charset="0"/>
                         </a:rPr>
                         <a:t>PSOProcess</a:t>
                       </a:r>
                       <a:r>
-                        <a:rPr lang="en-US" sz="1000" dirty="0">
-                          <a:effectLst/>
+                        <a:rPr lang="en-US" sz="1600" dirty="0">
+                          <a:effectLst/>
+                          <a:latin typeface="Times New Roman" panose="02020603050405020304" pitchFamily="18" charset="0"/>
+                          <a:cs typeface="Times New Roman" panose="02020603050405020304" pitchFamily="18" charset="0"/>
                         </a:rPr>
                         <a:t> </a:t>
                       </a:r>
-                      <a:endParaRPr lang="en-US" sz="1100" dirty="0">
+                      <a:endParaRPr lang="en-US" sz="1600" dirty="0">
                         <a:effectLst/>
-                        <a:latin typeface="Calibri"/>
+                        <a:latin typeface="Times New Roman" panose="02020603050405020304" pitchFamily="18" charset="0"/>
                         <a:ea typeface="ＭＳ 明朝"/>
-                        <a:cs typeface="Times New Roman"/>
+                        <a:cs typeface="Times New Roman" panose="02020603050405020304" pitchFamily="18" charset="0"/>
                       </a:endParaRPr>
                     </a:p>
                   </a:txBody>
                   <a:tcPr marL="44450" marR="44450" marT="0" marB="0"/>
                 </a:tc>
               </a:tr>
-              <a:tr h="0">
+              <a:tr h="295275">
+                <a:tc>
+                  <a:txBody>
+                    <a:bodyPr/>
+                    <a:lstStyle/>
+                    <a:p>
+                      <a:pPr algn="just">
+                        <a:lnSpc>
+                          <a:spcPct val="115000"/>
+                        </a:lnSpc>
+                        <a:spcAft>
+                          <a:spcPts val="0"/>
+                        </a:spcAft>
+                      </a:pPr>
+                      <a:r>
+                        <a:rPr lang="en-US" sz="1600" dirty="0">
+                          <a:effectLst/>
+                          <a:latin typeface="Times New Roman" panose="02020603050405020304" pitchFamily="18" charset="0"/>
+                          <a:cs typeface="Times New Roman" panose="02020603050405020304" pitchFamily="18" charset="0"/>
+                        </a:rPr>
+                        <a:t>3:        Assign a fitness function </a:t>
+                      </a:r>
+                      <a:r>
+                        <a:rPr lang="en-US" sz="1600" i="1" dirty="0" smtClean="0">
+                          <a:effectLst/>
+                          <a:latin typeface="Times New Roman" panose="02020603050405020304" pitchFamily="18" charset="0"/>
+                          <a:cs typeface="Times New Roman" panose="02020603050405020304" pitchFamily="18" charset="0"/>
+                        </a:rPr>
+                        <a:t>F</a:t>
+                      </a:r>
+                      <a:r>
+                        <a:rPr lang="en-US" sz="1600" i="1" baseline="-25000" dirty="0" smtClean="0">
+                          <a:effectLst/>
+                          <a:latin typeface="Times New Roman" panose="02020603050405020304" pitchFamily="18" charset="0"/>
+                          <a:cs typeface="Times New Roman" panose="02020603050405020304" pitchFamily="18" charset="0"/>
+                        </a:rPr>
+                        <a:t>j</a:t>
+                      </a:r>
+                      <a:r>
+                        <a:rPr lang="en-US" sz="1600" dirty="0" smtClean="0">
+                          <a:effectLst/>
+                          <a:latin typeface="Times New Roman" panose="02020603050405020304" pitchFamily="18" charset="0"/>
+                          <a:cs typeface="Times New Roman" panose="02020603050405020304" pitchFamily="18" charset="0"/>
+                        </a:rPr>
+                        <a:t>  </a:t>
+                      </a:r>
+                      <a:r>
+                        <a:rPr lang="en-US" sz="1600" dirty="0">
+                          <a:effectLst/>
+                          <a:latin typeface="Times New Roman" panose="02020603050405020304" pitchFamily="18" charset="0"/>
+                          <a:cs typeface="Times New Roman" panose="02020603050405020304" pitchFamily="18" charset="0"/>
+                        </a:rPr>
+                        <a:t>to object </a:t>
+                      </a:r>
+                      <a:r>
+                        <a:rPr lang="en-US" sz="1600" i="0" dirty="0" err="1" smtClean="0">
+                          <a:effectLst/>
+                          <a:latin typeface="Times New Roman" panose="02020603050405020304" pitchFamily="18" charset="0"/>
+                          <a:cs typeface="Times New Roman" panose="02020603050405020304" pitchFamily="18" charset="0"/>
+                        </a:rPr>
+                        <a:t>pso</a:t>
+                      </a:r>
+                      <a:endParaRPr lang="en-US" sz="1600" i="0" dirty="0">
+                        <a:effectLst/>
+                        <a:latin typeface="Times New Roman" panose="02020603050405020304" pitchFamily="18" charset="0"/>
+                        <a:ea typeface="ＭＳ 明朝"/>
+                        <a:cs typeface="Times New Roman" panose="02020603050405020304" pitchFamily="18" charset="0"/>
+                      </a:endParaRPr>
+                    </a:p>
+                  </a:txBody>
+                  <a:tcPr marL="44450" marR="44450" marT="0" marB="0"/>
+                </a:tc>
+              </a:tr>
+              <a:tr h="295275">
                 <a:tc>
                   <a:txBody>
                     <a:bodyPr/>
@@ -7854,41 +8442,57 @@
                         </a:spcAft>
                       </a:pPr>
                       <a:r>
-                        <a:rPr lang="en-US" sz="1000">
-                          <a:effectLst/>
-                        </a:rPr>
-                        <a:t>3:        Assign a fitness function F</a:t>
-                      </a:r>
-                      <a:r>
-                        <a:rPr lang="en-US" sz="1000" baseline="-25000">
-                          <a:effectLst/>
-                        </a:rPr>
-                        <a:t>i</a:t>
-                      </a:r>
-                      <a:r>
-                        <a:rPr lang="en-US" sz="1000">
-                          <a:effectLst/>
-                        </a:rPr>
-                        <a:t>  to object pso</a:t>
-                      </a:r>
-                      <a:r>
-                        <a:rPr lang="en-US" sz="1000" baseline="-25000">
-                          <a:effectLst/>
-                        </a:rPr>
-                        <a:t>i</a:t>
-                      </a:r>
-                      <a:endParaRPr lang="en-US" sz="1100">
+                        <a:rPr lang="en-US" sz="1600" dirty="0">
+                          <a:effectLst/>
+                          <a:latin typeface="Times New Roman" panose="02020603050405020304" pitchFamily="18" charset="0"/>
+                          <a:cs typeface="Times New Roman" panose="02020603050405020304" pitchFamily="18" charset="0"/>
+                        </a:rPr>
+                        <a:t>4:        Execute object </a:t>
+                      </a:r>
+                      <a:r>
+                        <a:rPr lang="en-US" sz="1600" dirty="0" err="1">
+                          <a:effectLst/>
+                          <a:latin typeface="Times New Roman" panose="02020603050405020304" pitchFamily="18" charset="0"/>
+                          <a:cs typeface="Times New Roman" panose="02020603050405020304" pitchFamily="18" charset="0"/>
+                        </a:rPr>
+                        <a:t>pso</a:t>
+                      </a:r>
+                      <a:r>
+                        <a:rPr lang="en-US" sz="1600" dirty="0">
+                          <a:effectLst/>
+                          <a:latin typeface="Times New Roman" panose="02020603050405020304" pitchFamily="18" charset="0"/>
+                          <a:cs typeface="Times New Roman" panose="02020603050405020304" pitchFamily="18" charset="0"/>
+                        </a:rPr>
+                        <a:t>: </a:t>
+                      </a:r>
+                      <a:r>
+                        <a:rPr lang="en-US" sz="1600" dirty="0" err="1">
+                          <a:effectLst/>
+                          <a:latin typeface="Times New Roman" panose="02020603050405020304" pitchFamily="18" charset="0"/>
+                          <a:cs typeface="Times New Roman" panose="02020603050405020304" pitchFamily="18" charset="0"/>
+                        </a:rPr>
+                        <a:t>pso.start</a:t>
+                      </a:r>
+                      <a:r>
+                        <a:rPr lang="en-US" sz="1600" dirty="0">
+                          <a:effectLst/>
+                          <a:latin typeface="Times New Roman" panose="02020603050405020304" pitchFamily="18" charset="0"/>
+                          <a:cs typeface="Times New Roman" panose="02020603050405020304" pitchFamily="18" charset="0"/>
+                        </a:rPr>
+                        <a:t>();</a:t>
+                      </a:r>
+                      <a:endParaRPr lang="en-US" sz="1600" dirty="0">
                         <a:effectLst/>
-                        <a:latin typeface="Calibri"/>
+                        <a:latin typeface="Times New Roman" panose="02020603050405020304" pitchFamily="18" charset="0"/>
                         <a:ea typeface="ＭＳ 明朝"/>
-                        <a:cs typeface="Times New Roman"/>
+                        <a:cs typeface="Times New Roman" panose="02020603050405020304" pitchFamily="18" charset="0"/>
                       </a:endParaRPr>
                     </a:p>
                   </a:txBody>
                   <a:tcPr marL="44450" marR="44450" marT="0" marB="0"/>
                 </a:tc>
               </a:tr>
-              <a:tr h="0">
+              <a:tr h="295275">
                 <a:tc>
                   <a:txBody>
                     <a:bodyPr/>
@@ -7903,47 +8507,18 @@
                         </a:spcAft>
                       </a:pPr>
                       <a:r>
-                        <a:rPr lang="en-US" sz="1000">
-                          <a:effectLst/>
-                        </a:rPr>
-                        <a:t>4:        Execute object pso: pso.start();</a:t>
-                      </a:r>
-                      <a:endParaRPr lang="en-US" sz="1100">
+                        <a:rPr lang="en-US" sz="1600" dirty="0">
+                          <a:effectLst/>
+                          <a:latin typeface="Times New Roman" panose="02020603050405020304" pitchFamily="18" charset="0"/>
+                          <a:cs typeface="Times New Roman" panose="02020603050405020304" pitchFamily="18" charset="0"/>
+                        </a:rPr>
+                        <a:t>5:  end for</a:t>
+                      </a:r>
+                      <a:endParaRPr lang="en-US" sz="1600" dirty="0">
                         <a:effectLst/>
-                        <a:latin typeface="Calibri"/>
+                        <a:latin typeface="Times New Roman" panose="02020603050405020304" pitchFamily="18" charset="0"/>
                         <a:ea typeface="ＭＳ 明朝"/>
-                        <a:cs typeface="Times New Roman"/>
-                      </a:endParaRPr>
-                    </a:p>
-                  </a:txBody>
-                  <a:tcPr marL="44450" marR="44450" marT="0" marB="0"/>
-                </a:tc>
-              </a:tr>
-              <a:tr h="0">
-                <a:tc>
-                  <a:txBody>
-                    <a:bodyPr/>
-                    <a:lstStyle/>
-                    <a:p>
-                      <a:pPr>
-                        <a:lnSpc>
-                          <a:spcPct val="115000"/>
-                        </a:lnSpc>
-                        <a:spcAft>
-                          <a:spcPts val="0"/>
-                        </a:spcAft>
-                      </a:pPr>
-                      <a:r>
-                        <a:rPr lang="en-US" sz="1000" dirty="0">
-                          <a:effectLst/>
-                        </a:rPr>
-                        <a:t>5:  end for</a:t>
-                      </a:r>
-                      <a:endParaRPr lang="en-US" sz="1100" dirty="0">
-                        <a:effectLst/>
-                        <a:latin typeface="Calibri"/>
-                        <a:ea typeface="ＭＳ 明朝"/>
-                        <a:cs typeface="Times New Roman"/>
+                        <a:cs typeface="Times New Roman" panose="02020603050405020304" pitchFamily="18" charset="0"/>
                       </a:endParaRPr>
                     </a:p>
                   </a:txBody>
@@ -7969,8 +8544,8 @@
         </p:blipFill>
         <p:spPr bwMode="auto">
           <a:xfrm>
-            <a:off x="18805196" y="26050081"/>
-            <a:ext cx="4039870" cy="2819400"/>
+            <a:off x="25272206" y="25669081"/>
+            <a:ext cx="4419600" cy="3048000"/>
           </a:xfrm>
           <a:prstGeom prst="rect">
             <a:avLst/>
@@ -7984,6 +8559,502 @@
           </a:ln>
         </p:spPr>
       </p:pic>
+      <p:sp>
+        <p:nvSpPr>
+          <p:cNvPr id="10" name="TextBox 9"/>
+          <p:cNvSpPr txBox="1"/>
+          <p:nvPr/>
+        </p:nvSpPr>
+        <p:spPr>
+          <a:xfrm>
+            <a:off x="16433006" y="14239081"/>
+            <a:ext cx="6781801" cy="861774"/>
+          </a:xfrm>
+          <a:prstGeom prst="rect">
+            <a:avLst/>
+          </a:prstGeom>
+          <a:noFill/>
+        </p:spPr>
+        <p:txBody>
+          <a:bodyPr wrap="square" rtlCol="0">
+            <a:spAutoFit/>
+          </a:bodyPr>
+          <a:lstStyle/>
+          <a:p>
+            <a:r>
+              <a:rPr lang="en-US" sz="2500" dirty="0" smtClean="0">
+                <a:solidFill>
+                  <a:schemeClr val="tx1"/>
+                </a:solidFill>
+                <a:latin typeface="Times New Roman" panose="02020603050405020304" pitchFamily="18" charset="0"/>
+                <a:cs typeface="Times New Roman" panose="02020603050405020304" pitchFamily="18" charset="0"/>
+              </a:rPr>
+              <a:t>Step 1</a:t>
+            </a:r>
+            <a:r>
+              <a:rPr lang="en-US" sz="2500" dirty="0">
+                <a:solidFill>
+                  <a:schemeClr val="tx1"/>
+                </a:solidFill>
+                <a:latin typeface="Times New Roman" panose="02020603050405020304" pitchFamily="18" charset="0"/>
+                <a:cs typeface="Times New Roman" panose="02020603050405020304" pitchFamily="18" charset="0"/>
+              </a:rPr>
+              <a:t>: Generate control flow </a:t>
+            </a:r>
+            <a:r>
+              <a:rPr lang="en-US" sz="2500" dirty="0" smtClean="0">
+                <a:solidFill>
+                  <a:schemeClr val="tx1"/>
+                </a:solidFill>
+                <a:latin typeface="Times New Roman" panose="02020603050405020304" pitchFamily="18" charset="0"/>
+                <a:cs typeface="Times New Roman" panose="02020603050405020304" pitchFamily="18" charset="0"/>
+              </a:rPr>
+              <a:t>graph(</a:t>
+            </a:r>
+            <a:r>
+              <a:rPr lang="en-US" sz="2500" dirty="0" err="1" smtClean="0">
+                <a:solidFill>
+                  <a:schemeClr val="tx1"/>
+                </a:solidFill>
+                <a:latin typeface="Times New Roman" panose="02020603050405020304" pitchFamily="18" charset="0"/>
+                <a:cs typeface="Times New Roman" panose="02020603050405020304" pitchFamily="18" charset="0"/>
+              </a:rPr>
+              <a:t>CFG</a:t>
+            </a:r>
+            <a:r>
+              <a:rPr lang="en-US" sz="2500" dirty="0" smtClean="0">
+                <a:solidFill>
+                  <a:schemeClr val="tx1"/>
+                </a:solidFill>
+                <a:latin typeface="Times New Roman" panose="02020603050405020304" pitchFamily="18" charset="0"/>
+                <a:cs typeface="Times New Roman" panose="02020603050405020304" pitchFamily="18" charset="0"/>
+              </a:rPr>
+              <a:t>) from the program under test(PUT)</a:t>
+            </a:r>
+            <a:endParaRPr lang="en-US" sz="2500" dirty="0">
+              <a:solidFill>
+                <a:schemeClr val="tx1"/>
+              </a:solidFill>
+              <a:latin typeface="Times New Roman" panose="02020603050405020304" pitchFamily="18" charset="0"/>
+              <a:cs typeface="Times New Roman" panose="02020603050405020304" pitchFamily="18" charset="0"/>
+            </a:endParaRPr>
+          </a:p>
+        </p:txBody>
+      </p:sp>
+      <p:sp>
+        <p:nvSpPr>
+          <p:cNvPr id="48" name="TextBox 47"/>
+          <p:cNvSpPr txBox="1"/>
+          <p:nvPr/>
+        </p:nvSpPr>
+        <p:spPr>
+          <a:xfrm>
+            <a:off x="16443202" y="17668081"/>
+            <a:ext cx="5019004" cy="861774"/>
+          </a:xfrm>
+          <a:prstGeom prst="rect">
+            <a:avLst/>
+          </a:prstGeom>
+          <a:noFill/>
+        </p:spPr>
+        <p:txBody>
+          <a:bodyPr wrap="square" rtlCol="0">
+            <a:spAutoFit/>
+          </a:bodyPr>
+          <a:lstStyle/>
+          <a:p>
+            <a:r>
+              <a:rPr lang="en-US" sz="2500" dirty="0" smtClean="0">
+                <a:solidFill>
+                  <a:schemeClr val="tx1"/>
+                </a:solidFill>
+                <a:latin typeface="Times New Roman" panose="02020603050405020304" pitchFamily="18" charset="0"/>
+                <a:cs typeface="Times New Roman" panose="02020603050405020304" pitchFamily="18" charset="0"/>
+              </a:rPr>
+              <a:t>Step 2: </a:t>
+            </a:r>
+            <a:r>
+              <a:rPr lang="en-US" sz="2500" dirty="0">
+                <a:solidFill>
+                  <a:schemeClr val="tx1"/>
+                </a:solidFill>
+                <a:latin typeface="Times New Roman" panose="02020603050405020304" pitchFamily="18" charset="0"/>
+                <a:cs typeface="Times New Roman" panose="02020603050405020304" pitchFamily="18" charset="0"/>
+              </a:rPr>
+              <a:t>Generate </a:t>
+            </a:r>
+            <a:r>
+              <a:rPr lang="en-US" sz="2500" dirty="0" smtClean="0">
+                <a:solidFill>
+                  <a:schemeClr val="tx1"/>
+                </a:solidFill>
+                <a:latin typeface="Times New Roman" panose="02020603050405020304" pitchFamily="18" charset="0"/>
+                <a:cs typeface="Times New Roman" panose="02020603050405020304" pitchFamily="18" charset="0"/>
+              </a:rPr>
+              <a:t>all test paths from the </a:t>
+            </a:r>
+            <a:r>
+              <a:rPr lang="en-US" sz="2500" dirty="0" err="1" smtClean="0">
+                <a:solidFill>
+                  <a:schemeClr val="tx1"/>
+                </a:solidFill>
+                <a:latin typeface="Times New Roman" panose="02020603050405020304" pitchFamily="18" charset="0"/>
+                <a:cs typeface="Times New Roman" panose="02020603050405020304" pitchFamily="18" charset="0"/>
+              </a:rPr>
+              <a:t>CFG</a:t>
+            </a:r>
+            <a:endParaRPr lang="en-US" sz="2500" dirty="0">
+              <a:solidFill>
+                <a:schemeClr val="tx1"/>
+              </a:solidFill>
+              <a:latin typeface="Times New Roman" panose="02020603050405020304" pitchFamily="18" charset="0"/>
+              <a:cs typeface="Times New Roman" panose="02020603050405020304" pitchFamily="18" charset="0"/>
+            </a:endParaRPr>
+          </a:p>
+        </p:txBody>
+      </p:sp>
+      <p:sp>
+        <p:nvSpPr>
+          <p:cNvPr id="49" name="TextBox 48"/>
+          <p:cNvSpPr txBox="1"/>
+          <p:nvPr/>
+        </p:nvSpPr>
+        <p:spPr>
+          <a:xfrm>
+            <a:off x="16517804" y="20460186"/>
+            <a:ext cx="5019004" cy="1246495"/>
+          </a:xfrm>
+          <a:prstGeom prst="rect">
+            <a:avLst/>
+          </a:prstGeom>
+          <a:noFill/>
+        </p:spPr>
+        <p:txBody>
+          <a:bodyPr wrap="square" rtlCol="0">
+            <a:spAutoFit/>
+          </a:bodyPr>
+          <a:lstStyle/>
+          <a:p>
+            <a:r>
+              <a:rPr lang="en-US" sz="2500" dirty="0" smtClean="0">
+                <a:solidFill>
+                  <a:schemeClr val="tx1"/>
+                </a:solidFill>
+                <a:latin typeface="Times New Roman" panose="02020603050405020304" pitchFamily="18" charset="0"/>
+                <a:cs typeface="Times New Roman" panose="02020603050405020304" pitchFamily="18" charset="0"/>
+              </a:rPr>
+              <a:t>Step 3: Base on </a:t>
+            </a:r>
+            <a:r>
+              <a:rPr lang="en-US" sz="2500" dirty="0" err="1" smtClean="0">
+                <a:solidFill>
+                  <a:schemeClr val="tx1"/>
+                </a:solidFill>
+                <a:latin typeface="Times New Roman" panose="02020603050405020304" pitchFamily="18" charset="0"/>
+                <a:cs typeface="Times New Roman" panose="02020603050405020304" pitchFamily="18" charset="0"/>
+              </a:rPr>
+              <a:t>Korel</a:t>
+            </a:r>
+            <a:r>
+              <a:rPr lang="en-US" sz="2500" dirty="0" smtClean="0">
+                <a:solidFill>
+                  <a:schemeClr val="tx1"/>
+                </a:solidFill>
+                <a:latin typeface="Times New Roman" panose="02020603050405020304" pitchFamily="18" charset="0"/>
+                <a:cs typeface="Times New Roman" panose="02020603050405020304" pitchFamily="18" charset="0"/>
+              </a:rPr>
+              <a:t> </a:t>
+            </a:r>
+            <a:r>
+              <a:rPr lang="en-US" sz="2500" dirty="0" err="1" smtClean="0">
+                <a:solidFill>
+                  <a:schemeClr val="tx1"/>
+                </a:solidFill>
+                <a:latin typeface="Times New Roman" panose="02020603050405020304" pitchFamily="18" charset="0"/>
+                <a:cs typeface="Times New Roman" panose="02020603050405020304" pitchFamily="18" charset="0"/>
+              </a:rPr>
+              <a:t>fomular</a:t>
+            </a:r>
+            <a:r>
+              <a:rPr lang="en-US" sz="2500" dirty="0" smtClean="0">
+                <a:solidFill>
+                  <a:schemeClr val="tx1"/>
+                </a:solidFill>
+                <a:latin typeface="Times New Roman" panose="02020603050405020304" pitchFamily="18" charset="0"/>
+                <a:cs typeface="Times New Roman" panose="02020603050405020304" pitchFamily="18" charset="0"/>
+              </a:rPr>
+              <a:t>, generate fitness function </a:t>
+            </a:r>
+            <a:r>
+              <a:rPr lang="en-US" sz="2500" i="1" dirty="0" smtClean="0">
+                <a:solidFill>
+                  <a:schemeClr val="tx1"/>
+                </a:solidFill>
+                <a:latin typeface="Times New Roman" panose="02020603050405020304" pitchFamily="18" charset="0"/>
+                <a:cs typeface="Times New Roman" panose="02020603050405020304" pitchFamily="18" charset="0"/>
+              </a:rPr>
+              <a:t>f</a:t>
+            </a:r>
+            <a:r>
+              <a:rPr lang="en-US" sz="2500" i="1" baseline="-25000" dirty="0" smtClean="0">
+                <a:solidFill>
+                  <a:schemeClr val="tx1"/>
+                </a:solidFill>
+                <a:latin typeface="Times New Roman" panose="02020603050405020304" pitchFamily="18" charset="0"/>
+                <a:cs typeface="Times New Roman" panose="02020603050405020304" pitchFamily="18" charset="0"/>
+              </a:rPr>
+              <a:t>i</a:t>
+            </a:r>
+            <a:r>
+              <a:rPr lang="en-US" sz="2500" i="1" dirty="0" smtClean="0">
+                <a:solidFill>
+                  <a:schemeClr val="tx1"/>
+                </a:solidFill>
+                <a:latin typeface="Times New Roman" panose="02020603050405020304" pitchFamily="18" charset="0"/>
+                <a:cs typeface="Times New Roman" panose="02020603050405020304" pitchFamily="18" charset="0"/>
+              </a:rPr>
+              <a:t> </a:t>
+            </a:r>
+            <a:r>
+              <a:rPr lang="en-US" sz="2500" dirty="0" smtClean="0">
+                <a:solidFill>
+                  <a:schemeClr val="tx1"/>
+                </a:solidFill>
+                <a:latin typeface="Times New Roman" panose="02020603050405020304" pitchFamily="18" charset="0"/>
+                <a:cs typeface="Times New Roman" panose="02020603050405020304" pitchFamily="18" charset="0"/>
+              </a:rPr>
+              <a:t>for each decision node</a:t>
+            </a:r>
+            <a:endParaRPr lang="en-US" sz="2500" dirty="0">
+              <a:solidFill>
+                <a:schemeClr val="tx1"/>
+              </a:solidFill>
+              <a:latin typeface="Times New Roman" panose="02020603050405020304" pitchFamily="18" charset="0"/>
+              <a:cs typeface="Times New Roman" panose="02020603050405020304" pitchFamily="18" charset="0"/>
+            </a:endParaRPr>
+          </a:p>
+        </p:txBody>
+      </p:sp>
+      <p:sp>
+        <p:nvSpPr>
+          <p:cNvPr id="50" name="TextBox 49"/>
+          <p:cNvSpPr txBox="1"/>
+          <p:nvPr/>
+        </p:nvSpPr>
+        <p:spPr>
+          <a:xfrm>
+            <a:off x="16519402" y="24193986"/>
+            <a:ext cx="5019004" cy="1246495"/>
+          </a:xfrm>
+          <a:prstGeom prst="rect">
+            <a:avLst/>
+          </a:prstGeom>
+          <a:noFill/>
+        </p:spPr>
+        <p:txBody>
+          <a:bodyPr wrap="square" rtlCol="0">
+            <a:spAutoFit/>
+          </a:bodyPr>
+          <a:lstStyle/>
+          <a:p>
+            <a:r>
+              <a:rPr lang="en-US" sz="2500" dirty="0" smtClean="0">
+                <a:solidFill>
+                  <a:schemeClr val="tx1"/>
+                </a:solidFill>
+                <a:latin typeface="Times New Roman" panose="02020603050405020304" pitchFamily="18" charset="0"/>
+                <a:cs typeface="Times New Roman" panose="02020603050405020304" pitchFamily="18" charset="0"/>
+              </a:rPr>
+              <a:t>Step 4: Generate fitness function </a:t>
+            </a:r>
+            <a:r>
+              <a:rPr lang="en-US" sz="2500" i="1" dirty="0" smtClean="0">
+                <a:solidFill>
+                  <a:schemeClr val="tx1"/>
+                </a:solidFill>
+                <a:latin typeface="Times New Roman" panose="02020603050405020304" pitchFamily="18" charset="0"/>
+                <a:cs typeface="Times New Roman" panose="02020603050405020304" pitchFamily="18" charset="0"/>
+              </a:rPr>
+              <a:t>F</a:t>
+            </a:r>
+            <a:r>
+              <a:rPr lang="en-US" sz="2500" i="1" baseline="-25000" dirty="0" smtClean="0">
+                <a:solidFill>
+                  <a:schemeClr val="tx1"/>
+                </a:solidFill>
+                <a:latin typeface="Times New Roman" panose="02020603050405020304" pitchFamily="18" charset="0"/>
+                <a:cs typeface="Times New Roman" panose="02020603050405020304" pitchFamily="18" charset="0"/>
+              </a:rPr>
+              <a:t>j</a:t>
+            </a:r>
+            <a:r>
+              <a:rPr lang="en-US" sz="2500" dirty="0" smtClean="0">
+                <a:solidFill>
+                  <a:schemeClr val="tx1"/>
+                </a:solidFill>
+                <a:latin typeface="Times New Roman" panose="02020603050405020304" pitchFamily="18" charset="0"/>
+                <a:cs typeface="Times New Roman" panose="02020603050405020304" pitchFamily="18" charset="0"/>
+              </a:rPr>
+              <a:t> for each test path by summary all fitness function in each decision node</a:t>
+            </a:r>
+            <a:endParaRPr lang="en-US" sz="2500" dirty="0">
+              <a:solidFill>
+                <a:schemeClr val="tx1"/>
+              </a:solidFill>
+              <a:latin typeface="Times New Roman" panose="02020603050405020304" pitchFamily="18" charset="0"/>
+              <a:cs typeface="Times New Roman" panose="02020603050405020304" pitchFamily="18" charset="0"/>
+            </a:endParaRPr>
+          </a:p>
+        </p:txBody>
+      </p:sp>
+      <p:sp>
+        <p:nvSpPr>
+          <p:cNvPr id="51" name="TextBox 50"/>
+          <p:cNvSpPr txBox="1"/>
+          <p:nvPr/>
+        </p:nvSpPr>
+        <p:spPr>
+          <a:xfrm>
+            <a:off x="16356806" y="25973881"/>
+            <a:ext cx="3886200" cy="1631216"/>
+          </a:xfrm>
+          <a:prstGeom prst="rect">
+            <a:avLst/>
+          </a:prstGeom>
+          <a:noFill/>
+        </p:spPr>
+        <p:txBody>
+          <a:bodyPr wrap="square" rtlCol="0">
+            <a:spAutoFit/>
+          </a:bodyPr>
+          <a:lstStyle/>
+          <a:p>
+            <a:r>
+              <a:rPr lang="en-US" sz="2500" dirty="0" smtClean="0">
+                <a:solidFill>
+                  <a:schemeClr val="tx1"/>
+                </a:solidFill>
+                <a:latin typeface="Times New Roman" panose="02020603050405020304" pitchFamily="18" charset="0"/>
+                <a:cs typeface="Times New Roman" panose="02020603050405020304" pitchFamily="18" charset="0"/>
+              </a:rPr>
+              <a:t>Step 5: Using Particle Swarm Optimization(</a:t>
+            </a:r>
+            <a:r>
+              <a:rPr lang="en-US" sz="2500" dirty="0" err="1" smtClean="0">
+                <a:solidFill>
+                  <a:schemeClr val="tx1"/>
+                </a:solidFill>
+                <a:latin typeface="Times New Roman" panose="02020603050405020304" pitchFamily="18" charset="0"/>
+                <a:cs typeface="Times New Roman" panose="02020603050405020304" pitchFamily="18" charset="0"/>
+              </a:rPr>
+              <a:t>PPSO</a:t>
+            </a:r>
+            <a:r>
+              <a:rPr lang="en-US" sz="2500" dirty="0" smtClean="0">
+                <a:solidFill>
+                  <a:schemeClr val="tx1"/>
+                </a:solidFill>
+                <a:latin typeface="Times New Roman" panose="02020603050405020304" pitchFamily="18" charset="0"/>
+                <a:cs typeface="Times New Roman" panose="02020603050405020304" pitchFamily="18" charset="0"/>
+              </a:rPr>
+              <a:t>) for each fitness function </a:t>
+            </a:r>
+            <a:r>
+              <a:rPr lang="en-US" sz="2500" i="1" dirty="0" smtClean="0">
+                <a:solidFill>
+                  <a:schemeClr val="tx1"/>
+                </a:solidFill>
+                <a:latin typeface="Times New Roman" panose="02020603050405020304" pitchFamily="18" charset="0"/>
+                <a:cs typeface="Times New Roman" panose="02020603050405020304" pitchFamily="18" charset="0"/>
+              </a:rPr>
+              <a:t>F</a:t>
+            </a:r>
+            <a:r>
+              <a:rPr lang="en-US" sz="2500" i="1" baseline="-25000" dirty="0" smtClean="0">
+                <a:solidFill>
+                  <a:schemeClr val="tx1"/>
+                </a:solidFill>
+                <a:latin typeface="Times New Roman" panose="02020603050405020304" pitchFamily="18" charset="0"/>
+                <a:cs typeface="Times New Roman" panose="02020603050405020304" pitchFamily="18" charset="0"/>
+              </a:rPr>
+              <a:t>j, </a:t>
+            </a:r>
+            <a:r>
+              <a:rPr lang="en-US" sz="2500" dirty="0" smtClean="0">
+                <a:solidFill>
+                  <a:schemeClr val="tx1"/>
+                </a:solidFill>
+                <a:latin typeface="Times New Roman" panose="02020603050405020304" pitchFamily="18" charset="0"/>
+                <a:cs typeface="Times New Roman" panose="02020603050405020304" pitchFamily="18" charset="0"/>
+              </a:rPr>
+              <a:t>then execute them in parallel</a:t>
+            </a:r>
+            <a:endParaRPr lang="en-US" sz="2500" dirty="0">
+              <a:solidFill>
+                <a:schemeClr val="tx1"/>
+              </a:solidFill>
+              <a:latin typeface="Times New Roman" panose="02020603050405020304" pitchFamily="18" charset="0"/>
+              <a:ea typeface="ＭＳ 明朝"/>
+              <a:cs typeface="Times New Roman" panose="02020603050405020304" pitchFamily="18" charset="0"/>
+            </a:endParaRPr>
+          </a:p>
+        </p:txBody>
+      </p:sp>
+      <p:sp>
+        <p:nvSpPr>
+          <p:cNvPr id="52" name="TextBox 51"/>
+          <p:cNvSpPr txBox="1"/>
+          <p:nvPr/>
+        </p:nvSpPr>
+        <p:spPr>
+          <a:xfrm>
+            <a:off x="25272206" y="24830881"/>
+            <a:ext cx="4267200" cy="861774"/>
+          </a:xfrm>
+          <a:prstGeom prst="rect">
+            <a:avLst/>
+          </a:prstGeom>
+          <a:noFill/>
+        </p:spPr>
+        <p:txBody>
+          <a:bodyPr wrap="square" rtlCol="0">
+            <a:spAutoFit/>
+          </a:bodyPr>
+          <a:lstStyle/>
+          <a:p>
+            <a:r>
+              <a:rPr lang="ja-JP" altLang="en-US" sz="2500" dirty="0" smtClean="0">
+                <a:solidFill>
+                  <a:schemeClr val="tx1"/>
+                </a:solidFill>
+                <a:latin typeface="Times New Roman" panose="02020603050405020304" pitchFamily="18" charset="0"/>
+                <a:ea typeface="ＭＳ 明朝"/>
+                <a:cs typeface="Times New Roman" panose="02020603050405020304" pitchFamily="18" charset="0"/>
+              </a:rPr>
+              <a:t>★</a:t>
+            </a:r>
+            <a:r>
+              <a:rPr lang="en-US" altLang="ja-JP" sz="2500" dirty="0" smtClean="0">
+                <a:solidFill>
+                  <a:schemeClr val="tx1"/>
+                </a:solidFill>
+                <a:latin typeface="Times New Roman" panose="02020603050405020304" pitchFamily="18" charset="0"/>
+                <a:ea typeface="ＭＳ 明朝"/>
+                <a:cs typeface="Times New Roman" panose="02020603050405020304" pitchFamily="18" charset="0"/>
+              </a:rPr>
+              <a:t>Result: all test paths were covered by generated test data </a:t>
+            </a:r>
+            <a:endParaRPr lang="en-US" sz="2500" dirty="0">
+              <a:solidFill>
+                <a:schemeClr val="tx1"/>
+              </a:solidFill>
+              <a:latin typeface="Times New Roman" panose="02020603050405020304" pitchFamily="18" charset="0"/>
+              <a:ea typeface="ＭＳ 明朝"/>
+              <a:cs typeface="Times New Roman" panose="02020603050405020304" pitchFamily="18" charset="0"/>
+            </a:endParaRPr>
+          </a:p>
+        </p:txBody>
+      </p:sp>
     </p:spTree>
     <p:extLst>
       <p:ext uri="{BB962C8B-B14F-4D97-AF65-F5344CB8AC3E}">

--- a/CFT4CUnitSrc/src/report/HNNCS2017.pptx
+++ b/CFT4CUnitSrc/src/report/HNNCS2017.pptx
@@ -272,7 +272,7 @@
     </p:spTree>
     <p:extLst>
       <p:ext uri="{BB962C8B-B14F-4D97-AF65-F5344CB8AC3E}">
-        <p14:creationId xmlns:p14="http://schemas.microsoft.com/office/powerpoint/2010/main" val="4036144388"/>
+        <p14:creationId xmlns="" xmlns:p14="http://schemas.microsoft.com/office/powerpoint/2010/main" val="4036144388"/>
       </p:ext>
     </p:extLst>
   </p:cSld>
@@ -384,7 +384,7 @@
     </p:spTree>
     <p:extLst>
       <p:ext uri="{BB962C8B-B14F-4D97-AF65-F5344CB8AC3E}">
-        <p14:creationId xmlns:p14="http://schemas.microsoft.com/office/powerpoint/2010/main" val="76435225"/>
+        <p14:creationId xmlns="" xmlns:p14="http://schemas.microsoft.com/office/powerpoint/2010/main" val="76435225"/>
       </p:ext>
     </p:extLst>
   </p:cSld>
@@ -499,7 +499,7 @@
     </p:spTree>
     <p:extLst>
       <p:ext uri="{BB962C8B-B14F-4D97-AF65-F5344CB8AC3E}">
-        <p14:creationId xmlns:p14="http://schemas.microsoft.com/office/powerpoint/2010/main" val="255684065"/>
+        <p14:creationId xmlns="" xmlns:p14="http://schemas.microsoft.com/office/powerpoint/2010/main" val="255684065"/>
       </p:ext>
     </p:extLst>
   </p:cSld>
@@ -604,7 +604,7 @@
     </p:spTree>
     <p:extLst>
       <p:ext uri="{BB962C8B-B14F-4D97-AF65-F5344CB8AC3E}">
-        <p14:creationId xmlns:p14="http://schemas.microsoft.com/office/powerpoint/2010/main" val="958838848"/>
+        <p14:creationId xmlns="" xmlns:p14="http://schemas.microsoft.com/office/powerpoint/2010/main" val="958838848"/>
       </p:ext>
     </p:extLst>
   </p:cSld>
@@ -738,7 +738,7 @@
     </p:spTree>
     <p:extLst>
       <p:ext uri="{BB962C8B-B14F-4D97-AF65-F5344CB8AC3E}">
-        <p14:creationId xmlns:p14="http://schemas.microsoft.com/office/powerpoint/2010/main" val="52222651"/>
+        <p14:creationId xmlns="" xmlns:p14="http://schemas.microsoft.com/office/powerpoint/2010/main" val="52222651"/>
       </p:ext>
     </p:extLst>
   </p:cSld>
@@ -968,7 +968,7 @@
     </p:spTree>
     <p:extLst>
       <p:ext uri="{BB962C8B-B14F-4D97-AF65-F5344CB8AC3E}">
-        <p14:creationId xmlns:p14="http://schemas.microsoft.com/office/powerpoint/2010/main" val="862343946"/>
+        <p14:creationId xmlns="" xmlns:p14="http://schemas.microsoft.com/office/powerpoint/2010/main" val="862343946"/>
       </p:ext>
     </p:extLst>
   </p:cSld>
@@ -1337,7 +1337,7 @@
     </p:spTree>
     <p:extLst>
       <p:ext uri="{BB962C8B-B14F-4D97-AF65-F5344CB8AC3E}">
-        <p14:creationId xmlns:p14="http://schemas.microsoft.com/office/powerpoint/2010/main" val="231140302"/>
+        <p14:creationId xmlns="" xmlns:p14="http://schemas.microsoft.com/office/powerpoint/2010/main" val="231140302"/>
       </p:ext>
     </p:extLst>
   </p:cSld>
@@ -1390,7 +1390,7 @@
     </p:spTree>
     <p:extLst>
       <p:ext uri="{BB962C8B-B14F-4D97-AF65-F5344CB8AC3E}">
-        <p14:creationId xmlns:p14="http://schemas.microsoft.com/office/powerpoint/2010/main" val="1646577663"/>
+        <p14:creationId xmlns="" xmlns:p14="http://schemas.microsoft.com/office/powerpoint/2010/main" val="1646577663"/>
       </p:ext>
     </p:extLst>
   </p:cSld>
@@ -1420,7 +1420,7 @@
     </p:spTree>
     <p:extLst>
       <p:ext uri="{BB962C8B-B14F-4D97-AF65-F5344CB8AC3E}">
-        <p14:creationId xmlns:p14="http://schemas.microsoft.com/office/powerpoint/2010/main" val="1672096560"/>
+        <p14:creationId xmlns="" xmlns:p14="http://schemas.microsoft.com/office/powerpoint/2010/main" val="1672096560"/>
       </p:ext>
     </p:extLst>
   </p:cSld>
@@ -1632,7 +1632,7 @@
     </p:spTree>
     <p:extLst>
       <p:ext uri="{BB962C8B-B14F-4D97-AF65-F5344CB8AC3E}">
-        <p14:creationId xmlns:p14="http://schemas.microsoft.com/office/powerpoint/2010/main" val="3573873321"/>
+        <p14:creationId xmlns="" xmlns:p14="http://schemas.microsoft.com/office/powerpoint/2010/main" val="3573873321"/>
       </p:ext>
     </p:extLst>
   </p:cSld>
@@ -1824,7 +1824,7 @@
     </p:spTree>
     <p:extLst>
       <p:ext uri="{BB962C8B-B14F-4D97-AF65-F5344CB8AC3E}">
-        <p14:creationId xmlns:p14="http://schemas.microsoft.com/office/powerpoint/2010/main" val="2827208516"/>
+        <p14:creationId xmlns="" xmlns:p14="http://schemas.microsoft.com/office/powerpoint/2010/main" val="2827208516"/>
       </p:ext>
     </p:extLst>
   </p:cSld>
@@ -1871,7 +1871,7 @@
           <a:blip r:embed="rId14" cstate="email">
             <a:extLst>
               <a:ext uri="{28A0092B-C50C-407E-A947-70E740481C1C}">
-                <a14:useLocalDpi xmlns:a14="http://schemas.microsoft.com/office/drawing/2010/main" val="0"/>
+                <a14:useLocalDpi xmlns="" xmlns:a14="http://schemas.microsoft.com/office/drawing/2010/main" val="0"/>
               </a:ext>
             </a:extLst>
           </a:blip>
@@ -1894,14 +1894,14 @@
           </a:ln>
           <a:extLst>
             <a:ext uri="{909E8E84-426E-40DD-AFC4-6F175D3DCCD1}">
-              <a14:hiddenFill xmlns:a14="http://schemas.microsoft.com/office/drawing/2010/main">
+              <a14:hiddenFill xmlns="" xmlns:a14="http://schemas.microsoft.com/office/drawing/2010/main">
                 <a:solidFill>
                   <a:srgbClr val="FFFFFF"/>
                 </a:solidFill>
               </a14:hiddenFill>
             </a:ext>
             <a:ext uri="{91240B29-F687-4F45-9708-019B960494DF}">
-              <a14:hiddenLine xmlns:a14="http://schemas.microsoft.com/office/drawing/2010/main" w="9525">
+              <a14:hiddenLine xmlns="" xmlns:a14="http://schemas.microsoft.com/office/drawing/2010/main" w="9525">
                 <a:solidFill>
                   <a:srgbClr val="000000"/>
                 </a:solidFill>
@@ -1938,14 +1938,14 @@
           <a:effectLst/>
           <a:extLst>
             <a:ext uri="{909E8E84-426E-40DD-AFC4-6F175D3DCCD1}">
-              <a14:hiddenFill xmlns:a14="http://schemas.microsoft.com/office/drawing/2010/main">
+              <a14:hiddenFill xmlns="" xmlns:a14="http://schemas.microsoft.com/office/drawing/2010/main">
                 <a:solidFill>
                   <a:schemeClr val="accent1"/>
                 </a:solidFill>
               </a14:hiddenFill>
             </a:ext>
             <a:ext uri="{91240B29-F687-4F45-9708-019B960494DF}">
-              <a14:hiddenLine xmlns:a14="http://schemas.microsoft.com/office/drawing/2010/main" w="9525">
+              <a14:hiddenLine xmlns="" xmlns:a14="http://schemas.microsoft.com/office/drawing/2010/main" w="9525">
                 <a:solidFill>
                   <a:schemeClr val="tx1"/>
                 </a:solidFill>
@@ -1955,7 +1955,7 @@
               </a14:hiddenLine>
             </a:ext>
             <a:ext uri="{AF507438-7753-43E0-B8FC-AC1667EBCBE1}">
-              <a14:hiddenEffects xmlns:a14="http://schemas.microsoft.com/office/drawing/2010/main">
+              <a14:hiddenEffects xmlns="" xmlns:a14="http://schemas.microsoft.com/office/drawing/2010/main">
                 <a:effectLst>
                   <a:outerShdw dist="35921" dir="2700000" algn="ctr" rotWithShape="0">
                     <a:schemeClr val="bg2"/>
@@ -2006,14 +2006,14 @@
           <a:effectLst/>
           <a:extLst>
             <a:ext uri="{909E8E84-426E-40DD-AFC4-6F175D3DCCD1}">
-              <a14:hiddenFill xmlns:a14="http://schemas.microsoft.com/office/drawing/2010/main">
+              <a14:hiddenFill xmlns="" xmlns:a14="http://schemas.microsoft.com/office/drawing/2010/main">
                 <a:solidFill>
                   <a:schemeClr val="accent1"/>
                 </a:solidFill>
               </a14:hiddenFill>
             </a:ext>
             <a:ext uri="{91240B29-F687-4F45-9708-019B960494DF}">
-              <a14:hiddenLine xmlns:a14="http://schemas.microsoft.com/office/drawing/2010/main" w="9525">
+              <a14:hiddenLine xmlns="" xmlns:a14="http://schemas.microsoft.com/office/drawing/2010/main" w="9525">
                 <a:solidFill>
                   <a:schemeClr val="tx1"/>
                 </a:solidFill>
@@ -2023,7 +2023,7 @@
               </a14:hiddenLine>
             </a:ext>
             <a:ext uri="{AF507438-7753-43E0-B8FC-AC1667EBCBE1}">
-              <a14:hiddenEffects xmlns:a14="http://schemas.microsoft.com/office/drawing/2010/main">
+              <a14:hiddenEffects xmlns="" xmlns:a14="http://schemas.microsoft.com/office/drawing/2010/main">
                 <a:effectLst>
                   <a:outerShdw dist="35921" dir="2700000" algn="ctr" rotWithShape="0">
                     <a:schemeClr val="bg2"/>
@@ -2118,7 +2118,7 @@
           <p:nvPr userDrawn="1">
             <p:extLst>
               <p:ext uri="{D42A27DB-BD31-4B8C-83A1-F6EECF244321}">
-                <p14:modId xmlns:p14="http://schemas.microsoft.com/office/powerpoint/2010/main" val="1704744519"/>
+                <p14:modId xmlns="" xmlns:p14="http://schemas.microsoft.com/office/powerpoint/2010/main" val="1704744519"/>
               </p:ext>
             </p:extLst>
           </p:nvPr>
@@ -2129,59 +2129,9 @@
         </p:xfrm>
         <a:graphic>
           <a:graphicData uri="http://schemas.openxmlformats.org/presentationml/2006/ole">
-            <mc:AlternateContent xmlns:mc="http://schemas.openxmlformats.org/markup-compatibility/2006">
-              <mc:Choice xmlns:v="urn:schemas-microsoft-com:vml" Requires="v">
-                <p:oleObj spid="_x0000_s1248" r:id="rId15" imgW="4572009" imgH="4572009" progId="">
-                  <p:embed/>
-                </p:oleObj>
-              </mc:Choice>
-              <mc:Fallback>
-                <p:oleObj r:id="rId15" imgW="4572009" imgH="4572009" progId="">
-                  <p:embed/>
-                  <p:pic>
-                    <p:nvPicPr>
-                      <p:cNvPr id="0" name="Picture 154"/>
-                      <p:cNvPicPr>
-                        <a:picLocks noChangeAspect="1" noChangeArrowheads="1"/>
-                      </p:cNvPicPr>
-                      <p:nvPr/>
-                    </p:nvPicPr>
-                    <p:blipFill>
-                      <a:blip r:embed="rId16">
-                        <a:extLst>
-                          <a:ext uri="{28A0092B-C50C-407E-A947-70E740481C1C}">
-                            <a14:useLocalDpi xmlns:a14="http://schemas.microsoft.com/office/drawing/2010/main" val="0"/>
-                          </a:ext>
-                        </a:extLst>
-                      </a:blip>
-                      <a:srcRect/>
-                      <a:stretch>
-                        <a:fillRect/>
-                      </a:stretch>
-                    </p:blipFill>
-                    <p:spPr bwMode="auto">
-                      <a:xfrm>
-                        <a:off x="15450" y="18569"/>
-                        <a:ext cx="30259762" cy="33061669"/>
-                      </a:xfrm>
-                      <a:prstGeom prst="rect">
-                        <a:avLst/>
-                      </a:prstGeom>
-                      <a:noFill/>
-                      <a:extLst>
-                        <a:ext uri="{909E8E84-426E-40DD-AFC4-6F175D3DCCD1}">
-                          <a14:hiddenFill xmlns:a14="http://schemas.microsoft.com/office/drawing/2010/main">
-                            <a:solidFill>
-                              <a:srgbClr val="FFFFFF"/>
-                            </a:solidFill>
-                          </a14:hiddenFill>
-                        </a:ext>
-                      </a:extLst>
-                    </p:spPr>
-                  </p:pic>
-                </p:oleObj>
-              </mc:Fallback>
-            </mc:AlternateContent>
+            <p:oleObj spid="_x0000_s1248" r:id="rId15" imgW="4572009" imgH="4572009" progId="">
+              <p:embed/>
+            </p:oleObj>
           </a:graphicData>
         </a:graphic>
       </p:graphicFrame>
@@ -2733,7 +2683,7 @@
           <a:blip r:embed="rId2" cstate="email">
             <a:extLst>
               <a:ext uri="{28A0092B-C50C-407E-A947-70E740481C1C}">
-                <a14:useLocalDpi xmlns:a14="http://schemas.microsoft.com/office/drawing/2010/main" val="0"/>
+                <a14:useLocalDpi xmlns="" xmlns:a14="http://schemas.microsoft.com/office/drawing/2010/main" val="0"/>
               </a:ext>
             </a:extLst>
           </a:blip>
@@ -2873,7 +2823,7 @@
         </p:nvSpPr>
         <p:spPr bwMode="auto">
           <a:xfrm>
-            <a:off x="177575" y="10886281"/>
+            <a:off x="177575" y="10733881"/>
             <a:ext cx="15918645" cy="18138660"/>
           </a:xfrm>
           <a:prstGeom prst="roundRect">
@@ -2898,10 +2848,1135 @@
           <a:extLst/>
         </p:spPr>
         <p:txBody>
-          <a:bodyPr wrap="none" anchor="ctr"/>
+          <a:bodyPr wrap="none" anchor="t"/>
           <a:lstStyle/>
           <a:p>
-            <a:endParaRPr lang="en-US" dirty="0">
+            <a:endParaRPr lang="en-US" sz="3200" dirty="0" smtClean="0">
+              <a:solidFill>
+                <a:schemeClr val="tx1"/>
+              </a:solidFill>
+              <a:latin typeface="Times New Roman" pitchFamily="18" charset="0"/>
+              <a:cs typeface="Times New Roman" pitchFamily="18" charset="0"/>
+            </a:endParaRPr>
+          </a:p>
+          <a:p>
+            <a:r>
+              <a:rPr lang="en-US" sz="3200" dirty="0" smtClean="0">
+                <a:solidFill>
+                  <a:schemeClr val="tx1"/>
+                </a:solidFill>
+                <a:latin typeface="Times New Roman" pitchFamily="18" charset="0"/>
+                <a:cs typeface="Times New Roman" pitchFamily="18" charset="0"/>
+              </a:rPr>
+              <a:t>In </a:t>
+            </a:r>
+            <a:r>
+              <a:rPr lang="en-US" sz="3200" dirty="0" smtClean="0">
+                <a:solidFill>
+                  <a:schemeClr val="tx1"/>
+                </a:solidFill>
+                <a:latin typeface="Times New Roman" pitchFamily="18" charset="0"/>
+                <a:cs typeface="Times New Roman" pitchFamily="18" charset="0"/>
+              </a:rPr>
+              <a:t>recent years, meta-heuristic search techniques has been widely applied </a:t>
+            </a:r>
+            <a:r>
+              <a:rPr lang="en-US" sz="3200" dirty="0" smtClean="0">
+                <a:solidFill>
+                  <a:schemeClr val="tx1"/>
+                </a:solidFill>
+                <a:latin typeface="Times New Roman" pitchFamily="18" charset="0"/>
+                <a:cs typeface="Times New Roman" pitchFamily="18" charset="0"/>
+              </a:rPr>
+              <a:t>in </a:t>
+            </a:r>
+            <a:r>
+              <a:rPr lang="en-US" sz="3200" dirty="0" smtClean="0">
+                <a:solidFill>
+                  <a:schemeClr val="tx1"/>
+                </a:solidFill>
+                <a:latin typeface="Times New Roman" pitchFamily="18" charset="0"/>
+                <a:cs typeface="Times New Roman" pitchFamily="18" charset="0"/>
+              </a:rPr>
+              <a:t>software testing, </a:t>
+            </a:r>
+            <a:endParaRPr lang="en-US" sz="3200" dirty="0" smtClean="0">
+              <a:solidFill>
+                <a:schemeClr val="tx1"/>
+              </a:solidFill>
+              <a:latin typeface="Times New Roman" pitchFamily="18" charset="0"/>
+              <a:cs typeface="Times New Roman" pitchFamily="18" charset="0"/>
+            </a:endParaRPr>
+          </a:p>
+          <a:p>
+            <a:r>
+              <a:rPr lang="en-US" sz="3200" dirty="0" smtClean="0">
+                <a:solidFill>
+                  <a:schemeClr val="tx1"/>
+                </a:solidFill>
+                <a:latin typeface="Times New Roman" pitchFamily="18" charset="0"/>
+                <a:cs typeface="Times New Roman" pitchFamily="18" charset="0"/>
+              </a:rPr>
+              <a:t>forming </a:t>
+            </a:r>
+            <a:r>
+              <a:rPr lang="en-US" sz="3200" dirty="0" smtClean="0">
+                <a:solidFill>
+                  <a:schemeClr val="tx1"/>
+                </a:solidFill>
+                <a:latin typeface="Times New Roman" pitchFamily="18" charset="0"/>
+                <a:cs typeface="Times New Roman" pitchFamily="18" charset="0"/>
+              </a:rPr>
+              <a:t>a research trend called search-based software </a:t>
+            </a:r>
+            <a:r>
+              <a:rPr lang="en-US" sz="3200" dirty="0" smtClean="0">
+                <a:solidFill>
+                  <a:schemeClr val="tx1"/>
+                </a:solidFill>
+                <a:latin typeface="Times New Roman" pitchFamily="18" charset="0"/>
+                <a:cs typeface="Times New Roman" pitchFamily="18" charset="0"/>
+              </a:rPr>
+              <a:t>testing, which </a:t>
+            </a:r>
+            <a:r>
+              <a:rPr lang="en-US" sz="3200" dirty="0" smtClean="0">
+                <a:solidFill>
+                  <a:schemeClr val="tx1"/>
+                </a:solidFill>
+                <a:latin typeface="Times New Roman" pitchFamily="18" charset="0"/>
+                <a:cs typeface="Times New Roman" pitchFamily="18" charset="0"/>
+              </a:rPr>
+              <a:t>is especially applied to </a:t>
+            </a:r>
+            <a:endParaRPr lang="en-US" sz="3200" dirty="0" smtClean="0">
+              <a:solidFill>
+                <a:schemeClr val="tx1"/>
+              </a:solidFill>
+              <a:latin typeface="Times New Roman" pitchFamily="18" charset="0"/>
+              <a:cs typeface="Times New Roman" pitchFamily="18" charset="0"/>
+            </a:endParaRPr>
+          </a:p>
+          <a:p>
+            <a:r>
+              <a:rPr lang="en-US" sz="3200" dirty="0" smtClean="0">
+                <a:solidFill>
+                  <a:schemeClr val="tx1"/>
+                </a:solidFill>
+                <a:latin typeface="Times New Roman" pitchFamily="18" charset="0"/>
+                <a:cs typeface="Times New Roman" pitchFamily="18" charset="0"/>
+              </a:rPr>
+              <a:t>automatic </a:t>
+            </a:r>
+            <a:r>
+              <a:rPr lang="en-US" sz="3200" dirty="0" smtClean="0">
+                <a:solidFill>
+                  <a:schemeClr val="tx1"/>
+                </a:solidFill>
+                <a:latin typeface="Times New Roman" pitchFamily="18" charset="0"/>
+                <a:cs typeface="Times New Roman" pitchFamily="18" charset="0"/>
+              </a:rPr>
+              <a:t>test data generation. </a:t>
+            </a:r>
+            <a:r>
+              <a:rPr lang="en-US" sz="3200" dirty="0" smtClean="0">
+                <a:solidFill>
+                  <a:schemeClr val="tx1"/>
+                </a:solidFill>
+                <a:latin typeface="Times New Roman" pitchFamily="18" charset="0"/>
+                <a:cs typeface="Times New Roman" pitchFamily="18" charset="0"/>
+              </a:rPr>
+              <a:t>Among </a:t>
+            </a:r>
+            <a:r>
+              <a:rPr lang="en-US" sz="3200" dirty="0" smtClean="0">
+                <a:solidFill>
+                  <a:schemeClr val="tx1"/>
+                </a:solidFill>
+                <a:latin typeface="Times New Roman" pitchFamily="18" charset="0"/>
+                <a:cs typeface="Times New Roman" pitchFamily="18" charset="0"/>
+              </a:rPr>
+              <a:t>the existing meta-heuristic search techniques, such as </a:t>
+            </a:r>
+            <a:endParaRPr lang="en-US" sz="3200" dirty="0" smtClean="0">
+              <a:solidFill>
+                <a:schemeClr val="tx1"/>
+              </a:solidFill>
+              <a:latin typeface="Times New Roman" pitchFamily="18" charset="0"/>
+              <a:cs typeface="Times New Roman" pitchFamily="18" charset="0"/>
+            </a:endParaRPr>
+          </a:p>
+          <a:p>
+            <a:r>
+              <a:rPr lang="en-US" sz="3200" dirty="0" smtClean="0">
+                <a:solidFill>
+                  <a:schemeClr val="tx1"/>
+                </a:solidFill>
+                <a:latin typeface="Times New Roman" pitchFamily="18" charset="0"/>
+                <a:cs typeface="Times New Roman" pitchFamily="18" charset="0"/>
+              </a:rPr>
+              <a:t>simulated annealing </a:t>
+            </a:r>
+            <a:r>
+              <a:rPr lang="en-US" sz="3200" dirty="0" smtClean="0">
+                <a:solidFill>
+                  <a:schemeClr val="tx1"/>
+                </a:solidFill>
+                <a:latin typeface="Times New Roman" pitchFamily="18" charset="0"/>
+                <a:cs typeface="Times New Roman" pitchFamily="18" charset="0"/>
+              </a:rPr>
+              <a:t>(SA) and generic algorithm (GA), are the most popular </a:t>
+            </a:r>
+            <a:r>
+              <a:rPr lang="en-US" sz="3200" dirty="0" smtClean="0">
+                <a:solidFill>
+                  <a:schemeClr val="tx1"/>
+                </a:solidFill>
+                <a:latin typeface="Times New Roman" pitchFamily="18" charset="0"/>
+                <a:cs typeface="Times New Roman" pitchFamily="18" charset="0"/>
+              </a:rPr>
+              <a:t>algorithms</a:t>
+            </a:r>
+            <a:r>
+              <a:rPr lang="en-US" sz="3200" dirty="0" smtClean="0">
+                <a:solidFill>
+                  <a:schemeClr val="tx1"/>
+                </a:solidFill>
+                <a:latin typeface="Times New Roman" pitchFamily="18" charset="0"/>
+                <a:cs typeface="Times New Roman" pitchFamily="18" charset="0"/>
+              </a:rPr>
+              <a:t>, and </a:t>
+            </a:r>
+            <a:endParaRPr lang="en-US" sz="3200" dirty="0" smtClean="0">
+              <a:solidFill>
+                <a:schemeClr val="tx1"/>
+              </a:solidFill>
+              <a:latin typeface="Times New Roman" pitchFamily="18" charset="0"/>
+              <a:cs typeface="Times New Roman" pitchFamily="18" charset="0"/>
+            </a:endParaRPr>
+          </a:p>
+          <a:p>
+            <a:r>
+              <a:rPr lang="en-US" sz="3200" dirty="0" smtClean="0">
+                <a:solidFill>
+                  <a:schemeClr val="tx1"/>
+                </a:solidFill>
+                <a:latin typeface="Times New Roman" pitchFamily="18" charset="0"/>
+                <a:cs typeface="Times New Roman" pitchFamily="18" charset="0"/>
+              </a:rPr>
+              <a:t>have </a:t>
+            </a:r>
+            <a:r>
+              <a:rPr lang="en-US" sz="3200" dirty="0" smtClean="0">
+                <a:solidFill>
+                  <a:schemeClr val="tx1"/>
+                </a:solidFill>
+                <a:latin typeface="Times New Roman" pitchFamily="18" charset="0"/>
+                <a:cs typeface="Times New Roman" pitchFamily="18" charset="0"/>
+              </a:rPr>
+              <a:t>been widely adopted in generating test data. </a:t>
+            </a:r>
+            <a:r>
+              <a:rPr lang="en-US" sz="3200" dirty="0" smtClean="0">
+                <a:solidFill>
+                  <a:schemeClr val="tx1"/>
+                </a:solidFill>
+                <a:latin typeface="Times New Roman" pitchFamily="18" charset="0"/>
+                <a:cs typeface="Times New Roman" pitchFamily="18" charset="0"/>
+              </a:rPr>
+              <a:t>However even </a:t>
+            </a:r>
+            <a:r>
+              <a:rPr lang="en-US" sz="3200" dirty="0" smtClean="0">
+                <a:solidFill>
+                  <a:schemeClr val="tx1"/>
+                </a:solidFill>
+                <a:latin typeface="Times New Roman" pitchFamily="18" charset="0"/>
+                <a:cs typeface="Times New Roman" pitchFamily="18" charset="0"/>
+              </a:rPr>
+              <a:t>though they can generate test </a:t>
+            </a:r>
+            <a:endParaRPr lang="en-US" sz="3200" dirty="0" smtClean="0">
+              <a:solidFill>
+                <a:schemeClr val="tx1"/>
+              </a:solidFill>
+              <a:latin typeface="Times New Roman" pitchFamily="18" charset="0"/>
+              <a:cs typeface="Times New Roman" pitchFamily="18" charset="0"/>
+            </a:endParaRPr>
+          </a:p>
+          <a:p>
+            <a:r>
+              <a:rPr lang="en-US" sz="3200" dirty="0" smtClean="0">
+                <a:solidFill>
+                  <a:schemeClr val="tx1"/>
+                </a:solidFill>
+                <a:latin typeface="Times New Roman" pitchFamily="18" charset="0"/>
+                <a:cs typeface="Times New Roman" pitchFamily="18" charset="0"/>
+              </a:rPr>
+              <a:t>data </a:t>
+            </a:r>
+            <a:r>
+              <a:rPr lang="en-US" sz="3200" dirty="0" smtClean="0">
+                <a:solidFill>
+                  <a:schemeClr val="tx1"/>
+                </a:solidFill>
+                <a:latin typeface="Times New Roman" pitchFamily="18" charset="0"/>
+                <a:cs typeface="Times New Roman" pitchFamily="18" charset="0"/>
+              </a:rPr>
+              <a:t>with appropriate </a:t>
+            </a:r>
+            <a:r>
+              <a:rPr lang="en-US" sz="3200" dirty="0" smtClean="0">
+                <a:solidFill>
+                  <a:schemeClr val="tx1"/>
+                </a:solidFill>
+                <a:latin typeface="Times New Roman" pitchFamily="18" charset="0"/>
+                <a:cs typeface="Times New Roman" pitchFamily="18" charset="0"/>
+              </a:rPr>
+              <a:t>fault-prone ability, they </a:t>
+            </a:r>
+            <a:r>
+              <a:rPr lang="en-US" sz="3200" dirty="0" smtClean="0">
+                <a:solidFill>
+                  <a:schemeClr val="tx1"/>
+                </a:solidFill>
+                <a:latin typeface="Times New Roman" pitchFamily="18" charset="0"/>
+                <a:cs typeface="Times New Roman" pitchFamily="18" charset="0"/>
+              </a:rPr>
+              <a:t>fail to produce them quickly due to their slow </a:t>
+            </a:r>
+            <a:endParaRPr lang="en-US" sz="3200" dirty="0" smtClean="0">
+              <a:solidFill>
+                <a:schemeClr val="tx1"/>
+              </a:solidFill>
+              <a:latin typeface="Times New Roman" pitchFamily="18" charset="0"/>
+              <a:cs typeface="Times New Roman" pitchFamily="18" charset="0"/>
+            </a:endParaRPr>
+          </a:p>
+          <a:p>
+            <a:r>
+              <a:rPr lang="en-US" sz="3200" dirty="0" smtClean="0">
+                <a:solidFill>
+                  <a:schemeClr val="tx1"/>
+                </a:solidFill>
+                <a:latin typeface="Times New Roman" pitchFamily="18" charset="0"/>
+                <a:cs typeface="Times New Roman" pitchFamily="18" charset="0"/>
+              </a:rPr>
+              <a:t>evolutionary </a:t>
+            </a:r>
+            <a:r>
+              <a:rPr lang="en-US" sz="3200" dirty="0" smtClean="0">
+                <a:solidFill>
+                  <a:schemeClr val="tx1"/>
+                </a:solidFill>
+                <a:latin typeface="Times New Roman" pitchFamily="18" charset="0"/>
+                <a:cs typeface="Times New Roman" pitchFamily="18" charset="0"/>
+              </a:rPr>
+              <a:t>speed. </a:t>
+            </a:r>
+            <a:r>
+              <a:rPr lang="en-US" sz="3200" dirty="0" smtClean="0">
+                <a:solidFill>
+                  <a:schemeClr val="tx1"/>
+                </a:solidFill>
+                <a:latin typeface="Times New Roman" pitchFamily="18" charset="0"/>
+                <a:cs typeface="Times New Roman" pitchFamily="18" charset="0"/>
+              </a:rPr>
+              <a:t>Recently</a:t>
+            </a:r>
+            <a:r>
+              <a:rPr lang="en-US" sz="3200" dirty="0" smtClean="0">
+                <a:solidFill>
+                  <a:schemeClr val="tx1"/>
+                </a:solidFill>
+                <a:latin typeface="Times New Roman" pitchFamily="18" charset="0"/>
+                <a:cs typeface="Times New Roman" pitchFamily="18" charset="0"/>
+              </a:rPr>
+              <a:t>, as a swarm intelligence technique, particle </a:t>
+            </a:r>
+            <a:r>
+              <a:rPr lang="en-US" sz="3200" dirty="0" smtClean="0">
+                <a:solidFill>
+                  <a:schemeClr val="tx1"/>
+                </a:solidFill>
+                <a:latin typeface="Times New Roman" pitchFamily="18" charset="0"/>
+                <a:cs typeface="Times New Roman" pitchFamily="18" charset="0"/>
+              </a:rPr>
+              <a:t>swarm </a:t>
+            </a:r>
+            <a:r>
+              <a:rPr lang="en-US" sz="3200" dirty="0" smtClean="0">
+                <a:solidFill>
+                  <a:schemeClr val="tx1"/>
+                </a:solidFill>
+                <a:latin typeface="Times New Roman" pitchFamily="18" charset="0"/>
+                <a:cs typeface="Times New Roman" pitchFamily="18" charset="0"/>
+              </a:rPr>
+              <a:t>optimization </a:t>
+            </a:r>
+            <a:endParaRPr lang="en-US" sz="3200" dirty="0" smtClean="0">
+              <a:solidFill>
+                <a:schemeClr val="tx1"/>
+              </a:solidFill>
+              <a:latin typeface="Times New Roman" pitchFamily="18" charset="0"/>
+              <a:cs typeface="Times New Roman" pitchFamily="18" charset="0"/>
+            </a:endParaRPr>
+          </a:p>
+          <a:p>
+            <a:r>
+              <a:rPr lang="en-US" sz="3200" dirty="0" smtClean="0">
+                <a:solidFill>
+                  <a:schemeClr val="tx1"/>
+                </a:solidFill>
+                <a:latin typeface="Times New Roman" pitchFamily="18" charset="0"/>
+                <a:cs typeface="Times New Roman" pitchFamily="18" charset="0"/>
+              </a:rPr>
+              <a:t>(</a:t>
+            </a:r>
+            <a:r>
+              <a:rPr lang="en-US" sz="3200" dirty="0" err="1" smtClean="0">
+                <a:solidFill>
+                  <a:schemeClr val="tx1"/>
+                </a:solidFill>
+                <a:latin typeface="Times New Roman" pitchFamily="18" charset="0"/>
+                <a:cs typeface="Times New Roman" pitchFamily="18" charset="0"/>
+              </a:rPr>
+              <a:t>PSO</a:t>
+            </a:r>
+            <a:r>
+              <a:rPr lang="en-US" sz="3200" dirty="0" smtClean="0">
+                <a:solidFill>
+                  <a:schemeClr val="tx1"/>
+                </a:solidFill>
+                <a:latin typeface="Times New Roman" pitchFamily="18" charset="0"/>
+                <a:cs typeface="Times New Roman" pitchFamily="18" charset="0"/>
+              </a:rPr>
+              <a:t>) </a:t>
+            </a:r>
+            <a:r>
+              <a:rPr lang="en-US" sz="3200" dirty="0" smtClean="0">
+                <a:solidFill>
+                  <a:schemeClr val="tx1"/>
+                </a:solidFill>
+                <a:latin typeface="Times New Roman" pitchFamily="18" charset="0"/>
+                <a:cs typeface="Times New Roman" pitchFamily="18" charset="0"/>
+              </a:rPr>
+              <a:t>has </a:t>
+            </a:r>
+            <a:r>
+              <a:rPr lang="en-US" sz="3200" dirty="0" smtClean="0">
+                <a:solidFill>
+                  <a:schemeClr val="tx1"/>
+                </a:solidFill>
+                <a:latin typeface="Times New Roman" pitchFamily="18" charset="0"/>
+                <a:cs typeface="Times New Roman" pitchFamily="18" charset="0"/>
+              </a:rPr>
+              <a:t>become a hot research topic in the area of </a:t>
+            </a:r>
+            <a:r>
+              <a:rPr lang="en-US" sz="3200" dirty="0" smtClean="0">
+                <a:solidFill>
+                  <a:schemeClr val="tx1"/>
+                </a:solidFill>
+                <a:latin typeface="Times New Roman" pitchFamily="18" charset="0"/>
+                <a:cs typeface="Times New Roman" pitchFamily="18" charset="0"/>
+              </a:rPr>
+              <a:t>intelligent </a:t>
+            </a:r>
+            <a:r>
+              <a:rPr lang="en-US" sz="3200" dirty="0" smtClean="0">
+                <a:solidFill>
+                  <a:schemeClr val="tx1"/>
+                </a:solidFill>
+                <a:latin typeface="Times New Roman" pitchFamily="18" charset="0"/>
+                <a:cs typeface="Times New Roman" pitchFamily="18" charset="0"/>
+              </a:rPr>
+              <a:t>computing.  </a:t>
+            </a:r>
+            <a:r>
+              <a:rPr lang="en-US" sz="3200" dirty="0" smtClean="0">
+                <a:solidFill>
+                  <a:schemeClr val="tx1"/>
+                </a:solidFill>
+                <a:latin typeface="Times New Roman" pitchFamily="18" charset="0"/>
+                <a:cs typeface="Times New Roman" pitchFamily="18" charset="0"/>
+              </a:rPr>
+              <a:t>Its </a:t>
+            </a:r>
+            <a:r>
+              <a:rPr lang="en-US" sz="3200" dirty="0" smtClean="0">
+                <a:solidFill>
+                  <a:schemeClr val="tx1"/>
+                </a:solidFill>
+                <a:latin typeface="Times New Roman" pitchFamily="18" charset="0"/>
+                <a:cs typeface="Times New Roman" pitchFamily="18" charset="0"/>
+              </a:rPr>
+              <a:t>significant </a:t>
+            </a:r>
+            <a:endParaRPr lang="en-US" sz="3200" dirty="0" smtClean="0">
+              <a:solidFill>
+                <a:schemeClr val="tx1"/>
+              </a:solidFill>
+              <a:latin typeface="Times New Roman" pitchFamily="18" charset="0"/>
+              <a:cs typeface="Times New Roman" pitchFamily="18" charset="0"/>
+            </a:endParaRPr>
+          </a:p>
+          <a:p>
+            <a:r>
+              <a:rPr lang="en-US" sz="3200" dirty="0" smtClean="0">
+                <a:solidFill>
+                  <a:schemeClr val="tx1"/>
+                </a:solidFill>
+                <a:latin typeface="Times New Roman" pitchFamily="18" charset="0"/>
+                <a:cs typeface="Times New Roman" pitchFamily="18" charset="0"/>
+              </a:rPr>
+              <a:t>feature </a:t>
+            </a:r>
+            <a:r>
+              <a:rPr lang="en-US" sz="3200" dirty="0" smtClean="0">
+                <a:solidFill>
+                  <a:schemeClr val="tx1"/>
+                </a:solidFill>
+                <a:latin typeface="Times New Roman" pitchFamily="18" charset="0"/>
+                <a:cs typeface="Times New Roman" pitchFamily="18" charset="0"/>
+              </a:rPr>
+              <a:t>is the simplicity and fast convergence </a:t>
+            </a:r>
+            <a:r>
+              <a:rPr lang="en-US" sz="3200" dirty="0" smtClean="0">
+                <a:solidFill>
+                  <a:schemeClr val="tx1"/>
+                </a:solidFill>
+                <a:latin typeface="Times New Roman" pitchFamily="18" charset="0"/>
+                <a:cs typeface="Times New Roman" pitchFamily="18" charset="0"/>
+              </a:rPr>
+              <a:t>speed. </a:t>
+            </a:r>
+            <a:r>
+              <a:rPr lang="en-US" sz="3200" dirty="0" smtClean="0">
+                <a:solidFill>
+                  <a:schemeClr val="tx1"/>
+                </a:solidFill>
+              </a:rPr>
+              <a:t>Even </a:t>
+            </a:r>
+            <a:r>
+              <a:rPr lang="en-US" sz="3200" dirty="0" smtClean="0">
+                <a:solidFill>
+                  <a:schemeClr val="tx1"/>
+                </a:solidFill>
+              </a:rPr>
+              <a:t>so, there are still certain limitations </a:t>
+            </a:r>
+            <a:endParaRPr lang="en-US" sz="3200" dirty="0" smtClean="0">
+              <a:solidFill>
+                <a:schemeClr val="tx1"/>
+              </a:solidFill>
+            </a:endParaRPr>
+          </a:p>
+          <a:p>
+            <a:r>
+              <a:rPr lang="en-US" sz="3200" dirty="0" smtClean="0">
+                <a:solidFill>
+                  <a:schemeClr val="tx1"/>
+                </a:solidFill>
+              </a:rPr>
+              <a:t>in </a:t>
+            </a:r>
+            <a:r>
+              <a:rPr lang="en-US" sz="3200" dirty="0" smtClean="0">
+                <a:solidFill>
+                  <a:schemeClr val="tx1"/>
+                </a:solidFill>
+              </a:rPr>
+              <a:t>current research on </a:t>
+            </a:r>
+            <a:r>
+              <a:rPr lang="en-US" sz="3200" dirty="0" err="1" smtClean="0">
+                <a:solidFill>
+                  <a:schemeClr val="tx1"/>
+                </a:solidFill>
+              </a:rPr>
+              <a:t>PSO</a:t>
+            </a:r>
+            <a:r>
+              <a:rPr lang="en-US" sz="3200" dirty="0" smtClean="0">
+                <a:solidFill>
+                  <a:schemeClr val="tx1"/>
+                </a:solidFill>
+              </a:rPr>
+              <a:t> usage in test data </a:t>
+            </a:r>
+            <a:r>
+              <a:rPr lang="en-US" sz="3200" dirty="0" smtClean="0">
+                <a:solidFill>
+                  <a:schemeClr val="tx1"/>
+                </a:solidFill>
+              </a:rPr>
+              <a:t>generation</a:t>
+            </a:r>
+            <a:r>
+              <a:rPr lang="en-US" sz="3200" dirty="0" smtClean="0">
+                <a:solidFill>
+                  <a:schemeClr val="tx1"/>
+                </a:solidFill>
+              </a:rPr>
+              <a:t>. For example, consider one program </a:t>
+            </a:r>
+            <a:endParaRPr lang="en-US" sz="3200" dirty="0" smtClean="0">
+              <a:solidFill>
+                <a:schemeClr val="tx1"/>
+              </a:solidFill>
+            </a:endParaRPr>
+          </a:p>
+          <a:p>
+            <a:r>
+              <a:rPr lang="en-US" sz="3200" dirty="0" smtClean="0">
+                <a:solidFill>
+                  <a:schemeClr val="tx1"/>
+                </a:solidFill>
+              </a:rPr>
+              <a:t>under </a:t>
+            </a:r>
+            <a:r>
+              <a:rPr lang="en-US" sz="3200" dirty="0" smtClean="0">
+                <a:solidFill>
+                  <a:schemeClr val="tx1"/>
+                </a:solidFill>
+              </a:rPr>
+              <a:t>test which was used in </a:t>
+            </a:r>
+            <a:r>
+              <a:rPr lang="en-US" sz="3200" dirty="0" smtClean="0">
+                <a:solidFill>
+                  <a:schemeClr val="tx1"/>
+                </a:solidFill>
+              </a:rPr>
+              <a:t>Mao’s </a:t>
+            </a:r>
+            <a:r>
+              <a:rPr lang="en-US" sz="3200" dirty="0" smtClean="0">
+                <a:solidFill>
+                  <a:schemeClr val="tx1"/>
+                </a:solidFill>
+              </a:rPr>
+              <a:t>paper </a:t>
+            </a:r>
+            <a:r>
+              <a:rPr lang="vi-VN" sz="3200" dirty="0" smtClean="0">
+                <a:solidFill>
+                  <a:schemeClr val="tx1"/>
+                </a:solidFill>
+              </a:rPr>
+              <a:t>[9] </a:t>
+            </a:r>
+            <a:r>
+              <a:rPr lang="en-US" sz="3200" dirty="0" smtClean="0">
+                <a:solidFill>
+                  <a:schemeClr val="tx1"/>
+                </a:solidFill>
+              </a:rPr>
+              <a:t>as below</a:t>
+            </a:r>
+            <a:r>
+              <a:rPr lang="en-US" sz="3200" dirty="0" smtClean="0">
+                <a:solidFill>
+                  <a:schemeClr val="tx1"/>
+                </a:solidFill>
+              </a:rPr>
+              <a:t>:</a:t>
+            </a:r>
+          </a:p>
+          <a:p>
+            <a:endParaRPr lang="en-US" sz="3200" dirty="0" smtClean="0">
+              <a:solidFill>
+                <a:schemeClr val="tx1"/>
+              </a:solidFill>
+            </a:endParaRPr>
+          </a:p>
+          <a:p>
+            <a:endParaRPr lang="en-US" sz="3200" dirty="0" smtClean="0">
+              <a:solidFill>
+                <a:schemeClr val="tx1"/>
+              </a:solidFill>
+            </a:endParaRPr>
+          </a:p>
+          <a:p>
+            <a:endParaRPr lang="en-US" sz="3200" dirty="0" smtClean="0">
+              <a:solidFill>
+                <a:schemeClr val="tx1"/>
+              </a:solidFill>
+            </a:endParaRPr>
+          </a:p>
+          <a:p>
+            <a:endParaRPr lang="en-US" sz="3200" dirty="0" smtClean="0">
+              <a:solidFill>
+                <a:schemeClr val="tx1"/>
+              </a:solidFill>
+            </a:endParaRPr>
+          </a:p>
+          <a:p>
+            <a:endParaRPr lang="en-US" sz="3200" dirty="0" smtClean="0">
+              <a:solidFill>
+                <a:schemeClr val="tx1"/>
+              </a:solidFill>
+            </a:endParaRPr>
+          </a:p>
+          <a:p>
+            <a:endParaRPr lang="en-US" sz="3200" dirty="0" smtClean="0">
+              <a:solidFill>
+                <a:schemeClr val="tx1"/>
+              </a:solidFill>
+            </a:endParaRPr>
+          </a:p>
+          <a:p>
+            <a:endParaRPr lang="en-US" sz="3200" dirty="0" smtClean="0">
+              <a:solidFill>
+                <a:schemeClr val="tx1"/>
+              </a:solidFill>
+            </a:endParaRPr>
+          </a:p>
+          <a:p>
+            <a:endParaRPr lang="en-US" sz="3200" dirty="0" smtClean="0">
+              <a:solidFill>
+                <a:schemeClr val="tx1"/>
+              </a:solidFill>
+            </a:endParaRPr>
+          </a:p>
+          <a:p>
+            <a:endParaRPr lang="en-US" sz="3200" dirty="0" smtClean="0">
+              <a:solidFill>
+                <a:schemeClr val="tx1"/>
+              </a:solidFill>
+            </a:endParaRPr>
+          </a:p>
+          <a:p>
+            <a:endParaRPr lang="en-US" sz="3200" dirty="0" smtClean="0">
+              <a:solidFill>
+                <a:schemeClr val="tx1"/>
+              </a:solidFill>
+            </a:endParaRPr>
+          </a:p>
+          <a:p>
+            <a:endParaRPr lang="en-US" sz="3200" dirty="0" smtClean="0">
+              <a:solidFill>
+                <a:schemeClr val="tx1"/>
+              </a:solidFill>
+            </a:endParaRPr>
+          </a:p>
+          <a:p>
+            <a:endParaRPr lang="en-US" sz="3200" dirty="0" smtClean="0">
+              <a:solidFill>
+                <a:schemeClr val="tx1"/>
+              </a:solidFill>
+            </a:endParaRPr>
+          </a:p>
+          <a:p>
+            <a:endParaRPr lang="en-US" sz="3200" dirty="0" smtClean="0">
+              <a:solidFill>
+                <a:schemeClr val="tx1"/>
+              </a:solidFill>
+            </a:endParaRPr>
+          </a:p>
+          <a:p>
+            <a:endParaRPr lang="en-US" sz="3200" dirty="0" smtClean="0">
+              <a:solidFill>
+                <a:schemeClr val="tx1"/>
+              </a:solidFill>
+            </a:endParaRPr>
+          </a:p>
+          <a:p>
+            <a:r>
+              <a:rPr lang="en-US" sz="3200" dirty="0" smtClean="0">
+                <a:solidFill>
+                  <a:schemeClr val="tx1"/>
+                </a:solidFill>
+              </a:rPr>
+              <a:t>Regarding </a:t>
+            </a:r>
+            <a:r>
+              <a:rPr lang="en-US" sz="3200" dirty="0" smtClean="0">
+                <a:solidFill>
+                  <a:schemeClr val="tx1"/>
+                </a:solidFill>
+              </a:rPr>
+              <a:t>this program under test, Mao [9] used </a:t>
+            </a:r>
+            <a:r>
+              <a:rPr lang="en-US" sz="3200" dirty="0" err="1" smtClean="0">
+                <a:solidFill>
+                  <a:schemeClr val="tx1"/>
+                </a:solidFill>
+              </a:rPr>
+              <a:t>PSO</a:t>
+            </a:r>
+            <a:r>
+              <a:rPr lang="en-US" sz="3200" dirty="0" smtClean="0">
+                <a:solidFill>
+                  <a:schemeClr val="tx1"/>
+                </a:solidFill>
+              </a:rPr>
+              <a:t> to generate test data through building the </a:t>
+            </a:r>
+            <a:endParaRPr lang="en-US" sz="3200" dirty="0" smtClean="0">
+              <a:solidFill>
+                <a:schemeClr val="tx1"/>
+              </a:solidFill>
+            </a:endParaRPr>
+          </a:p>
+          <a:p>
+            <a:r>
+              <a:rPr lang="en-US" sz="3200" dirty="0" smtClean="0">
+                <a:solidFill>
+                  <a:schemeClr val="tx1"/>
+                </a:solidFill>
+              </a:rPr>
+              <a:t>one and </a:t>
+            </a:r>
+            <a:r>
+              <a:rPr lang="en-US" sz="3200" dirty="0" smtClean="0">
+                <a:solidFill>
+                  <a:schemeClr val="tx1"/>
+                </a:solidFill>
+              </a:rPr>
+              <a:t>only fitness function which was the combination of </a:t>
+            </a:r>
+            <a:r>
+              <a:rPr lang="en-US" sz="3200" dirty="0" err="1" smtClean="0">
+                <a:solidFill>
+                  <a:schemeClr val="tx1"/>
+                </a:solidFill>
+              </a:rPr>
+              <a:t>Korel</a:t>
+            </a:r>
+            <a:r>
+              <a:rPr lang="en-US" sz="3200" dirty="0" smtClean="0">
+                <a:solidFill>
+                  <a:schemeClr val="tx1"/>
+                </a:solidFill>
+              </a:rPr>
+              <a:t> formula </a:t>
+            </a:r>
+            <a:r>
+              <a:rPr lang="vi-VN" sz="3200" dirty="0" smtClean="0">
+                <a:solidFill>
+                  <a:schemeClr val="tx1"/>
+                </a:solidFill>
+              </a:rPr>
+              <a:t>[10] </a:t>
+            </a:r>
+            <a:r>
+              <a:rPr lang="en-US" sz="3200" dirty="0" smtClean="0">
+                <a:solidFill>
+                  <a:schemeClr val="tx1"/>
+                </a:solidFill>
+              </a:rPr>
+              <a:t>and the branch </a:t>
+            </a:r>
+            <a:endParaRPr lang="en-US" sz="3200" dirty="0" smtClean="0">
+              <a:solidFill>
+                <a:schemeClr val="tx1"/>
+              </a:solidFill>
+            </a:endParaRPr>
+          </a:p>
+          <a:p>
+            <a:r>
+              <a:rPr lang="en-US" sz="3200" dirty="0" smtClean="0">
+                <a:solidFill>
+                  <a:schemeClr val="tx1"/>
+                </a:solidFill>
+              </a:rPr>
+              <a:t>weights</a:t>
+            </a:r>
+            <a:r>
+              <a:rPr lang="en-US" sz="3200" dirty="0" smtClean="0">
+                <a:solidFill>
+                  <a:schemeClr val="tx1"/>
+                </a:solidFill>
+              </a:rPr>
+              <a:t>. </a:t>
+            </a:r>
+            <a:r>
+              <a:rPr lang="en-US" sz="3200" dirty="0" smtClean="0">
+                <a:solidFill>
+                  <a:schemeClr val="tx1"/>
+                </a:solidFill>
+              </a:rPr>
+              <a:t>This </a:t>
+            </a:r>
+            <a:r>
+              <a:rPr lang="en-US" sz="3200" dirty="0" smtClean="0">
+                <a:solidFill>
+                  <a:schemeClr val="tx1"/>
+                </a:solidFill>
+              </a:rPr>
+              <a:t>proposal has two weaknesses: the branch weight function being entirely </a:t>
+            </a:r>
+            <a:endParaRPr lang="en-US" sz="3200" dirty="0" smtClean="0">
+              <a:solidFill>
+                <a:schemeClr val="tx1"/>
+              </a:solidFill>
+            </a:endParaRPr>
+          </a:p>
+          <a:p>
+            <a:r>
+              <a:rPr lang="en-US" sz="3200" dirty="0" smtClean="0">
+                <a:solidFill>
+                  <a:schemeClr val="tx1"/>
+                </a:solidFill>
+              </a:rPr>
+              <a:t>performed </a:t>
+            </a:r>
+            <a:r>
+              <a:rPr lang="en-US" sz="3200" dirty="0" smtClean="0">
+                <a:solidFill>
+                  <a:schemeClr val="tx1"/>
+                </a:solidFill>
+              </a:rPr>
+              <a:t>manually </a:t>
+            </a:r>
+            <a:r>
+              <a:rPr lang="en-US" sz="3200" dirty="0" smtClean="0">
+                <a:solidFill>
+                  <a:schemeClr val="tx1"/>
+                </a:solidFill>
+              </a:rPr>
+              <a:t>and </a:t>
+            </a:r>
+            <a:r>
+              <a:rPr lang="en-US" sz="3200" dirty="0" smtClean="0">
+                <a:solidFill>
+                  <a:schemeClr val="tx1"/>
+                </a:solidFill>
+              </a:rPr>
+              <a:t>some </a:t>
+            </a:r>
+            <a:r>
+              <a:rPr lang="en-US" sz="3200" dirty="0" err="1" smtClean="0">
+                <a:solidFill>
+                  <a:schemeClr val="tx1"/>
+                </a:solidFill>
+              </a:rPr>
+              <a:t>PUTs</a:t>
+            </a:r>
+            <a:r>
+              <a:rPr lang="en-US" sz="3200" dirty="0" smtClean="0">
+                <a:solidFill>
+                  <a:schemeClr val="tx1"/>
+                </a:solidFill>
+              </a:rPr>
+              <a:t> not being able to generate test data to cover all test paths. </a:t>
+            </a:r>
+            <a:endParaRPr lang="en-US" sz="3200" dirty="0" smtClean="0">
+              <a:solidFill>
+                <a:schemeClr val="tx1"/>
+              </a:solidFill>
+            </a:endParaRPr>
+          </a:p>
+          <a:p>
+            <a:r>
+              <a:rPr lang="en-US" sz="3200" dirty="0" smtClean="0">
+                <a:solidFill>
+                  <a:schemeClr val="tx1"/>
+                </a:solidFill>
+              </a:rPr>
+              <a:t>To </a:t>
+            </a:r>
+            <a:r>
+              <a:rPr lang="en-US" sz="3200" dirty="0" smtClean="0">
+                <a:solidFill>
+                  <a:schemeClr val="tx1"/>
+                </a:solidFill>
+              </a:rPr>
+              <a:t>overcome these </a:t>
+            </a:r>
+            <a:r>
+              <a:rPr lang="en-US" sz="3200" dirty="0" smtClean="0">
+                <a:solidFill>
+                  <a:schemeClr val="tx1"/>
+                </a:solidFill>
+              </a:rPr>
+              <a:t>weaknesses</a:t>
+            </a:r>
+            <a:r>
+              <a:rPr lang="en-US" sz="3200" dirty="0" smtClean="0">
+                <a:solidFill>
+                  <a:schemeClr val="tx1"/>
+                </a:solidFill>
+              </a:rPr>
+              <a:t>, we still use </a:t>
+            </a:r>
+            <a:r>
+              <a:rPr lang="en-US" sz="3200" dirty="0" err="1" smtClean="0">
+                <a:solidFill>
+                  <a:schemeClr val="tx1"/>
+                </a:solidFill>
+              </a:rPr>
+              <a:t>PSO</a:t>
+            </a:r>
+            <a:r>
+              <a:rPr lang="en-US" sz="3200" dirty="0" smtClean="0">
+                <a:solidFill>
+                  <a:schemeClr val="tx1"/>
+                </a:solidFill>
+              </a:rPr>
+              <a:t> to generate test data for the given PUT. </a:t>
+            </a:r>
+            <a:endParaRPr lang="en-US" sz="3200" dirty="0" smtClean="0">
+              <a:solidFill>
+                <a:schemeClr val="tx1"/>
+              </a:solidFill>
+            </a:endParaRPr>
+          </a:p>
+          <a:p>
+            <a:r>
+              <a:rPr lang="en-US" sz="3200" dirty="0" smtClean="0">
+                <a:solidFill>
+                  <a:schemeClr val="tx1"/>
+                </a:solidFill>
+              </a:rPr>
+              <a:t>However</a:t>
+            </a:r>
+            <a:r>
+              <a:rPr lang="en-US" sz="3200" dirty="0" smtClean="0">
+                <a:solidFill>
+                  <a:schemeClr val="tx1"/>
+                </a:solidFill>
+              </a:rPr>
+              <a:t>, unlike Mao, </a:t>
+            </a:r>
+            <a:r>
+              <a:rPr lang="en-US" sz="3200" dirty="0" smtClean="0">
+                <a:solidFill>
+                  <a:schemeClr val="tx1"/>
+                </a:solidFill>
+              </a:rPr>
+              <a:t>our </a:t>
+            </a:r>
+            <a:r>
+              <a:rPr lang="en-US" sz="3200" dirty="0" smtClean="0">
+                <a:solidFill>
+                  <a:schemeClr val="tx1"/>
+                </a:solidFill>
+              </a:rPr>
+              <a:t>approach is to assign one fitness function for each test path. Then we </a:t>
+            </a:r>
+            <a:endParaRPr lang="en-US" sz="3200" dirty="0" smtClean="0">
+              <a:solidFill>
+                <a:schemeClr val="tx1"/>
+              </a:solidFill>
+            </a:endParaRPr>
+          </a:p>
+          <a:p>
+            <a:r>
+              <a:rPr lang="en-US" sz="3200" dirty="0" smtClean="0">
+                <a:solidFill>
+                  <a:schemeClr val="tx1"/>
+                </a:solidFill>
+              </a:rPr>
+              <a:t>will </a:t>
+            </a:r>
+            <a:r>
+              <a:rPr lang="en-US" sz="3200" dirty="0" smtClean="0">
+                <a:solidFill>
+                  <a:schemeClr val="tx1"/>
+                </a:solidFill>
+              </a:rPr>
+              <a:t>use </a:t>
+            </a:r>
+            <a:r>
+              <a:rPr lang="en-US" sz="3200" dirty="0" err="1" smtClean="0">
+                <a:solidFill>
+                  <a:schemeClr val="tx1"/>
+                </a:solidFill>
+              </a:rPr>
+              <a:t>PPSO</a:t>
+            </a:r>
+            <a:r>
+              <a:rPr lang="en-US" sz="3200" dirty="0" smtClean="0">
+                <a:solidFill>
+                  <a:schemeClr val="tx1"/>
+                </a:solidFill>
+              </a:rPr>
+              <a:t> to find </a:t>
+            </a:r>
+            <a:r>
+              <a:rPr lang="en-US" sz="3200" dirty="0" smtClean="0">
+                <a:solidFill>
+                  <a:schemeClr val="tx1"/>
+                </a:solidFill>
+              </a:rPr>
+              <a:t>simultaneously </a:t>
+            </a:r>
+            <a:r>
+              <a:rPr lang="en-US" sz="3200" dirty="0" smtClean="0">
+                <a:solidFill>
+                  <a:schemeClr val="tx1"/>
+                </a:solidFill>
+              </a:rPr>
+              <a:t>the solution corresponding to this fitness function, which </a:t>
+            </a:r>
+            <a:endParaRPr lang="en-US" sz="3200" dirty="0" smtClean="0">
+              <a:solidFill>
+                <a:schemeClr val="tx1"/>
+              </a:solidFill>
+            </a:endParaRPr>
+          </a:p>
+          <a:p>
+            <a:r>
+              <a:rPr lang="en-US" sz="3200" dirty="0" smtClean="0">
+                <a:solidFill>
+                  <a:schemeClr val="tx1"/>
+                </a:solidFill>
+              </a:rPr>
+              <a:t>is </a:t>
+            </a:r>
+            <a:r>
+              <a:rPr lang="en-US" sz="3200" dirty="0" smtClean="0">
+                <a:solidFill>
+                  <a:schemeClr val="tx1"/>
+                </a:solidFill>
+              </a:rPr>
+              <a:t>also the one being able </a:t>
+            </a:r>
+            <a:r>
+              <a:rPr lang="en-US" sz="3200" dirty="0" smtClean="0">
+                <a:solidFill>
+                  <a:schemeClr val="tx1"/>
+                </a:solidFill>
+              </a:rPr>
+              <a:t>to </a:t>
+            </a:r>
+            <a:r>
+              <a:rPr lang="en-US" sz="3200" dirty="0" smtClean="0">
+                <a:solidFill>
+                  <a:schemeClr val="tx1"/>
+                </a:solidFill>
+              </a:rPr>
+              <a:t>generate test data for this test path.</a:t>
+            </a:r>
+          </a:p>
+          <a:p>
+            <a:endParaRPr lang="en-US" sz="3200" dirty="0" smtClean="0">
+              <a:solidFill>
+                <a:schemeClr val="tx1"/>
+              </a:solidFill>
+            </a:endParaRPr>
+          </a:p>
+          <a:p>
+            <a:endParaRPr lang="en-US" sz="3200" dirty="0" smtClean="0">
+              <a:solidFill>
+                <a:schemeClr val="tx1"/>
+              </a:solidFill>
+              <a:latin typeface="Times New Roman" pitchFamily="18" charset="0"/>
+              <a:cs typeface="Times New Roman" pitchFamily="18" charset="0"/>
+            </a:endParaRPr>
+          </a:p>
+          <a:p>
+            <a:endParaRPr lang="en-US" sz="3200" dirty="0">
+              <a:solidFill>
+                <a:schemeClr val="tx1"/>
+              </a:solidFill>
               <a:latin typeface="Times New Roman" pitchFamily="18" charset="0"/>
               <a:cs typeface="Times New Roman" pitchFamily="18" charset="0"/>
             </a:endParaRPr>
@@ -3083,7 +4158,7 @@
           <a:effectLst/>
           <a:extLst>
             <a:ext uri="{91240B29-F687-4F45-9708-019B960494DF}">
-              <a14:hiddenLine xmlns:a14="http://schemas.microsoft.com/office/drawing/2010/main" w="9525" cap="flat" cmpd="sng" algn="ctr">
+              <a14:hiddenLine xmlns="" xmlns:a14="http://schemas.microsoft.com/office/drawing/2010/main" w="9525" cap="flat" cmpd="sng" algn="ctr">
                 <a:solidFill>
                   <a:schemeClr val="tx1"/>
                 </a:solidFill>
@@ -3094,7 +4169,7 @@
               </a14:hiddenLine>
             </a:ext>
             <a:ext uri="{AF507438-7753-43E0-B8FC-AC1667EBCBE1}">
-              <a14:hiddenEffects xmlns:a14="http://schemas.microsoft.com/office/drawing/2010/main">
+              <a14:hiddenEffects xmlns="" xmlns:a14="http://schemas.microsoft.com/office/drawing/2010/main">
                 <a:effectLst>
                   <a:outerShdw dist="35921" dir="2700000" algn="ctr" rotWithShape="0">
                     <a:schemeClr val="bg2"/>
@@ -3205,10 +4280,10 @@
           <p:nvPr/>
         </p:nvPicPr>
         <p:blipFill>
-          <a:blip r:embed="rId3">
+          <a:blip r:embed="rId3" cstate="print">
             <a:extLst>
               <a:ext uri="{28A0092B-C50C-407E-A947-70E740481C1C}">
-                <a14:useLocalDpi xmlns:a14="http://schemas.microsoft.com/office/drawing/2010/main" val="0"/>
+                <a14:useLocalDpi xmlns="" xmlns:a14="http://schemas.microsoft.com/office/drawing/2010/main" val="0"/>
               </a:ext>
             </a:extLst>
           </a:blip>
@@ -3277,7 +4352,7 @@
             <a:lstStyle/>
             <a:p>
               <a:r>
-                <a:rPr lang="en-US" dirty="0">
+                <a:rPr lang="en-US" sz="3000" dirty="0">
                   <a:solidFill>
                     <a:schemeClr val="tx1"/>
                   </a:solidFill>
@@ -3289,7 +4364,7 @@
             </a:p>
             <a:p>
               <a:r>
-                <a:rPr lang="en-US" dirty="0">
+                <a:rPr lang="en-US" sz="3000" dirty="0">
                   <a:solidFill>
                     <a:schemeClr val="tx1"/>
                   </a:solidFill>
@@ -3299,7 +4374,7 @@
                 <a:t>investigations particle swarm optimization (</a:t>
               </a:r>
               <a:r>
-                <a:rPr lang="en-US" dirty="0" err="1">
+                <a:rPr lang="en-US" sz="3000" dirty="0" err="1">
                   <a:solidFill>
                     <a:schemeClr val="tx1"/>
                   </a:solidFill>
@@ -3309,7 +4384,7 @@
                 <a:t>PSO</a:t>
               </a:r>
               <a:r>
-                <a:rPr lang="en-US" dirty="0">
+                <a:rPr lang="en-US" sz="3000" dirty="0">
                   <a:solidFill>
                     <a:schemeClr val="tx1"/>
                   </a:solidFill>
@@ -3319,7 +4394,7 @@
                 <a:t>), an alternative </a:t>
               </a:r>
               <a:r>
-                <a:rPr lang="en-US" dirty="0" smtClean="0">
+                <a:rPr lang="en-US" sz="3000" dirty="0" smtClean="0">
                   <a:solidFill>
                     <a:schemeClr val="tx1"/>
                   </a:solidFill>
@@ -3329,7 +4404,7 @@
                 <a:t>search technique</a:t>
               </a:r>
               <a:r>
-                <a:rPr lang="en-US" dirty="0">
+                <a:rPr lang="en-US" sz="3000" dirty="0">
                   <a:solidFill>
                     <a:schemeClr val="tx1"/>
                   </a:solidFill>
@@ -3338,7 +4413,7 @@
                 </a:rPr>
                 <a:t>, often outperformed other meta-heuristic search techniques </a:t>
               </a:r>
-              <a:endParaRPr lang="en-US" dirty="0" smtClean="0">
+              <a:endParaRPr lang="en-US" sz="3000" dirty="0" smtClean="0">
                 <a:solidFill>
                   <a:schemeClr val="tx1"/>
                 </a:solidFill>
@@ -3348,7 +4423,7 @@
             </a:p>
             <a:p>
               <a:r>
-                <a:rPr lang="en-US" dirty="0" smtClean="0">
+                <a:rPr lang="en-US" sz="3000" dirty="0" smtClean="0">
                   <a:solidFill>
                     <a:schemeClr val="tx1"/>
                   </a:solidFill>
@@ -3358,7 +4433,7 @@
                 <a:t>when applied </a:t>
               </a:r>
               <a:r>
-                <a:rPr lang="en-US" dirty="0">
+                <a:rPr lang="en-US" sz="3000" dirty="0">
                   <a:solidFill>
                     <a:schemeClr val="tx1"/>
                   </a:solidFill>
@@ -3368,7 +4443,7 @@
                 <a:t>to various problems. This paper proposes the approach of </a:t>
               </a:r>
               <a:r>
-                <a:rPr lang="en-US" dirty="0" smtClean="0">
+                <a:rPr lang="en-US" sz="3000" dirty="0" smtClean="0">
                   <a:solidFill>
                     <a:schemeClr val="tx1"/>
                   </a:solidFill>
@@ -3378,7 +4453,7 @@
                 <a:t>combination of </a:t>
               </a:r>
               <a:r>
-                <a:rPr lang="en-US" dirty="0">
+                <a:rPr lang="en-US" sz="3000" dirty="0">
                   <a:solidFill>
                     <a:schemeClr val="tx1"/>
                   </a:solidFill>
@@ -3387,7 +4462,7 @@
                 </a:rPr>
                 <a:t>static analysis program and Parallel Particle Swarm </a:t>
               </a:r>
-              <a:endParaRPr lang="en-US" dirty="0" smtClean="0">
+              <a:endParaRPr lang="en-US" sz="3000" dirty="0" smtClean="0">
                 <a:solidFill>
                   <a:schemeClr val="tx1"/>
                 </a:solidFill>
@@ -3397,7 +4472,7 @@
             </a:p>
             <a:p>
               <a:r>
-                <a:rPr lang="en-US" dirty="0" smtClean="0">
+                <a:rPr lang="en-US" sz="3000" dirty="0" smtClean="0">
                   <a:solidFill>
                     <a:schemeClr val="tx1"/>
                   </a:solidFill>
@@ -3407,7 +4482,7 @@
                 <a:t>Optimization </a:t>
               </a:r>
               <a:r>
-                <a:rPr lang="en-US" dirty="0">
+                <a:rPr lang="en-US" sz="3000" dirty="0">
                   <a:solidFill>
                     <a:schemeClr val="tx1"/>
                   </a:solidFill>
@@ -3417,7 +4492,7 @@
                 <a:t>(</a:t>
               </a:r>
               <a:r>
-                <a:rPr lang="en-US" dirty="0" err="1">
+                <a:rPr lang="en-US" sz="3000" dirty="0" err="1">
                   <a:solidFill>
                     <a:schemeClr val="tx1"/>
                   </a:solidFill>
@@ -3427,7 +4502,7 @@
                 <a:t>PPSO</a:t>
               </a:r>
               <a:r>
-                <a:rPr lang="en-US" dirty="0">
+                <a:rPr lang="en-US" sz="3000" dirty="0">
                   <a:solidFill>
                     <a:schemeClr val="tx1"/>
                   </a:solidFill>
@@ -3437,7 +4512,7 @@
                 <a:t>) </a:t>
               </a:r>
               <a:r>
-                <a:rPr lang="en-US" dirty="0" smtClean="0">
+                <a:rPr lang="en-US" sz="3000" dirty="0" smtClean="0">
                   <a:solidFill>
                     <a:schemeClr val="tx1"/>
                   </a:solidFill>
@@ -3447,7 +4522,7 @@
                 <a:t>in order </a:t>
               </a:r>
               <a:r>
-                <a:rPr lang="en-US" dirty="0">
+                <a:rPr lang="en-US" sz="3000" dirty="0">
                   <a:solidFill>
                     <a:schemeClr val="tx1"/>
                   </a:solidFill>
@@ -3457,7 +4532,7 @@
                 <a:t>to generate test data simultaneously for each test path of the </a:t>
               </a:r>
               <a:r>
-                <a:rPr lang="en-US" dirty="0" smtClean="0">
+                <a:rPr lang="en-US" sz="3000" dirty="0" smtClean="0">
                   <a:solidFill>
                     <a:schemeClr val="tx1"/>
                   </a:solidFill>
@@ -3467,7 +4542,7 @@
                 <a:t>given program </a:t>
               </a:r>
               <a:r>
-                <a:rPr lang="en-US" dirty="0">
+                <a:rPr lang="en-US" sz="3000" dirty="0">
                   <a:solidFill>
                     <a:schemeClr val="tx1"/>
                   </a:solidFill>
@@ -3476,7 +4551,7 @@
                 </a:rPr>
                 <a:t>under test (PUT). The proposed </a:t>
               </a:r>
-              <a:endParaRPr lang="en-US" dirty="0" smtClean="0">
+              <a:endParaRPr lang="en-US" sz="3000" dirty="0" smtClean="0">
                 <a:solidFill>
                   <a:schemeClr val="tx1"/>
                 </a:solidFill>
@@ -3486,7 +4561,7 @@
             </a:p>
             <a:p>
               <a:r>
-                <a:rPr lang="en-US" dirty="0" smtClean="0">
+                <a:rPr lang="en-US" sz="3000" dirty="0" smtClean="0">
                   <a:solidFill>
                     <a:schemeClr val="tx1"/>
                   </a:solidFill>
@@ -3496,7 +4571,7 @@
                 <a:t>approach </a:t>
               </a:r>
               <a:r>
-                <a:rPr lang="en-US" dirty="0">
+                <a:rPr lang="en-US" sz="3000" dirty="0">
                   <a:solidFill>
                     <a:schemeClr val="tx1"/>
                   </a:solidFill>
@@ -3506,7 +4581,7 @@
                 <a:t>is also applied to some </a:t>
               </a:r>
               <a:r>
-                <a:rPr lang="en-US" dirty="0" err="1" smtClean="0">
+                <a:rPr lang="en-US" sz="3000" dirty="0" err="1" smtClean="0">
                   <a:solidFill>
                     <a:schemeClr val="tx1"/>
                   </a:solidFill>
@@ -3516,7 +4591,7 @@
                 <a:t>PUTs</a:t>
               </a:r>
               <a:r>
-                <a:rPr lang="en-US" dirty="0" smtClean="0">
+                <a:rPr lang="en-US" sz="3000" dirty="0" smtClean="0">
                   <a:solidFill>
                     <a:schemeClr val="tx1"/>
                   </a:solidFill>
@@ -3526,7 +4601,7 @@
                 <a:t> of </a:t>
               </a:r>
               <a:r>
-                <a:rPr lang="en-US" dirty="0">
+                <a:rPr lang="en-US" sz="3000" dirty="0">
                   <a:solidFill>
                     <a:schemeClr val="tx1"/>
                   </a:solidFill>
@@ -3536,7 +4611,7 @@
                 <a:t>the given benchmark. Experimental results demonstrate that the </a:t>
               </a:r>
               <a:r>
-                <a:rPr lang="en-US" dirty="0" smtClean="0">
+                <a:rPr lang="en-US" sz="3000" dirty="0" smtClean="0">
                   <a:solidFill>
                     <a:schemeClr val="tx1"/>
                   </a:solidFill>
@@ -3546,7 +4621,7 @@
                 <a:t>proposed </a:t>
               </a:r>
               <a:r>
-                <a:rPr lang="en-US" dirty="0" err="1" smtClean="0">
+                <a:rPr lang="en-US" sz="3000" dirty="0" err="1" smtClean="0">
                   <a:solidFill>
                     <a:schemeClr val="tx1"/>
                   </a:solidFill>
@@ -3556,7 +4631,7 @@
                 <a:t>PPSO</a:t>
               </a:r>
               <a:r>
-                <a:rPr lang="en-US" dirty="0" smtClean="0">
+                <a:rPr lang="en-US" sz="3000" dirty="0" smtClean="0">
                   <a:solidFill>
                     <a:schemeClr val="tx1"/>
                   </a:solidFill>
@@ -3566,7 +4641,7 @@
                 <a:t> </a:t>
               </a:r>
               <a:r>
-                <a:rPr lang="en-US" dirty="0">
+                <a:rPr lang="en-US" sz="3000" dirty="0">
                   <a:solidFill>
                     <a:schemeClr val="tx1"/>
                   </a:solidFill>
@@ -3575,7 +4650,7 @@
                 </a:rPr>
                 <a:t>which can </a:t>
               </a:r>
-              <a:endParaRPr lang="en-US" dirty="0" smtClean="0">
+              <a:endParaRPr lang="en-US" sz="3000" dirty="0" smtClean="0">
                 <a:solidFill>
                   <a:schemeClr val="tx1"/>
                 </a:solidFill>
@@ -3585,7 +4660,7 @@
             </a:p>
             <a:p>
               <a:r>
-                <a:rPr lang="en-US" dirty="0" smtClean="0">
+                <a:rPr lang="en-US" sz="3000" dirty="0" smtClean="0">
                   <a:solidFill>
                     <a:schemeClr val="tx1"/>
                   </a:solidFill>
@@ -3595,7 +4670,7 @@
                 <a:t>automatically </a:t>
               </a:r>
               <a:r>
-                <a:rPr lang="en-US" dirty="0">
+                <a:rPr lang="en-US" sz="3000" dirty="0">
                   <a:solidFill>
                     <a:schemeClr val="tx1"/>
                   </a:solidFill>
@@ -3605,7 +4680,7 @@
                 <a:t>generate suitable test data has higher </a:t>
               </a:r>
               <a:r>
-                <a:rPr lang="en-US" dirty="0" smtClean="0">
+                <a:rPr lang="en-US" sz="3000" dirty="0" smtClean="0">
                   <a:solidFill>
                     <a:schemeClr val="tx1"/>
                   </a:solidFill>
@@ -3615,7 +4690,7 @@
                 <a:t>structural code </a:t>
               </a:r>
               <a:r>
-                <a:rPr lang="en-US" dirty="0">
+                <a:rPr lang="en-US" sz="3000" dirty="0">
                   <a:solidFill>
                     <a:schemeClr val="tx1"/>
                   </a:solidFill>
@@ -3625,7 +4700,7 @@
                 <a:t>coverage than the previous one</a:t>
               </a:r>
               <a:r>
-                <a:rPr lang="en-US" dirty="0" smtClean="0">
+                <a:rPr lang="en-US" sz="3000" dirty="0" smtClean="0">
                   <a:solidFill>
                     <a:schemeClr val="tx1"/>
                   </a:solidFill>
@@ -3634,7 +4709,7 @@
                 </a:rPr>
                 <a:t>.</a:t>
               </a:r>
-              <a:endParaRPr lang="en-US" dirty="0">
+              <a:endParaRPr lang="en-US" sz="3000" dirty="0">
                 <a:solidFill>
                   <a:schemeClr val="tx1"/>
                 </a:solidFill>
@@ -3654,7 +4729,7 @@
           </p:nvSpPr>
           <p:spPr bwMode="auto">
             <a:xfrm>
-              <a:off x="13977143" y="6641652"/>
+              <a:off x="13308806" y="6641652"/>
               <a:ext cx="3376638" cy="861775"/>
             </a:xfrm>
             <a:prstGeom prst="rect">
@@ -3827,8 +4902,8 @@
         </p:nvSpPr>
         <p:spPr bwMode="auto">
           <a:xfrm>
-            <a:off x="7878107" y="29242314"/>
-            <a:ext cx="6201892" cy="861774"/>
+            <a:off x="7878106" y="29326681"/>
+            <a:ext cx="6802299" cy="861774"/>
           </a:xfrm>
           <a:prstGeom prst="rect">
             <a:avLst/>
@@ -3980,7 +5055,7 @@
                 <a:latin typeface="Times New Roman" pitchFamily="18" charset="0"/>
                 <a:cs typeface="Times New Roman" pitchFamily="18" charset="0"/>
               </a:rPr>
-              <a:t>Results</a:t>
+              <a:t>Experimental Results</a:t>
             </a:r>
             <a:endParaRPr lang="en-US" dirty="0">
               <a:latin typeface="Times New Roman" pitchFamily="18" charset="0"/>
@@ -3998,9 +5073,9 @@
         <p:grpSpPr>
           <a:xfrm>
             <a:off x="16222805" y="10276681"/>
-            <a:ext cx="13609890" cy="18748260"/>
+            <a:ext cx="13609890" cy="18608886"/>
             <a:chOff x="16307816" y="10816411"/>
-            <a:chExt cx="13609890" cy="18208530"/>
+            <a:chExt cx="13609890" cy="18073169"/>
           </a:xfrm>
         </p:grpSpPr>
         <p:sp>
@@ -4011,8 +5086,8 @@
           </p:nvSpPr>
           <p:spPr bwMode="auto">
             <a:xfrm>
-              <a:off x="16307816" y="11395811"/>
-              <a:ext cx="13609890" cy="17629130"/>
+              <a:off x="16307816" y="11260449"/>
+              <a:ext cx="13609890" cy="17629131"/>
             </a:xfrm>
             <a:prstGeom prst="roundRect">
               <a:avLst>
@@ -4278,7 +5353,7 @@
         </p:nvSpPr>
         <p:spPr bwMode="auto">
           <a:xfrm>
-            <a:off x="24054680" y="29178961"/>
+            <a:off x="24054680" y="29379307"/>
             <a:ext cx="4476786" cy="861774"/>
           </a:xfrm>
           <a:prstGeom prst="rect">
@@ -4465,7 +5540,11 @@
             <a:pPr algn="r"/>
             <a:r>
               <a:rPr lang="en-US" dirty="0" smtClean="0"/>
-              <a:t>Advisor: Assoc. Prof. Tran Van A </a:t>
+              <a:t>Advisor: Assoc. Prof. Nguyen Viet Ha, Dr. Vo Dinh </a:t>
+            </a:r>
+            <a:r>
+              <a:rPr lang="en-US" dirty="0" err="1" smtClean="0"/>
+              <a:t>Hieu</a:t>
             </a:r>
             <a:endParaRPr lang="en-US" dirty="0"/>
           </a:p>
@@ -4503,7 +5582,7 @@
         </p:nvSpPr>
         <p:spPr bwMode="auto">
           <a:xfrm>
-            <a:off x="4320367" y="10505281"/>
+            <a:off x="4320367" y="10276681"/>
             <a:ext cx="7633060" cy="887318"/>
           </a:xfrm>
           <a:prstGeom prst="rect">
@@ -4703,14 +5782,14 @@
           <p:nvPr>
             <p:extLst>
               <p:ext uri="{D42A27DB-BD31-4B8C-83A1-F6EECF244321}">
-                <p14:modId xmlns:p14="http://schemas.microsoft.com/office/powerpoint/2010/main" val="530008643"/>
+                <p14:modId xmlns="" xmlns:p14="http://schemas.microsoft.com/office/powerpoint/2010/main" val="530008643"/>
               </p:ext>
             </p:extLst>
           </p:nvPr>
         </p:nvGraphicFramePr>
         <p:xfrm>
           <a:off x="21690806" y="17744281"/>
-          <a:ext cx="8046190" cy="2586130"/>
+          <a:ext cx="8046190" cy="2644993"/>
         </p:xfrm>
         <a:graphic>
           <a:graphicData uri="http://schemas.openxmlformats.org/drawingml/2006/table">
@@ -5612,7 +6691,7 @@
           <p:nvPr>
             <p:extLst>
               <p:ext uri="{D42A27DB-BD31-4B8C-83A1-F6EECF244321}">
-                <p14:modId xmlns:p14="http://schemas.microsoft.com/office/powerpoint/2010/main" val="4268827792"/>
+                <p14:modId xmlns="" xmlns:p14="http://schemas.microsoft.com/office/powerpoint/2010/main" val="4268827792"/>
               </p:ext>
             </p:extLst>
           </p:nvPr>
@@ -7322,7 +8401,7 @@
           <p:nvPr>
             <p:extLst>
               <p:ext uri="{D42A27DB-BD31-4B8C-83A1-F6EECF244321}">
-                <p14:modId xmlns:p14="http://schemas.microsoft.com/office/powerpoint/2010/main" val="3678231842"/>
+                <p14:modId xmlns="" xmlns:p14="http://schemas.microsoft.com/office/powerpoint/2010/main" val="3678231842"/>
               </p:ext>
             </p:extLst>
           </p:nvPr>
@@ -8069,7 +9148,7 @@
           <p:nvPr>
             <p:extLst>
               <p:ext uri="{D42A27DB-BD31-4B8C-83A1-F6EECF244321}">
-                <p14:modId xmlns:p14="http://schemas.microsoft.com/office/powerpoint/2010/main" val="1907271222"/>
+                <p14:modId xmlns="" xmlns:p14="http://schemas.microsoft.com/office/powerpoint/2010/main" val="1907271222"/>
               </p:ext>
             </p:extLst>
           </p:nvPr>
@@ -8721,7 +9800,7 @@
         </p:nvSpPr>
         <p:spPr>
           <a:xfrm>
-            <a:off x="16517804" y="20460186"/>
+            <a:off x="16517804" y="20536386"/>
             <a:ext cx="5019004" cy="1246495"/>
           </a:xfrm>
           <a:prstGeom prst="rect">
@@ -8763,27 +9842,7 @@
                 <a:latin typeface="Times New Roman" panose="02020603050405020304" pitchFamily="18" charset="0"/>
                 <a:cs typeface="Times New Roman" panose="02020603050405020304" pitchFamily="18" charset="0"/>
               </a:rPr>
-              <a:t> </a:t>
-            </a:r>
-            <a:r>
-              <a:rPr lang="en-US" sz="2500" dirty="0" err="1" smtClean="0">
-                <a:solidFill>
-                  <a:schemeClr val="tx1"/>
-                </a:solidFill>
-                <a:latin typeface="Times New Roman" panose="02020603050405020304" pitchFamily="18" charset="0"/>
-                <a:cs typeface="Times New Roman" panose="02020603050405020304" pitchFamily="18" charset="0"/>
-              </a:rPr>
-              <a:t>fomular</a:t>
-            </a:r>
-            <a:r>
-              <a:rPr lang="en-US" sz="2500" dirty="0" smtClean="0">
-                <a:solidFill>
-                  <a:schemeClr val="tx1"/>
-                </a:solidFill>
-                <a:latin typeface="Times New Roman" panose="02020603050405020304" pitchFamily="18" charset="0"/>
-                <a:cs typeface="Times New Roman" panose="02020603050405020304" pitchFamily="18" charset="0"/>
-              </a:rPr>
-              <a:t>, generate fitness function </a:t>
+              <a:t> formula, generate fitness function </a:t>
             </a:r>
             <a:r>
               <a:rPr lang="en-US" sz="2500" i="1" dirty="0" smtClean="0">
@@ -9055,10 +10114,646 @@
           </a:p>
         </p:txBody>
       </p:sp>
+      <p:sp>
+        <p:nvSpPr>
+          <p:cNvPr id="34" name="TextBox 33"/>
+          <p:cNvSpPr txBox="1"/>
+          <p:nvPr/>
+        </p:nvSpPr>
+        <p:spPr>
+          <a:xfrm>
+            <a:off x="888206" y="16824464"/>
+            <a:ext cx="9982200" cy="6863417"/>
+          </a:xfrm>
+          <a:prstGeom prst="rect">
+            <a:avLst/>
+          </a:prstGeom>
+          <a:noFill/>
+        </p:spPr>
+        <p:txBody>
+          <a:bodyPr wrap="square" rtlCol="0">
+            <a:spAutoFit/>
+          </a:bodyPr>
+          <a:lstStyle/>
+          <a:p>
+            <a:r>
+              <a:rPr lang="en-US" sz="2200" dirty="0" err="1" smtClean="0">
+                <a:solidFill>
+                  <a:schemeClr val="tx1"/>
+                </a:solidFill>
+                <a:latin typeface="Courier" pitchFamily="49" charset="0"/>
+              </a:rPr>
+              <a:t>int</a:t>
+            </a:r>
+            <a:r>
+              <a:rPr lang="en-US" sz="2200" dirty="0" smtClean="0">
+                <a:solidFill>
+                  <a:schemeClr val="tx1"/>
+                </a:solidFill>
+                <a:latin typeface="Courier" pitchFamily="49" charset="0"/>
+              </a:rPr>
+              <a:t> </a:t>
+            </a:r>
+            <a:r>
+              <a:rPr lang="en-US" sz="2200" dirty="0" err="1" smtClean="0">
+                <a:solidFill>
+                  <a:schemeClr val="tx1"/>
+                </a:solidFill>
+                <a:latin typeface="Courier" pitchFamily="49" charset="0"/>
+              </a:rPr>
+              <a:t>getDayNum</a:t>
+            </a:r>
+            <a:r>
+              <a:rPr lang="en-US" sz="2200" dirty="0" smtClean="0">
+                <a:solidFill>
+                  <a:schemeClr val="tx1"/>
+                </a:solidFill>
+                <a:latin typeface="Courier" pitchFamily="49" charset="0"/>
+              </a:rPr>
+              <a:t>(</a:t>
+            </a:r>
+            <a:r>
+              <a:rPr lang="en-US" sz="2200" dirty="0" err="1" smtClean="0">
+                <a:solidFill>
+                  <a:schemeClr val="tx1"/>
+                </a:solidFill>
+                <a:latin typeface="Courier" pitchFamily="49" charset="0"/>
+              </a:rPr>
+              <a:t>int</a:t>
+            </a:r>
+            <a:r>
+              <a:rPr lang="en-US" sz="2200" dirty="0" smtClean="0">
+                <a:solidFill>
+                  <a:schemeClr val="tx1"/>
+                </a:solidFill>
+                <a:latin typeface="Courier" pitchFamily="49" charset="0"/>
+              </a:rPr>
+              <a:t> year, </a:t>
+            </a:r>
+            <a:r>
+              <a:rPr lang="en-US" sz="2200" dirty="0" err="1" smtClean="0">
+                <a:solidFill>
+                  <a:schemeClr val="tx1"/>
+                </a:solidFill>
+                <a:latin typeface="Courier" pitchFamily="49" charset="0"/>
+              </a:rPr>
+              <a:t>int</a:t>
+            </a:r>
+            <a:r>
+              <a:rPr lang="en-US" sz="2200" dirty="0" smtClean="0">
+                <a:solidFill>
+                  <a:schemeClr val="tx1"/>
+                </a:solidFill>
+                <a:latin typeface="Courier" pitchFamily="49" charset="0"/>
+              </a:rPr>
+              <a:t> month) {	</a:t>
+            </a:r>
+          </a:p>
+          <a:p>
+            <a:r>
+              <a:rPr lang="en-US" sz="2200" dirty="0" smtClean="0">
+                <a:solidFill>
+                  <a:schemeClr val="tx1"/>
+                </a:solidFill>
+                <a:latin typeface="Courier" pitchFamily="49" charset="0"/>
+              </a:rPr>
+              <a:t>    </a:t>
+            </a:r>
+            <a:r>
+              <a:rPr lang="en-US" sz="2200" dirty="0" err="1" smtClean="0">
+                <a:solidFill>
+                  <a:schemeClr val="tx1"/>
+                </a:solidFill>
+                <a:latin typeface="Courier" pitchFamily="49" charset="0"/>
+              </a:rPr>
+              <a:t>int</a:t>
+            </a:r>
+            <a:r>
+              <a:rPr lang="en-US" sz="2200" dirty="0" smtClean="0">
+                <a:solidFill>
+                  <a:schemeClr val="tx1"/>
+                </a:solidFill>
+                <a:latin typeface="Courier" pitchFamily="49" charset="0"/>
+              </a:rPr>
+              <a:t> </a:t>
+            </a:r>
+            <a:r>
+              <a:rPr lang="en-US" sz="2200" dirty="0" err="1" smtClean="0">
+                <a:solidFill>
+                  <a:schemeClr val="tx1"/>
+                </a:solidFill>
+                <a:latin typeface="Courier" pitchFamily="49" charset="0"/>
+              </a:rPr>
+              <a:t>maxDay</a:t>
+            </a:r>
+            <a:r>
+              <a:rPr lang="en-US" sz="2200" dirty="0" smtClean="0">
+                <a:solidFill>
+                  <a:schemeClr val="tx1"/>
+                </a:solidFill>
+                <a:latin typeface="Courier" pitchFamily="49" charset="0"/>
+              </a:rPr>
+              <a:t>=0;</a:t>
+            </a:r>
+          </a:p>
+          <a:p>
+            <a:r>
+              <a:rPr lang="en-US" sz="2200" dirty="0" smtClean="0">
+                <a:solidFill>
+                  <a:schemeClr val="tx1"/>
+                </a:solidFill>
+                <a:latin typeface="Courier" pitchFamily="49" charset="0"/>
+              </a:rPr>
+              <a:t>    if(</a:t>
+            </a:r>
+            <a:r>
+              <a:rPr lang="en-US" sz="2200" dirty="0" err="1" smtClean="0">
+                <a:solidFill>
+                  <a:schemeClr val="tx1"/>
+                </a:solidFill>
+                <a:latin typeface="Courier" pitchFamily="49" charset="0"/>
+              </a:rPr>
+              <a:t>month≥1</a:t>
+            </a:r>
+            <a:r>
+              <a:rPr lang="en-US" sz="2200" dirty="0" smtClean="0">
+                <a:solidFill>
+                  <a:schemeClr val="tx1"/>
+                </a:solidFill>
+                <a:latin typeface="Courier" pitchFamily="49" charset="0"/>
+              </a:rPr>
+              <a:t> &amp;&amp; </a:t>
+            </a:r>
+            <a:r>
+              <a:rPr lang="en-US" sz="2200" dirty="0" err="1" smtClean="0">
+                <a:solidFill>
+                  <a:schemeClr val="tx1"/>
+                </a:solidFill>
+                <a:latin typeface="Courier" pitchFamily="49" charset="0"/>
+              </a:rPr>
+              <a:t>month≤12</a:t>
+            </a:r>
+            <a:r>
+              <a:rPr lang="en-US" sz="2200" dirty="0" smtClean="0">
+                <a:solidFill>
+                  <a:schemeClr val="tx1"/>
+                </a:solidFill>
+                <a:latin typeface="Courier" pitchFamily="49" charset="0"/>
+              </a:rPr>
+              <a:t>) {</a:t>
+            </a:r>
+          </a:p>
+          <a:p>
+            <a:r>
+              <a:rPr lang="en-US" sz="2200" dirty="0" smtClean="0">
+                <a:solidFill>
+                  <a:schemeClr val="tx1"/>
+                </a:solidFill>
+                <a:latin typeface="Courier" pitchFamily="49" charset="0"/>
+              </a:rPr>
+              <a:t>        if(month=2) {</a:t>
+            </a:r>
+          </a:p>
+          <a:p>
+            <a:r>
+              <a:rPr lang="en-US" sz="2200" dirty="0" smtClean="0">
+                <a:solidFill>
+                  <a:schemeClr val="tx1"/>
+                </a:solidFill>
+                <a:latin typeface="Courier" pitchFamily="49" charset="0"/>
+              </a:rPr>
+              <a:t>            if(</a:t>
+            </a:r>
+            <a:r>
+              <a:rPr lang="en-US" sz="2200" dirty="0" err="1" smtClean="0">
+                <a:solidFill>
+                  <a:schemeClr val="tx1"/>
+                </a:solidFill>
+                <a:latin typeface="Courier" pitchFamily="49" charset="0"/>
+              </a:rPr>
+              <a:t>year%400</a:t>
+            </a:r>
+            <a:r>
+              <a:rPr lang="en-US" sz="2200" dirty="0" smtClean="0">
+                <a:solidFill>
+                  <a:schemeClr val="tx1"/>
+                </a:solidFill>
+                <a:latin typeface="Courier" pitchFamily="49" charset="0"/>
+              </a:rPr>
+              <a:t>=0||(</a:t>
+            </a:r>
+            <a:r>
+              <a:rPr lang="en-US" sz="2200" dirty="0" err="1" smtClean="0">
+                <a:solidFill>
+                  <a:schemeClr val="tx1"/>
+                </a:solidFill>
+                <a:latin typeface="Courier" pitchFamily="49" charset="0"/>
+              </a:rPr>
+              <a:t>year%4</a:t>
+            </a:r>
+            <a:r>
+              <a:rPr lang="en-US" sz="2200" dirty="0" smtClean="0">
+                <a:solidFill>
+                  <a:schemeClr val="tx1"/>
+                </a:solidFill>
+                <a:latin typeface="Courier" pitchFamily="49" charset="0"/>
+              </a:rPr>
+              <a:t>=0&amp;&amp;</a:t>
+            </a:r>
+            <a:r>
+              <a:rPr lang="en-US" sz="2200" dirty="0" err="1" smtClean="0">
+                <a:solidFill>
+                  <a:schemeClr val="tx1"/>
+                </a:solidFill>
+                <a:latin typeface="Courier" pitchFamily="49" charset="0"/>
+              </a:rPr>
+              <a:t>year%100</a:t>
+            </a:r>
+            <a:r>
+              <a:rPr lang="en-US" sz="2200" dirty="0" smtClean="0">
+                <a:solidFill>
+                  <a:schemeClr val="tx1"/>
+                </a:solidFill>
+                <a:latin typeface="Courier" pitchFamily="49" charset="0"/>
+              </a:rPr>
+              <a:t>=0))</a:t>
+            </a:r>
+          </a:p>
+          <a:p>
+            <a:r>
+              <a:rPr lang="en-US" sz="2200" dirty="0" smtClean="0">
+                <a:solidFill>
+                  <a:schemeClr val="tx1"/>
+                </a:solidFill>
+                <a:latin typeface="Courier" pitchFamily="49" charset="0"/>
+              </a:rPr>
+              <a:t>                //</a:t>
+            </a:r>
+            <a:r>
+              <a:rPr lang="en-US" sz="2200" dirty="0" err="1" smtClean="0">
+                <a:solidFill>
+                  <a:schemeClr val="tx1"/>
+                </a:solidFill>
+                <a:latin typeface="Courier" pitchFamily="49" charset="0"/>
+              </a:rPr>
+              <a:t>bch3</a:t>
+            </a:r>
+            <a:r>
+              <a:rPr lang="en-US" sz="2200" dirty="0" smtClean="0">
+                <a:solidFill>
+                  <a:schemeClr val="tx1"/>
+                </a:solidFill>
+                <a:latin typeface="Courier" pitchFamily="49" charset="0"/>
+              </a:rPr>
+              <a:t>: branch 3</a:t>
+            </a:r>
+          </a:p>
+          <a:p>
+            <a:r>
+              <a:rPr lang="en-US" sz="2200" dirty="0" smtClean="0">
+                <a:solidFill>
+                  <a:schemeClr val="tx1"/>
+                </a:solidFill>
+                <a:latin typeface="Courier" pitchFamily="49" charset="0"/>
+              </a:rPr>
+              <a:t>                </a:t>
+            </a:r>
+            <a:r>
+              <a:rPr lang="en-US" sz="2200" dirty="0" err="1" smtClean="0">
+                <a:solidFill>
+                  <a:schemeClr val="tx1"/>
+                </a:solidFill>
+                <a:latin typeface="Courier" pitchFamily="49" charset="0"/>
+              </a:rPr>
+              <a:t>maxDay</a:t>
+            </a:r>
+            <a:r>
+              <a:rPr lang="en-US" sz="2200" dirty="0" smtClean="0">
+                <a:solidFill>
+                  <a:schemeClr val="tx1"/>
+                </a:solidFill>
+                <a:latin typeface="Courier" pitchFamily="49" charset="0"/>
+              </a:rPr>
+              <a:t>=29; // path 5</a:t>
+            </a:r>
+          </a:p>
+          <a:p>
+            <a:r>
+              <a:rPr lang="en-US" sz="2200" dirty="0" smtClean="0">
+                <a:solidFill>
+                  <a:schemeClr val="tx1"/>
+                </a:solidFill>
+                <a:latin typeface="Courier" pitchFamily="49" charset="0"/>
+              </a:rPr>
+              <a:t>            else //</a:t>
+            </a:r>
+            <a:r>
+              <a:rPr lang="en-US" sz="2200" dirty="0" err="1" smtClean="0">
+                <a:solidFill>
+                  <a:schemeClr val="tx1"/>
+                </a:solidFill>
+                <a:latin typeface="Courier" pitchFamily="49" charset="0"/>
+              </a:rPr>
+              <a:t>bch4</a:t>
+            </a:r>
+            <a:r>
+              <a:rPr lang="en-US" sz="2200" dirty="0" smtClean="0">
+                <a:solidFill>
+                  <a:schemeClr val="tx1"/>
+                </a:solidFill>
+                <a:latin typeface="Courier" pitchFamily="49" charset="0"/>
+              </a:rPr>
+              <a:t>: branch 4</a:t>
+            </a:r>
+          </a:p>
+          <a:p>
+            <a:r>
+              <a:rPr lang="en-US" sz="2200" dirty="0" smtClean="0">
+                <a:solidFill>
+                  <a:schemeClr val="tx1"/>
+                </a:solidFill>
+                <a:latin typeface="Courier" pitchFamily="49" charset="0"/>
+              </a:rPr>
+              <a:t>                </a:t>
+            </a:r>
+            <a:r>
+              <a:rPr lang="en-US" sz="2200" dirty="0" err="1" smtClean="0">
+                <a:solidFill>
+                  <a:schemeClr val="tx1"/>
+                </a:solidFill>
+                <a:latin typeface="Courier" pitchFamily="49" charset="0"/>
+              </a:rPr>
+              <a:t>maxDay</a:t>
+            </a:r>
+            <a:r>
+              <a:rPr lang="en-US" sz="2200" dirty="0" smtClean="0">
+                <a:solidFill>
+                  <a:schemeClr val="tx1"/>
+                </a:solidFill>
+                <a:latin typeface="Courier" pitchFamily="49" charset="0"/>
+              </a:rPr>
+              <a:t>=28; // path 4</a:t>
+            </a:r>
+          </a:p>
+          <a:p>
+            <a:r>
+              <a:rPr lang="en-US" sz="2200" dirty="0" smtClean="0">
+                <a:solidFill>
+                  <a:schemeClr val="tx1"/>
+                </a:solidFill>
+                <a:latin typeface="Courier" pitchFamily="49" charset="0"/>
+              </a:rPr>
+              <a:t>        }</a:t>
+            </a:r>
+          </a:p>
+          <a:p>
+            <a:r>
+              <a:rPr lang="en-US" sz="2200" dirty="0" smtClean="0">
+                <a:solidFill>
+                  <a:schemeClr val="tx1"/>
+                </a:solidFill>
+                <a:latin typeface="Courier" pitchFamily="49" charset="0"/>
+              </a:rPr>
+              <a:t>        else if(month=4||month=6||month=9||month=11)</a:t>
+            </a:r>
+          </a:p>
+          <a:p>
+            <a:r>
+              <a:rPr lang="en-US" sz="2200" dirty="0" smtClean="0">
+                <a:solidFill>
+                  <a:schemeClr val="tx1"/>
+                </a:solidFill>
+                <a:latin typeface="Courier" pitchFamily="49" charset="0"/>
+              </a:rPr>
+              <a:t>            //</a:t>
+            </a:r>
+            <a:r>
+              <a:rPr lang="en-US" sz="2200" dirty="0" err="1" smtClean="0">
+                <a:solidFill>
+                  <a:schemeClr val="tx1"/>
+                </a:solidFill>
+                <a:latin typeface="Courier" pitchFamily="49" charset="0"/>
+              </a:rPr>
+              <a:t>bch5</a:t>
+            </a:r>
+            <a:r>
+              <a:rPr lang="en-US" sz="2200" dirty="0" smtClean="0">
+                <a:solidFill>
+                  <a:schemeClr val="tx1"/>
+                </a:solidFill>
+                <a:latin typeface="Courier" pitchFamily="49" charset="0"/>
+              </a:rPr>
+              <a:t>: branch 5</a:t>
+            </a:r>
+          </a:p>
+          <a:p>
+            <a:r>
+              <a:rPr lang="en-US" sz="2200" dirty="0" smtClean="0">
+                <a:solidFill>
+                  <a:schemeClr val="tx1"/>
+                </a:solidFill>
+                <a:latin typeface="Courier" pitchFamily="49" charset="0"/>
+              </a:rPr>
+              <a:t>            </a:t>
+            </a:r>
+            <a:r>
+              <a:rPr lang="en-US" sz="2200" dirty="0" err="1" smtClean="0">
+                <a:solidFill>
+                  <a:schemeClr val="tx1"/>
+                </a:solidFill>
+                <a:latin typeface="Courier" pitchFamily="49" charset="0"/>
+              </a:rPr>
+              <a:t>maxDay</a:t>
+            </a:r>
+            <a:r>
+              <a:rPr lang="en-US" sz="2200" dirty="0" smtClean="0">
+                <a:solidFill>
+                  <a:schemeClr val="tx1"/>
+                </a:solidFill>
+                <a:latin typeface="Courier" pitchFamily="49" charset="0"/>
+              </a:rPr>
+              <a:t>=30; // path 3</a:t>
+            </a:r>
+          </a:p>
+          <a:p>
+            <a:r>
+              <a:rPr lang="en-US" sz="2200" dirty="0" smtClean="0">
+                <a:solidFill>
+                  <a:schemeClr val="tx1"/>
+                </a:solidFill>
+                <a:latin typeface="Courier" pitchFamily="49" charset="0"/>
+              </a:rPr>
+              <a:t>        else //</a:t>
+            </a:r>
+            <a:r>
+              <a:rPr lang="en-US" sz="2200" dirty="0" err="1" smtClean="0">
+                <a:solidFill>
+                  <a:schemeClr val="tx1"/>
+                </a:solidFill>
+                <a:latin typeface="Courier" pitchFamily="49" charset="0"/>
+              </a:rPr>
+              <a:t>bch6</a:t>
+            </a:r>
+            <a:r>
+              <a:rPr lang="en-US" sz="2200" dirty="0" smtClean="0">
+                <a:solidFill>
+                  <a:schemeClr val="tx1"/>
+                </a:solidFill>
+                <a:latin typeface="Courier" pitchFamily="49" charset="0"/>
+              </a:rPr>
+              <a:t>: branch 6</a:t>
+            </a:r>
+          </a:p>
+          <a:p>
+            <a:r>
+              <a:rPr lang="en-US" sz="2200" dirty="0" smtClean="0">
+                <a:solidFill>
+                  <a:schemeClr val="tx1"/>
+                </a:solidFill>
+                <a:latin typeface="Courier" pitchFamily="49" charset="0"/>
+              </a:rPr>
+              <a:t>            </a:t>
+            </a:r>
+            <a:r>
+              <a:rPr lang="en-US" sz="2200" dirty="0" err="1" smtClean="0">
+                <a:solidFill>
+                  <a:schemeClr val="tx1"/>
+                </a:solidFill>
+                <a:latin typeface="Courier" pitchFamily="49" charset="0"/>
+              </a:rPr>
+              <a:t>maxDay</a:t>
+            </a:r>
+            <a:r>
+              <a:rPr lang="en-US" sz="2200" dirty="0" smtClean="0">
+                <a:solidFill>
+                  <a:schemeClr val="tx1"/>
+                </a:solidFill>
+                <a:latin typeface="Courier" pitchFamily="49" charset="0"/>
+              </a:rPr>
+              <a:t>=31; // path 2</a:t>
+            </a:r>
+          </a:p>
+          <a:p>
+            <a:r>
+              <a:rPr lang="en-US" sz="2200" dirty="0" smtClean="0">
+                <a:solidFill>
+                  <a:schemeClr val="tx1"/>
+                </a:solidFill>
+                <a:latin typeface="Courier" pitchFamily="49" charset="0"/>
+              </a:rPr>
+              <a:t>    }</a:t>
+            </a:r>
+          </a:p>
+          <a:p>
+            <a:r>
+              <a:rPr lang="en-US" sz="2200" dirty="0" smtClean="0">
+                <a:solidFill>
+                  <a:schemeClr val="tx1"/>
+                </a:solidFill>
+                <a:latin typeface="Courier" pitchFamily="49" charset="0"/>
+              </a:rPr>
+              <a:t>    else //</a:t>
+            </a:r>
+            <a:r>
+              <a:rPr lang="en-US" sz="2200" dirty="0" err="1" smtClean="0">
+                <a:solidFill>
+                  <a:schemeClr val="tx1"/>
+                </a:solidFill>
+                <a:latin typeface="Courier" pitchFamily="49" charset="0"/>
+              </a:rPr>
+              <a:t>bch7</a:t>
+            </a:r>
+            <a:r>
+              <a:rPr lang="en-US" sz="2200" dirty="0" smtClean="0">
+                <a:solidFill>
+                  <a:schemeClr val="tx1"/>
+                </a:solidFill>
+                <a:latin typeface="Courier" pitchFamily="49" charset="0"/>
+              </a:rPr>
+              <a:t>: branch 7</a:t>
+            </a:r>
+          </a:p>
+          <a:p>
+            <a:r>
+              <a:rPr lang="en-US" sz="2200" dirty="0" smtClean="0">
+                <a:solidFill>
+                  <a:schemeClr val="tx1"/>
+                </a:solidFill>
+                <a:latin typeface="Courier" pitchFamily="49" charset="0"/>
+              </a:rPr>
+              <a:t>        </a:t>
+            </a:r>
+            <a:r>
+              <a:rPr lang="en-US" sz="2200" dirty="0" err="1" smtClean="0">
+                <a:solidFill>
+                  <a:schemeClr val="tx1"/>
+                </a:solidFill>
+                <a:latin typeface="Courier" pitchFamily="49" charset="0"/>
+              </a:rPr>
+              <a:t>maxDay</a:t>
+            </a:r>
+            <a:r>
+              <a:rPr lang="en-US" sz="2200" dirty="0" smtClean="0">
+                <a:solidFill>
+                  <a:schemeClr val="tx1"/>
+                </a:solidFill>
+                <a:latin typeface="Courier" pitchFamily="49" charset="0"/>
+              </a:rPr>
+              <a:t>=-1; // path 1</a:t>
+            </a:r>
+          </a:p>
+          <a:p>
+            <a:r>
+              <a:rPr lang="en-US" sz="2200" dirty="0" smtClean="0">
+                <a:solidFill>
+                  <a:schemeClr val="tx1"/>
+                </a:solidFill>
+                <a:latin typeface="Courier" pitchFamily="49" charset="0"/>
+              </a:rPr>
+              <a:t>    return </a:t>
+            </a:r>
+            <a:r>
+              <a:rPr lang="en-US" sz="2200" dirty="0" err="1" smtClean="0">
+                <a:solidFill>
+                  <a:schemeClr val="tx1"/>
+                </a:solidFill>
+                <a:latin typeface="Courier" pitchFamily="49" charset="0"/>
+              </a:rPr>
+              <a:t>maxDay</a:t>
+            </a:r>
+            <a:r>
+              <a:rPr lang="en-US" sz="2200" dirty="0" smtClean="0">
+                <a:solidFill>
+                  <a:schemeClr val="tx1"/>
+                </a:solidFill>
+                <a:latin typeface="Courier" pitchFamily="49" charset="0"/>
+              </a:rPr>
+              <a:t>;</a:t>
+            </a:r>
+          </a:p>
+          <a:p>
+            <a:r>
+              <a:rPr lang="en-US" sz="2200" dirty="0" smtClean="0">
+                <a:solidFill>
+                  <a:schemeClr val="tx1"/>
+                </a:solidFill>
+                <a:latin typeface="Courier" pitchFamily="49" charset="0"/>
+              </a:rPr>
+              <a:t>}</a:t>
+            </a:r>
+            <a:endParaRPr lang="en-US" sz="2200" dirty="0">
+              <a:solidFill>
+                <a:schemeClr val="tx1"/>
+              </a:solidFill>
+              <a:latin typeface="Courier" pitchFamily="49" charset="0"/>
+            </a:endParaRPr>
+          </a:p>
+        </p:txBody>
+      </p:sp>
     </p:spTree>
     <p:extLst>
       <p:ext uri="{BB962C8B-B14F-4D97-AF65-F5344CB8AC3E}">
-        <p14:creationId xmlns:p14="http://schemas.microsoft.com/office/powerpoint/2010/main" val="1443433903"/>
+        <p14:creationId xmlns="" xmlns:p14="http://schemas.microsoft.com/office/powerpoint/2010/main" val="1443433903"/>
       </p:ext>
     </p:extLst>
   </p:cSld>
@@ -9327,7 +11022,7 @@
         <a:effectLst/>
         <a:extLst>
           <a:ext uri="{91240B29-F687-4F45-9708-019B960494DF}">
-            <a14:hiddenLine xmlns:a14="http://schemas.microsoft.com/office/drawing/2010/main" w="9525" cap="flat" cmpd="sng" algn="ctr">
+            <a14:hiddenLine xmlns="" xmlns:a14="http://schemas.microsoft.com/office/drawing/2010/main" w="9525" cap="flat" cmpd="sng" algn="ctr">
               <a:solidFill>
                 <a:schemeClr val="tx1"/>
               </a:solidFill>
@@ -9338,7 +11033,7 @@
             </a14:hiddenLine>
           </a:ext>
           <a:ext uri="{AF507438-7753-43E0-B8FC-AC1667EBCBE1}">
-            <a14:hiddenEffects xmlns:a14="http://schemas.microsoft.com/office/drawing/2010/main">
+            <a14:hiddenEffects xmlns="" xmlns:a14="http://schemas.microsoft.com/office/drawing/2010/main">
               <a:effectLst>
                 <a:outerShdw dist="35921" dir="2700000" algn="ctr" rotWithShape="0">
                   <a:schemeClr val="bg2"/>
@@ -9415,7 +11110,7 @@
         <a:effectLst/>
         <a:extLst>
           <a:ext uri="{91240B29-F687-4F45-9708-019B960494DF}">
-            <a14:hiddenLine xmlns:a14="http://schemas.microsoft.com/office/drawing/2010/main" w="9525" cap="flat" cmpd="sng" algn="ctr">
+            <a14:hiddenLine xmlns="" xmlns:a14="http://schemas.microsoft.com/office/drawing/2010/main" w="9525" cap="flat" cmpd="sng" algn="ctr">
               <a:solidFill>
                 <a:schemeClr val="tx1"/>
               </a:solidFill>
@@ -9426,7 +11121,7 @@
             </a14:hiddenLine>
           </a:ext>
           <a:ext uri="{AF507438-7753-43E0-B8FC-AC1667EBCBE1}">
-            <a14:hiddenEffects xmlns:a14="http://schemas.microsoft.com/office/drawing/2010/main">
+            <a14:hiddenEffects xmlns="" xmlns:a14="http://schemas.microsoft.com/office/drawing/2010/main">
               <a:effectLst>
                 <a:outerShdw dist="35921" dir="2700000" algn="ctr" rotWithShape="0">
                   <a:schemeClr val="bg2"/>
